--- a/ServerGameBYLua2/说明文档/服务器架构设计.pptx
+++ b/ServerGameBYLua2/说明文档/服务器架构设计.pptx
@@ -200,7 +200,7 @@
             <a:fld id="{35690F42-C07F-45EA-B79C-52B2ED2EDF55}" type="datetimeFigureOut">
               <a:rPr lang="zh-CN" altLang="en-US" smtClean="0"/>
               <a:pPr/>
-              <a:t>2018/11/28</a:t>
+              <a:t>2018/11/29</a:t>
             </a:fld>
             <a:endParaRPr lang="zh-CN" altLang="en-US"/>
           </a:p>
@@ -656,7 +656,7 @@
             <a:fld id="{530820CF-B880-4189-942D-D702A7CBA730}" type="datetimeFigureOut">
               <a:rPr lang="zh-CN" altLang="en-US" smtClean="0"/>
               <a:pPr/>
-              <a:t>2018/11/28</a:t>
+              <a:t>2018/11/29</a:t>
             </a:fld>
             <a:endParaRPr lang="zh-CN" altLang="en-US"/>
           </a:p>
@@ -847,7 +847,7 @@
             <a:fld id="{530820CF-B880-4189-942D-D702A7CBA730}" type="datetimeFigureOut">
               <a:rPr lang="zh-CN" altLang="en-US" smtClean="0"/>
               <a:pPr/>
-              <a:t>2018/11/28</a:t>
+              <a:t>2018/11/29</a:t>
             </a:fld>
             <a:endParaRPr lang="zh-CN" altLang="en-US"/>
           </a:p>
@@ -1048,7 +1048,7 @@
             <a:fld id="{530820CF-B880-4189-942D-D702A7CBA730}" type="datetimeFigureOut">
               <a:rPr lang="zh-CN" altLang="en-US" smtClean="0"/>
               <a:pPr/>
-              <a:t>2018/11/28</a:t>
+              <a:t>2018/11/29</a:t>
             </a:fld>
             <a:endParaRPr lang="zh-CN" altLang="en-US"/>
           </a:p>
@@ -1239,7 +1239,7 @@
             <a:fld id="{530820CF-B880-4189-942D-D702A7CBA730}" type="datetimeFigureOut">
               <a:rPr lang="zh-CN" altLang="en-US" smtClean="0"/>
               <a:pPr/>
-              <a:t>2018/11/28</a:t>
+              <a:t>2018/11/29</a:t>
             </a:fld>
             <a:endParaRPr lang="zh-CN" altLang="en-US"/>
           </a:p>
@@ -1506,7 +1506,7 @@
             <a:fld id="{530820CF-B880-4189-942D-D702A7CBA730}" type="datetimeFigureOut">
               <a:rPr lang="zh-CN" altLang="en-US" smtClean="0"/>
               <a:pPr/>
-              <a:t>2018/11/28</a:t>
+              <a:t>2018/11/29</a:t>
             </a:fld>
             <a:endParaRPr lang="zh-CN" altLang="en-US"/>
           </a:p>
@@ -1815,7 +1815,7 @@
             <a:fld id="{530820CF-B880-4189-942D-D702A7CBA730}" type="datetimeFigureOut">
               <a:rPr lang="zh-CN" altLang="en-US" smtClean="0"/>
               <a:pPr/>
-              <a:t>2018/11/28</a:t>
+              <a:t>2018/11/29</a:t>
             </a:fld>
             <a:endParaRPr lang="zh-CN" altLang="en-US"/>
           </a:p>
@@ -2258,7 +2258,7 @@
             <a:fld id="{530820CF-B880-4189-942D-D702A7CBA730}" type="datetimeFigureOut">
               <a:rPr lang="zh-CN" altLang="en-US" smtClean="0"/>
               <a:pPr/>
-              <a:t>2018/11/28</a:t>
+              <a:t>2018/11/29</a:t>
             </a:fld>
             <a:endParaRPr lang="zh-CN" altLang="en-US"/>
           </a:p>
@@ -2397,7 +2397,7 @@
             <a:fld id="{530820CF-B880-4189-942D-D702A7CBA730}" type="datetimeFigureOut">
               <a:rPr lang="zh-CN" altLang="en-US" smtClean="0"/>
               <a:pPr/>
-              <a:t>2018/11/28</a:t>
+              <a:t>2018/11/29</a:t>
             </a:fld>
             <a:endParaRPr lang="zh-CN" altLang="en-US"/>
           </a:p>
@@ -2513,7 +2513,7 @@
             <a:fld id="{530820CF-B880-4189-942D-D702A7CBA730}" type="datetimeFigureOut">
               <a:rPr lang="zh-CN" altLang="en-US" smtClean="0"/>
               <a:pPr/>
-              <a:t>2018/11/28</a:t>
+              <a:t>2018/11/29</a:t>
             </a:fld>
             <a:endParaRPr lang="zh-CN" altLang="en-US"/>
           </a:p>
@@ -2811,7 +2811,7 @@
             <a:fld id="{530820CF-B880-4189-942D-D702A7CBA730}" type="datetimeFigureOut">
               <a:rPr lang="zh-CN" altLang="en-US" smtClean="0"/>
               <a:pPr/>
-              <a:t>2018/11/28</a:t>
+              <a:t>2018/11/29</a:t>
             </a:fld>
             <a:endParaRPr lang="zh-CN" altLang="en-US"/>
           </a:p>
@@ -3085,7 +3085,7 @@
             <a:fld id="{530820CF-B880-4189-942D-D702A7CBA730}" type="datetimeFigureOut">
               <a:rPr lang="zh-CN" altLang="en-US" smtClean="0"/>
               <a:pPr/>
-              <a:t>2018/11/28</a:t>
+              <a:t>2018/11/29</a:t>
             </a:fld>
             <a:endParaRPr lang="zh-CN" altLang="en-US"/>
           </a:p>
@@ -3599,11 +3599,7 @@
             </a:r>
             <a:r>
               <a:rPr lang="zh-CN" altLang="en-US" sz="4000" dirty="0" smtClean="0"/>
-              <a:t>服务器</a:t>
-            </a:r>
-            <a:r>
-              <a:rPr lang="zh-CN" altLang="en-US" sz="4000" dirty="0" smtClean="0"/>
-              <a:t>架构说明</a:t>
+              <a:t>服务器架构说明</a:t>
             </a:r>
             <a:endParaRPr lang="zh-CN" altLang="en-US" sz="4000" dirty="0"/>
           </a:p>
@@ -4827,7 +4823,7 @@
         <p:spPr>
           <a:xfrm>
             <a:off x="1835696" y="620688"/>
-            <a:ext cx="7056784" cy="1200329"/>
+            <a:ext cx="7056784" cy="1477328"/>
           </a:xfrm>
           <a:prstGeom prst="rect">
             <a:avLst/>
@@ -4934,7 +4930,87 @@
                 <a:latin typeface="微软雅黑" pitchFamily="34" charset="-122"/>
                 <a:ea typeface="微软雅黑" pitchFamily="34" charset="-122"/>
               </a:rPr>
-              <a:t>主线程处理的</a:t>
+              <a:t>主线程会传递消息给</a:t>
+            </a:r>
+            <a:r>
+              <a:rPr lang="en-US" altLang="zh-CN" dirty="0" smtClean="0">
+                <a:solidFill>
+                  <a:schemeClr val="bg1"/>
+                </a:solidFill>
+                <a:latin typeface="微软雅黑" pitchFamily="34" charset="-122"/>
+                <a:ea typeface="微软雅黑" pitchFamily="34" charset="-122"/>
+              </a:rPr>
+              <a:t>go</a:t>
+            </a:r>
+            <a:r>
+              <a:rPr lang="zh-CN" altLang="en-US" dirty="0" smtClean="0">
+                <a:solidFill>
+                  <a:schemeClr val="bg1"/>
+                </a:solidFill>
+                <a:latin typeface="微软雅黑" pitchFamily="34" charset="-122"/>
+                <a:ea typeface="微软雅黑" pitchFamily="34" charset="-122"/>
+              </a:rPr>
+              <a:t>， 然后</a:t>
+            </a:r>
+            <a:r>
+              <a:rPr lang="en-US" altLang="zh-CN" dirty="0" smtClean="0">
+                <a:solidFill>
+                  <a:schemeClr val="bg1"/>
+                </a:solidFill>
+                <a:latin typeface="微软雅黑" pitchFamily="34" charset="-122"/>
+                <a:ea typeface="微软雅黑" pitchFamily="34" charset="-122"/>
+              </a:rPr>
+              <a:t>go</a:t>
+            </a:r>
+            <a:r>
+              <a:rPr lang="zh-CN" altLang="en-US" dirty="0" smtClean="0">
+                <a:solidFill>
+                  <a:schemeClr val="bg1"/>
+                </a:solidFill>
+                <a:latin typeface="微软雅黑" pitchFamily="34" charset="-122"/>
+                <a:ea typeface="微软雅黑" pitchFamily="34" charset="-122"/>
+              </a:rPr>
+              <a:t>开启一个</a:t>
+            </a:r>
+            <a:r>
+              <a:rPr lang="en-US" altLang="zh-CN" dirty="0" err="1" smtClean="0">
+                <a:solidFill>
+                  <a:schemeClr val="bg1"/>
+                </a:solidFill>
+                <a:latin typeface="微软雅黑" pitchFamily="34" charset="-122"/>
+                <a:ea typeface="微软雅黑" pitchFamily="34" charset="-122"/>
+              </a:rPr>
+              <a:t>gorountie</a:t>
+            </a:r>
+            <a:r>
+              <a:rPr lang="zh-CN" altLang="en-US" dirty="0" smtClean="0">
+                <a:solidFill>
+                  <a:schemeClr val="bg1"/>
+                </a:solidFill>
+                <a:latin typeface="微软雅黑" pitchFamily="34" charset="-122"/>
+                <a:ea typeface="微软雅黑" pitchFamily="34" charset="-122"/>
+              </a:rPr>
+              <a:t>去</a:t>
+            </a:r>
+            <a:r>
+              <a:rPr lang="zh-CN" altLang="en-US" dirty="0" smtClean="0">
+                <a:solidFill>
+                  <a:schemeClr val="bg1"/>
+                </a:solidFill>
+                <a:latin typeface="微软雅黑" pitchFamily="34" charset="-122"/>
+                <a:ea typeface="微软雅黑" pitchFamily="34" charset="-122"/>
+              </a:rPr>
+              <a:t>处理，包括生成</a:t>
+            </a:r>
+            <a:r>
+              <a:rPr lang="zh-CN" altLang="en-US" dirty="0" smtClean="0">
+                <a:solidFill>
+                  <a:schemeClr val="bg1"/>
+                </a:solidFill>
+                <a:latin typeface="微软雅黑" pitchFamily="34" charset="-122"/>
+                <a:ea typeface="微软雅黑" pitchFamily="34" charset="-122"/>
+              </a:rPr>
+              <a:t>数据包，然后发送</a:t>
             </a:r>
             <a:endParaRPr lang="en-US" altLang="zh-CN" dirty="0" smtClean="0">
               <a:solidFill>
@@ -5357,11 +5433,7 @@
             </a:r>
             <a:r>
               <a:rPr lang="zh-CN" altLang="en-US" sz="4000" dirty="0" smtClean="0"/>
-              <a:t>服务器</a:t>
-            </a:r>
-            <a:r>
-              <a:rPr lang="zh-CN" altLang="en-US" sz="4000" dirty="0" smtClean="0"/>
-              <a:t>架构说明</a:t>
+              <a:t>服务器架构说明</a:t>
             </a:r>
             <a:endParaRPr lang="zh-CN" altLang="en-US" sz="4000" dirty="0"/>
           </a:p>
@@ -5792,7 +5864,76 @@
                 <a:latin typeface="微软雅黑" pitchFamily="34" charset="-122"/>
                 <a:ea typeface="微软雅黑" pitchFamily="34" charset="-122"/>
               </a:rPr>
-              <a:t>，掌握该游戏所有的桌子</a:t>
+              <a:t>，掌握该游戏所有的</a:t>
+            </a:r>
+            <a:r>
+              <a:rPr lang="zh-CN" altLang="en-US" sz="1600" dirty="0" smtClean="0">
+                <a:solidFill>
+                  <a:schemeClr val="bg1"/>
+                </a:solidFill>
+                <a:latin typeface="微软雅黑" pitchFamily="34" charset="-122"/>
+                <a:ea typeface="微软雅黑" pitchFamily="34" charset="-122"/>
+              </a:rPr>
+              <a:t>桌子</a:t>
+            </a:r>
+            <a:endParaRPr lang="en-US" altLang="zh-CN" sz="1600" dirty="0" smtClean="0">
+              <a:solidFill>
+                <a:schemeClr val="bg1"/>
+              </a:solidFill>
+              <a:latin typeface="微软雅黑" pitchFamily="34" charset="-122"/>
+              <a:ea typeface="微软雅黑" pitchFamily="34" charset="-122"/>
+            </a:endParaRPr>
+          </a:p>
+          <a:p>
+            <a:pPr algn="ctr" fontAlgn="ctr">
+              <a:buClr>
+                <a:srgbClr val="FF0000"/>
+              </a:buClr>
+              <a:buSzPct val="70000"/>
+              <a:tabLst>
+                <a:tab pos="723900" algn="l"/>
+                <a:tab pos="1447800" algn="l"/>
+              </a:tabLst>
+            </a:pPr>
+            <a:r>
+              <a:rPr lang="en-US" altLang="zh-CN" sz="1600" dirty="0" err="1" smtClean="0">
+                <a:solidFill>
+                  <a:schemeClr val="bg1"/>
+                </a:solidFill>
+              </a:rPr>
+              <a:t>GoRunTableAllList</a:t>
+            </a:r>
+            <a:r>
+              <a:rPr lang="en-US" altLang="zh-CN" sz="1600" dirty="0" smtClean="0">
+                <a:solidFill>
+                  <a:schemeClr val="bg1"/>
+                </a:solidFill>
+              </a:rPr>
+              <a:t>,</a:t>
+            </a:r>
+            <a:r>
+              <a:rPr lang="zh-CN" altLang="en-US" sz="1600" dirty="0" smtClean="0">
+                <a:solidFill>
+                  <a:schemeClr val="bg1"/>
+                </a:solidFill>
+              </a:rPr>
+              <a:t>掌握该游戏所有桌子的</a:t>
+            </a:r>
+            <a:r>
+              <a:rPr lang="en-US" altLang="zh-CN" sz="1600" dirty="0" smtClean="0">
+                <a:solidFill>
+                  <a:schemeClr val="bg1"/>
+                </a:solidFill>
+              </a:rPr>
+              <a:t>run</a:t>
+            </a:r>
+            <a:r>
+              <a:rPr lang="zh-CN" altLang="en-US" sz="1600" dirty="0" smtClean="0">
+                <a:solidFill>
+                  <a:schemeClr val="bg1"/>
+                </a:solidFill>
+              </a:rPr>
+              <a:t>函数，用于主循环循环遍历用</a:t>
             </a:r>
             <a:endParaRPr lang="en-US" altLang="zh-CN" sz="1600" dirty="0" smtClean="0">
               <a:solidFill>

--- a/ServerGameBYLua2/说明文档/服务器架构设计.pptx
+++ b/ServerGameBYLua2/说明文档/服务器架构设计.pptx
@@ -200,7 +200,7 @@
             <a:fld id="{35690F42-C07F-45EA-B79C-52B2ED2EDF55}" type="datetimeFigureOut">
               <a:rPr lang="zh-CN" altLang="en-US" smtClean="0"/>
               <a:pPr/>
-              <a:t>2018/11/29</a:t>
+              <a:t>2018/12/5</a:t>
             </a:fld>
             <a:endParaRPr lang="zh-CN" altLang="en-US"/>
           </a:p>
@@ -656,7 +656,7 @@
             <a:fld id="{530820CF-B880-4189-942D-D702A7CBA730}" type="datetimeFigureOut">
               <a:rPr lang="zh-CN" altLang="en-US" smtClean="0"/>
               <a:pPr/>
-              <a:t>2018/11/29</a:t>
+              <a:t>2018/12/5</a:t>
             </a:fld>
             <a:endParaRPr lang="zh-CN" altLang="en-US"/>
           </a:p>
@@ -847,7 +847,7 @@
             <a:fld id="{530820CF-B880-4189-942D-D702A7CBA730}" type="datetimeFigureOut">
               <a:rPr lang="zh-CN" altLang="en-US" smtClean="0"/>
               <a:pPr/>
-              <a:t>2018/11/29</a:t>
+              <a:t>2018/12/5</a:t>
             </a:fld>
             <a:endParaRPr lang="zh-CN" altLang="en-US"/>
           </a:p>
@@ -1048,7 +1048,7 @@
             <a:fld id="{530820CF-B880-4189-942D-D702A7CBA730}" type="datetimeFigureOut">
               <a:rPr lang="zh-CN" altLang="en-US" smtClean="0"/>
               <a:pPr/>
-              <a:t>2018/11/29</a:t>
+              <a:t>2018/12/5</a:t>
             </a:fld>
             <a:endParaRPr lang="zh-CN" altLang="en-US"/>
           </a:p>
@@ -1239,7 +1239,7 @@
             <a:fld id="{530820CF-B880-4189-942D-D702A7CBA730}" type="datetimeFigureOut">
               <a:rPr lang="zh-CN" altLang="en-US" smtClean="0"/>
               <a:pPr/>
-              <a:t>2018/11/29</a:t>
+              <a:t>2018/12/5</a:t>
             </a:fld>
             <a:endParaRPr lang="zh-CN" altLang="en-US"/>
           </a:p>
@@ -1506,7 +1506,7 @@
             <a:fld id="{530820CF-B880-4189-942D-D702A7CBA730}" type="datetimeFigureOut">
               <a:rPr lang="zh-CN" altLang="en-US" smtClean="0"/>
               <a:pPr/>
-              <a:t>2018/11/29</a:t>
+              <a:t>2018/12/5</a:t>
             </a:fld>
             <a:endParaRPr lang="zh-CN" altLang="en-US"/>
           </a:p>
@@ -1815,7 +1815,7 @@
             <a:fld id="{530820CF-B880-4189-942D-D702A7CBA730}" type="datetimeFigureOut">
               <a:rPr lang="zh-CN" altLang="en-US" smtClean="0"/>
               <a:pPr/>
-              <a:t>2018/11/29</a:t>
+              <a:t>2018/12/5</a:t>
             </a:fld>
             <a:endParaRPr lang="zh-CN" altLang="en-US"/>
           </a:p>
@@ -2258,7 +2258,7 @@
             <a:fld id="{530820CF-B880-4189-942D-D702A7CBA730}" type="datetimeFigureOut">
               <a:rPr lang="zh-CN" altLang="en-US" smtClean="0"/>
               <a:pPr/>
-              <a:t>2018/11/29</a:t>
+              <a:t>2018/12/5</a:t>
             </a:fld>
             <a:endParaRPr lang="zh-CN" altLang="en-US"/>
           </a:p>
@@ -2397,7 +2397,7 @@
             <a:fld id="{530820CF-B880-4189-942D-D702A7CBA730}" type="datetimeFigureOut">
               <a:rPr lang="zh-CN" altLang="en-US" smtClean="0"/>
               <a:pPr/>
-              <a:t>2018/11/29</a:t>
+              <a:t>2018/12/5</a:t>
             </a:fld>
             <a:endParaRPr lang="zh-CN" altLang="en-US"/>
           </a:p>
@@ -2513,7 +2513,7 @@
             <a:fld id="{530820CF-B880-4189-942D-D702A7CBA730}" type="datetimeFigureOut">
               <a:rPr lang="zh-CN" altLang="en-US" smtClean="0"/>
               <a:pPr/>
-              <a:t>2018/11/29</a:t>
+              <a:t>2018/12/5</a:t>
             </a:fld>
             <a:endParaRPr lang="zh-CN" altLang="en-US"/>
           </a:p>
@@ -2811,7 +2811,7 @@
             <a:fld id="{530820CF-B880-4189-942D-D702A7CBA730}" type="datetimeFigureOut">
               <a:rPr lang="zh-CN" altLang="en-US" smtClean="0"/>
               <a:pPr/>
-              <a:t>2018/11/29</a:t>
+              <a:t>2018/12/5</a:t>
             </a:fld>
             <a:endParaRPr lang="zh-CN" altLang="en-US"/>
           </a:p>
@@ -3085,7 +3085,7 @@
             <a:fld id="{530820CF-B880-4189-942D-D702A7CBA730}" type="datetimeFigureOut">
               <a:rPr lang="zh-CN" altLang="en-US" smtClean="0"/>
               <a:pPr/>
-              <a:t>2018/11/29</a:t>
+              <a:t>2018/12/5</a:t>
             </a:fld>
             <a:endParaRPr lang="zh-CN" altLang="en-US"/>
           </a:p>
@@ -3967,6 +3967,636 @@
                 <a:tab pos="1447800" algn="l"/>
               </a:tabLst>
             </a:pPr>
+            <a:r>
+              <a:rPr lang="zh-CN" altLang="en-US" sz="1600" dirty="0" smtClean="0">
+                <a:solidFill>
+                  <a:prstClr val="white"/>
+                </a:solidFill>
+                <a:latin typeface="Arial" panose="020B0604020202020204" pitchFamily="34" charset="0"/>
+                <a:ea typeface="微软雅黑" panose="020B0503020204020204" pitchFamily="34" charset="-122"/>
+                <a:cs typeface="+mn-ea"/>
+              </a:rPr>
+              <a:t>启动服务器需要配置参数，或者直接用批处理来启动：</a:t>
+            </a:r>
+            <a:endParaRPr lang="en-US" altLang="zh-CN" sz="1600" dirty="0" smtClean="0">
+              <a:solidFill>
+                <a:prstClr val="white"/>
+              </a:solidFill>
+              <a:latin typeface="Arial" panose="020B0604020202020204" pitchFamily="34" charset="0"/>
+              <a:ea typeface="微软雅黑" panose="020B0503020204020204" pitchFamily="34" charset="-122"/>
+              <a:cs typeface="+mn-ea"/>
+            </a:endParaRPr>
+          </a:p>
+          <a:p>
+            <a:pPr algn="ctr" fontAlgn="ctr">
+              <a:buClr>
+                <a:srgbClr val="FF0000"/>
+              </a:buClr>
+              <a:buSzPct val="70000"/>
+              <a:tabLst>
+                <a:tab pos="723900" algn="l"/>
+                <a:tab pos="1447800" algn="l"/>
+              </a:tabLst>
+            </a:pPr>
+            <a:r>
+              <a:rPr lang="en-US" sz="1600" dirty="0" smtClean="0">
+                <a:solidFill>
+                  <a:prstClr val="white"/>
+                </a:solidFill>
+                <a:latin typeface="Arial" panose="020B0604020202020204" pitchFamily="34" charset="0"/>
+                <a:ea typeface="微软雅黑" panose="020B0503020204020204" pitchFamily="34" charset="-122"/>
+                <a:cs typeface="+mn-ea"/>
+              </a:rPr>
+              <a:t>firewall-</a:t>
+            </a:r>
+            <a:r>
+              <a:rPr lang="en-US" sz="1600" dirty="0" err="1" smtClean="0">
+                <a:solidFill>
+                  <a:prstClr val="white"/>
+                </a:solidFill>
+                <a:latin typeface="Arial" panose="020B0604020202020204" pitchFamily="34" charset="0"/>
+                <a:ea typeface="微软雅黑" panose="020B0503020204020204" pitchFamily="34" charset="-122"/>
+                <a:cs typeface="+mn-ea"/>
+              </a:rPr>
+              <a:t>cmd</a:t>
+            </a:r>
+            <a:r>
+              <a:rPr lang="en-US" sz="1600" dirty="0" smtClean="0">
+                <a:solidFill>
+                  <a:prstClr val="white"/>
+                </a:solidFill>
+                <a:latin typeface="Arial" panose="020B0604020202020204" pitchFamily="34" charset="0"/>
+                <a:ea typeface="微软雅黑" panose="020B0503020204020204" pitchFamily="34" charset="-122"/>
+                <a:cs typeface="+mn-ea"/>
+              </a:rPr>
+              <a:t> --add-port=6379/</a:t>
+            </a:r>
+            <a:r>
+              <a:rPr lang="en-US" sz="1600" dirty="0" err="1" smtClean="0">
+                <a:solidFill>
+                  <a:prstClr val="white"/>
+                </a:solidFill>
+                <a:latin typeface="Arial" panose="020B0604020202020204" pitchFamily="34" charset="0"/>
+                <a:ea typeface="微软雅黑" panose="020B0503020204020204" pitchFamily="34" charset="-122"/>
+                <a:cs typeface="+mn-ea"/>
+              </a:rPr>
+              <a:t>tcp</a:t>
+            </a:r>
+            <a:r>
+              <a:rPr lang="en-US" sz="1600" dirty="0" smtClean="0">
+                <a:solidFill>
+                  <a:prstClr val="white"/>
+                </a:solidFill>
+                <a:latin typeface="Arial" panose="020B0604020202020204" pitchFamily="34" charset="0"/>
+                <a:ea typeface="微软雅黑" panose="020B0503020204020204" pitchFamily="34" charset="-122"/>
+                <a:cs typeface="+mn-ea"/>
+              </a:rPr>
+              <a:t>	# </a:t>
+            </a:r>
+            <a:r>
+              <a:rPr lang="en-US" sz="1600" dirty="0" err="1" smtClean="0">
+                <a:solidFill>
+                  <a:prstClr val="white"/>
+                </a:solidFill>
+                <a:latin typeface="Arial" panose="020B0604020202020204" pitchFamily="34" charset="0"/>
+                <a:ea typeface="微软雅黑" panose="020B0503020204020204" pitchFamily="34" charset="-122"/>
+                <a:cs typeface="+mn-ea"/>
+              </a:rPr>
+              <a:t>redis</a:t>
+            </a:r>
+            <a:endParaRPr lang="en-US" sz="1600" dirty="0" smtClean="0">
+              <a:solidFill>
+                <a:prstClr val="white"/>
+              </a:solidFill>
+              <a:latin typeface="Arial" panose="020B0604020202020204" pitchFamily="34" charset="0"/>
+              <a:ea typeface="微软雅黑" panose="020B0503020204020204" pitchFamily="34" charset="-122"/>
+              <a:cs typeface="+mn-ea"/>
+            </a:endParaRPr>
+          </a:p>
+          <a:p>
+            <a:pPr algn="ctr" fontAlgn="ctr">
+              <a:buClr>
+                <a:srgbClr val="FF0000"/>
+              </a:buClr>
+              <a:buSzPct val="70000"/>
+              <a:tabLst>
+                <a:tab pos="723900" algn="l"/>
+                <a:tab pos="1447800" algn="l"/>
+              </a:tabLst>
+            </a:pPr>
+            <a:r>
+              <a:rPr lang="en-US" sz="1600" dirty="0" smtClean="0">
+                <a:solidFill>
+                  <a:prstClr val="white"/>
+                </a:solidFill>
+                <a:latin typeface="Arial" panose="020B0604020202020204" pitchFamily="34" charset="0"/>
+                <a:ea typeface="微软雅黑" panose="020B0503020204020204" pitchFamily="34" charset="-122"/>
+                <a:cs typeface="+mn-ea"/>
+              </a:rPr>
+              <a:t>firewall-</a:t>
+            </a:r>
+            <a:r>
+              <a:rPr lang="en-US" sz="1600" dirty="0" err="1" smtClean="0">
+                <a:solidFill>
+                  <a:prstClr val="white"/>
+                </a:solidFill>
+                <a:latin typeface="Arial" panose="020B0604020202020204" pitchFamily="34" charset="0"/>
+                <a:ea typeface="微软雅黑" panose="020B0503020204020204" pitchFamily="34" charset="-122"/>
+                <a:cs typeface="+mn-ea"/>
+              </a:rPr>
+              <a:t>cmd</a:t>
+            </a:r>
+            <a:r>
+              <a:rPr lang="en-US" sz="1600" dirty="0" smtClean="0">
+                <a:solidFill>
+                  <a:prstClr val="white"/>
+                </a:solidFill>
+                <a:latin typeface="Arial" panose="020B0604020202020204" pitchFamily="34" charset="0"/>
+                <a:ea typeface="微软雅黑" panose="020B0503020204020204" pitchFamily="34" charset="-122"/>
+                <a:cs typeface="+mn-ea"/>
+              </a:rPr>
+              <a:t> </a:t>
+            </a:r>
+            <a:r>
+              <a:rPr lang="en-US" sz="1600" dirty="0" smtClean="0">
+                <a:solidFill>
+                  <a:prstClr val="white"/>
+                </a:solidFill>
+                <a:latin typeface="Arial" panose="020B0604020202020204" pitchFamily="34" charset="0"/>
+                <a:ea typeface="微软雅黑" panose="020B0503020204020204" pitchFamily="34" charset="-122"/>
+                <a:cs typeface="+mn-ea"/>
+              </a:rPr>
+              <a:t>--add-port=3306/</a:t>
+            </a:r>
+            <a:r>
+              <a:rPr lang="en-US" sz="1600" dirty="0" err="1" smtClean="0">
+                <a:solidFill>
+                  <a:prstClr val="white"/>
+                </a:solidFill>
+                <a:latin typeface="Arial" panose="020B0604020202020204" pitchFamily="34" charset="0"/>
+                <a:ea typeface="微软雅黑" panose="020B0503020204020204" pitchFamily="34" charset="-122"/>
+                <a:cs typeface="+mn-ea"/>
+              </a:rPr>
+              <a:t>tcp</a:t>
+            </a:r>
+            <a:r>
+              <a:rPr lang="en-US" sz="1600" dirty="0" smtClean="0">
+                <a:solidFill>
+                  <a:prstClr val="white"/>
+                </a:solidFill>
+                <a:latin typeface="Arial" panose="020B0604020202020204" pitchFamily="34" charset="0"/>
+                <a:ea typeface="微软雅黑" panose="020B0503020204020204" pitchFamily="34" charset="-122"/>
+                <a:cs typeface="+mn-ea"/>
+              </a:rPr>
+              <a:t>	# </a:t>
+            </a:r>
+            <a:r>
+              <a:rPr lang="en-US" sz="1600" dirty="0" err="1" smtClean="0">
+                <a:solidFill>
+                  <a:prstClr val="white"/>
+                </a:solidFill>
+                <a:latin typeface="Arial" panose="020B0604020202020204" pitchFamily="34" charset="0"/>
+                <a:ea typeface="微软雅黑" panose="020B0503020204020204" pitchFamily="34" charset="-122"/>
+                <a:cs typeface="+mn-ea"/>
+              </a:rPr>
+              <a:t>mysql</a:t>
+            </a:r>
+            <a:endParaRPr lang="en-US" sz="1600" dirty="0" smtClean="0">
+              <a:solidFill>
+                <a:prstClr val="white"/>
+              </a:solidFill>
+              <a:latin typeface="Arial" panose="020B0604020202020204" pitchFamily="34" charset="0"/>
+              <a:ea typeface="微软雅黑" panose="020B0503020204020204" pitchFamily="34" charset="-122"/>
+              <a:cs typeface="+mn-ea"/>
+            </a:endParaRPr>
+          </a:p>
+          <a:p>
+            <a:pPr algn="ctr" fontAlgn="ctr">
+              <a:buClr>
+                <a:srgbClr val="FF0000"/>
+              </a:buClr>
+              <a:buSzPct val="70000"/>
+              <a:tabLst>
+                <a:tab pos="723900" algn="l"/>
+                <a:tab pos="1447800" algn="l"/>
+              </a:tabLst>
+            </a:pPr>
+            <a:r>
+              <a:rPr lang="en-US" sz="1600" dirty="0" smtClean="0">
+                <a:solidFill>
+                  <a:prstClr val="white"/>
+                </a:solidFill>
+                <a:latin typeface="Arial" panose="020B0604020202020204" pitchFamily="34" charset="0"/>
+                <a:ea typeface="微软雅黑" panose="020B0503020204020204" pitchFamily="34" charset="-122"/>
+                <a:cs typeface="+mn-ea"/>
+              </a:rPr>
+              <a:t>firewall-</a:t>
+            </a:r>
+            <a:r>
+              <a:rPr lang="en-US" sz="1600" dirty="0" err="1" smtClean="0">
+                <a:solidFill>
+                  <a:prstClr val="white"/>
+                </a:solidFill>
+                <a:latin typeface="Arial" panose="020B0604020202020204" pitchFamily="34" charset="0"/>
+                <a:ea typeface="微软雅黑" panose="020B0503020204020204" pitchFamily="34" charset="-122"/>
+                <a:cs typeface="+mn-ea"/>
+              </a:rPr>
+              <a:t>cmd</a:t>
+            </a:r>
+            <a:r>
+              <a:rPr lang="en-US" sz="1600" dirty="0" smtClean="0">
+                <a:solidFill>
+                  <a:prstClr val="white"/>
+                </a:solidFill>
+                <a:latin typeface="Arial" panose="020B0604020202020204" pitchFamily="34" charset="0"/>
+                <a:ea typeface="微软雅黑" panose="020B0503020204020204" pitchFamily="34" charset="-122"/>
+                <a:cs typeface="+mn-ea"/>
+              </a:rPr>
+              <a:t> </a:t>
+            </a:r>
+            <a:r>
+              <a:rPr lang="en-US" sz="1600" dirty="0" smtClean="0">
+                <a:solidFill>
+                  <a:prstClr val="white"/>
+                </a:solidFill>
+                <a:latin typeface="Arial" panose="020B0604020202020204" pitchFamily="34" charset="0"/>
+                <a:ea typeface="微软雅黑" panose="020B0503020204020204" pitchFamily="34" charset="-122"/>
+                <a:cs typeface="+mn-ea"/>
+              </a:rPr>
+              <a:t>--add-port=27017/</a:t>
+            </a:r>
+            <a:r>
+              <a:rPr lang="en-US" sz="1600" dirty="0" err="1" smtClean="0">
+                <a:solidFill>
+                  <a:prstClr val="white"/>
+                </a:solidFill>
+                <a:latin typeface="Arial" panose="020B0604020202020204" pitchFamily="34" charset="0"/>
+                <a:ea typeface="微软雅黑" panose="020B0503020204020204" pitchFamily="34" charset="-122"/>
+                <a:cs typeface="+mn-ea"/>
+              </a:rPr>
+              <a:t>tcp</a:t>
+            </a:r>
+            <a:r>
+              <a:rPr lang="en-US" sz="1600" dirty="0" smtClean="0">
+                <a:solidFill>
+                  <a:prstClr val="white"/>
+                </a:solidFill>
+                <a:latin typeface="Arial" panose="020B0604020202020204" pitchFamily="34" charset="0"/>
+                <a:ea typeface="微软雅黑" panose="020B0503020204020204" pitchFamily="34" charset="-122"/>
+                <a:cs typeface="+mn-ea"/>
+              </a:rPr>
+              <a:t>	# </a:t>
+            </a:r>
+            <a:r>
+              <a:rPr lang="en-US" sz="1600" dirty="0" err="1" smtClean="0">
+                <a:solidFill>
+                  <a:prstClr val="white"/>
+                </a:solidFill>
+                <a:latin typeface="Arial" panose="020B0604020202020204" pitchFamily="34" charset="0"/>
+                <a:ea typeface="微软雅黑" panose="020B0503020204020204" pitchFamily="34" charset="-122"/>
+                <a:cs typeface="+mn-ea"/>
+              </a:rPr>
+              <a:t>mongodb</a:t>
+            </a:r>
+            <a:endParaRPr lang="en-US" sz="1600" dirty="0" smtClean="0">
+              <a:solidFill>
+                <a:prstClr val="white"/>
+              </a:solidFill>
+              <a:latin typeface="Arial" panose="020B0604020202020204" pitchFamily="34" charset="0"/>
+              <a:ea typeface="微软雅黑" panose="020B0503020204020204" pitchFamily="34" charset="-122"/>
+              <a:cs typeface="+mn-ea"/>
+            </a:endParaRPr>
+          </a:p>
+          <a:p>
+            <a:pPr algn="ctr" fontAlgn="ctr">
+              <a:buClr>
+                <a:srgbClr val="FF0000"/>
+              </a:buClr>
+              <a:buSzPct val="70000"/>
+              <a:tabLst>
+                <a:tab pos="723900" algn="l"/>
+                <a:tab pos="1447800" algn="l"/>
+              </a:tabLst>
+            </a:pPr>
+            <a:r>
+              <a:rPr lang="en-US" sz="1600" dirty="0" smtClean="0">
+                <a:solidFill>
+                  <a:prstClr val="white"/>
+                </a:solidFill>
+                <a:latin typeface="Arial" panose="020B0604020202020204" pitchFamily="34" charset="0"/>
+                <a:ea typeface="微软雅黑" panose="020B0503020204020204" pitchFamily="34" charset="-122"/>
+                <a:cs typeface="+mn-ea"/>
+              </a:rPr>
+              <a:t>firewall-</a:t>
+            </a:r>
+            <a:r>
+              <a:rPr lang="en-US" sz="1600" dirty="0" err="1" smtClean="0">
+                <a:solidFill>
+                  <a:prstClr val="white"/>
+                </a:solidFill>
+                <a:latin typeface="Arial" panose="020B0604020202020204" pitchFamily="34" charset="0"/>
+                <a:ea typeface="微软雅黑" panose="020B0503020204020204" pitchFamily="34" charset="-122"/>
+                <a:cs typeface="+mn-ea"/>
+              </a:rPr>
+              <a:t>cmd</a:t>
+            </a:r>
+            <a:r>
+              <a:rPr lang="en-US" sz="1600" dirty="0" smtClean="0">
+                <a:solidFill>
+                  <a:prstClr val="white"/>
+                </a:solidFill>
+                <a:latin typeface="Arial" panose="020B0604020202020204" pitchFamily="34" charset="0"/>
+                <a:ea typeface="微软雅黑" panose="020B0503020204020204" pitchFamily="34" charset="-122"/>
+                <a:cs typeface="+mn-ea"/>
+              </a:rPr>
+              <a:t> </a:t>
+            </a:r>
+            <a:r>
+              <a:rPr lang="en-US" sz="1600" dirty="0" smtClean="0">
+                <a:solidFill>
+                  <a:prstClr val="white"/>
+                </a:solidFill>
+                <a:latin typeface="Arial" panose="020B0604020202020204" pitchFamily="34" charset="0"/>
+                <a:ea typeface="微软雅黑" panose="020B0503020204020204" pitchFamily="34" charset="-122"/>
+                <a:cs typeface="+mn-ea"/>
+              </a:rPr>
+              <a:t>--add-port=8123/</a:t>
+            </a:r>
+            <a:r>
+              <a:rPr lang="en-US" sz="1600" dirty="0" err="1" smtClean="0">
+                <a:solidFill>
+                  <a:prstClr val="white"/>
+                </a:solidFill>
+                <a:latin typeface="Arial" panose="020B0604020202020204" pitchFamily="34" charset="0"/>
+                <a:ea typeface="微软雅黑" panose="020B0503020204020204" pitchFamily="34" charset="-122"/>
+                <a:cs typeface="+mn-ea"/>
+              </a:rPr>
+              <a:t>tcp</a:t>
+            </a:r>
+            <a:r>
+              <a:rPr lang="en-US" sz="1600" dirty="0" smtClean="0">
+                <a:solidFill>
+                  <a:prstClr val="white"/>
+                </a:solidFill>
+                <a:latin typeface="Arial" panose="020B0604020202020204" pitchFamily="34" charset="0"/>
+                <a:ea typeface="微软雅黑" panose="020B0503020204020204" pitchFamily="34" charset="-122"/>
+                <a:cs typeface="+mn-ea"/>
+              </a:rPr>
+              <a:t>	# </a:t>
+            </a:r>
+            <a:r>
+              <a:rPr lang="en-US" sz="1600" dirty="0" smtClean="0">
+                <a:solidFill>
+                  <a:prstClr val="white"/>
+                </a:solidFill>
+                <a:latin typeface="Arial" panose="020B0604020202020204" pitchFamily="34" charset="0"/>
+                <a:ea typeface="微软雅黑" panose="020B0503020204020204" pitchFamily="34" charset="-122"/>
+                <a:cs typeface="+mn-ea"/>
+              </a:rPr>
+              <a:t>socket</a:t>
+            </a:r>
+          </a:p>
+          <a:p>
+            <a:pPr algn="ctr" fontAlgn="ctr">
+              <a:buClr>
+                <a:srgbClr val="FF0000"/>
+              </a:buClr>
+              <a:buSzPct val="70000"/>
+              <a:tabLst>
+                <a:tab pos="723900" algn="l"/>
+                <a:tab pos="1447800" algn="l"/>
+              </a:tabLst>
+            </a:pPr>
+            <a:r>
+              <a:rPr lang="en-US" sz="1600" dirty="0" smtClean="0">
+                <a:solidFill>
+                  <a:prstClr val="white"/>
+                </a:solidFill>
+                <a:latin typeface="Arial" panose="020B0604020202020204" pitchFamily="34" charset="0"/>
+                <a:ea typeface="微软雅黑" panose="020B0503020204020204" pitchFamily="34" charset="-122"/>
+                <a:cs typeface="+mn-ea"/>
+              </a:rPr>
+              <a:t>firewall-</a:t>
+            </a:r>
+            <a:r>
+              <a:rPr lang="en-US" sz="1600" dirty="0" err="1" smtClean="0">
+                <a:solidFill>
+                  <a:prstClr val="white"/>
+                </a:solidFill>
+                <a:latin typeface="Arial" panose="020B0604020202020204" pitchFamily="34" charset="0"/>
+                <a:ea typeface="微软雅黑" panose="020B0503020204020204" pitchFamily="34" charset="-122"/>
+                <a:cs typeface="+mn-ea"/>
+              </a:rPr>
+              <a:t>cmd</a:t>
+            </a:r>
+            <a:r>
+              <a:rPr lang="en-US" sz="1600" dirty="0" smtClean="0">
+                <a:solidFill>
+                  <a:prstClr val="white"/>
+                </a:solidFill>
+                <a:latin typeface="Arial" panose="020B0604020202020204" pitchFamily="34" charset="0"/>
+                <a:ea typeface="微软雅黑" panose="020B0503020204020204" pitchFamily="34" charset="-122"/>
+                <a:cs typeface="+mn-ea"/>
+              </a:rPr>
+              <a:t> </a:t>
+            </a:r>
+            <a:r>
+              <a:rPr lang="en-US" sz="1600" dirty="0" smtClean="0">
+                <a:solidFill>
+                  <a:prstClr val="white"/>
+                </a:solidFill>
+                <a:latin typeface="Arial" panose="020B0604020202020204" pitchFamily="34" charset="0"/>
+                <a:ea typeface="微软雅黑" panose="020B0503020204020204" pitchFamily="34" charset="-122"/>
+                <a:cs typeface="+mn-ea"/>
+              </a:rPr>
+              <a:t>--add-port=8089/</a:t>
+            </a:r>
+            <a:r>
+              <a:rPr lang="en-US" sz="1600" dirty="0" err="1" smtClean="0">
+                <a:solidFill>
+                  <a:prstClr val="white"/>
+                </a:solidFill>
+                <a:latin typeface="Arial" panose="020B0604020202020204" pitchFamily="34" charset="0"/>
+                <a:ea typeface="微软雅黑" panose="020B0503020204020204" pitchFamily="34" charset="-122"/>
+                <a:cs typeface="+mn-ea"/>
+              </a:rPr>
+              <a:t>tcp</a:t>
+            </a:r>
+            <a:r>
+              <a:rPr lang="en-US" sz="1600" dirty="0" smtClean="0">
+                <a:solidFill>
+                  <a:prstClr val="white"/>
+                </a:solidFill>
+                <a:latin typeface="Arial" panose="020B0604020202020204" pitchFamily="34" charset="0"/>
+                <a:ea typeface="微软雅黑" panose="020B0503020204020204" pitchFamily="34" charset="-122"/>
+                <a:cs typeface="+mn-ea"/>
+              </a:rPr>
+              <a:t>	#</a:t>
+            </a:r>
+            <a:r>
+              <a:rPr lang="en-US" sz="1600" dirty="0" err="1" smtClean="0">
+                <a:solidFill>
+                  <a:prstClr val="white"/>
+                </a:solidFill>
+                <a:latin typeface="Arial" panose="020B0604020202020204" pitchFamily="34" charset="0"/>
+                <a:ea typeface="微软雅黑" panose="020B0503020204020204" pitchFamily="34" charset="-122"/>
+                <a:cs typeface="+mn-ea"/>
+              </a:rPr>
+              <a:t>websocket</a:t>
+            </a:r>
+            <a:endParaRPr lang="en-US" sz="1600" dirty="0" smtClean="0">
+              <a:solidFill>
+                <a:prstClr val="white"/>
+              </a:solidFill>
+              <a:latin typeface="Arial" panose="020B0604020202020204" pitchFamily="34" charset="0"/>
+              <a:ea typeface="微软雅黑" panose="020B0503020204020204" pitchFamily="34" charset="-122"/>
+              <a:cs typeface="+mn-ea"/>
+            </a:endParaRPr>
+          </a:p>
+          <a:p>
+            <a:pPr algn="ctr" fontAlgn="ctr">
+              <a:buClr>
+                <a:srgbClr val="FF0000"/>
+              </a:buClr>
+              <a:buSzPct val="70000"/>
+              <a:tabLst>
+                <a:tab pos="723900" algn="l"/>
+                <a:tab pos="1447800" algn="l"/>
+              </a:tabLst>
+            </a:pPr>
+            <a:r>
+              <a:rPr lang="en-US" sz="1600" dirty="0" err="1" smtClean="0">
+                <a:solidFill>
+                  <a:prstClr val="white"/>
+                </a:solidFill>
+                <a:latin typeface="Arial" panose="020B0604020202020204" pitchFamily="34" charset="0"/>
+                <a:ea typeface="微软雅黑" panose="020B0503020204020204" pitchFamily="34" charset="-122"/>
+                <a:cs typeface="+mn-ea"/>
+              </a:rPr>
+              <a:t>ulimit</a:t>
+            </a:r>
+            <a:r>
+              <a:rPr lang="en-US" sz="1600" dirty="0" smtClean="0">
+                <a:solidFill>
+                  <a:prstClr val="white"/>
+                </a:solidFill>
+                <a:latin typeface="Arial" panose="020B0604020202020204" pitchFamily="34" charset="0"/>
+                <a:ea typeface="微软雅黑" panose="020B0503020204020204" pitchFamily="34" charset="-122"/>
+                <a:cs typeface="+mn-ea"/>
+              </a:rPr>
+              <a:t> </a:t>
+            </a:r>
+            <a:r>
+              <a:rPr lang="en-US" sz="1600" dirty="0" smtClean="0">
+                <a:solidFill>
+                  <a:prstClr val="white"/>
+                </a:solidFill>
+                <a:latin typeface="Arial" panose="020B0604020202020204" pitchFamily="34" charset="0"/>
+                <a:ea typeface="微软雅黑" panose="020B0503020204020204" pitchFamily="34" charset="-122"/>
+                <a:cs typeface="+mn-ea"/>
+              </a:rPr>
+              <a:t>-n </a:t>
+            </a:r>
+            <a:r>
+              <a:rPr lang="en-US" sz="1600" dirty="0" smtClean="0">
+                <a:solidFill>
+                  <a:prstClr val="white"/>
+                </a:solidFill>
+                <a:latin typeface="Arial" panose="020B0604020202020204" pitchFamily="34" charset="0"/>
+                <a:ea typeface="微软雅黑" panose="020B0503020204020204" pitchFamily="34" charset="-122"/>
+                <a:cs typeface="+mn-ea"/>
+              </a:rPr>
+              <a:t>65533</a:t>
+            </a:r>
+          </a:p>
+          <a:p>
+            <a:pPr algn="ctr" fontAlgn="ctr">
+              <a:buClr>
+                <a:srgbClr val="FF0000"/>
+              </a:buClr>
+              <a:buSzPct val="70000"/>
+              <a:tabLst>
+                <a:tab pos="723900" algn="l"/>
+                <a:tab pos="1447800" algn="l"/>
+              </a:tabLst>
+            </a:pPr>
+            <a:r>
+              <a:rPr lang="en-US" sz="1600" dirty="0" smtClean="0">
+                <a:solidFill>
+                  <a:prstClr val="white"/>
+                </a:solidFill>
+                <a:latin typeface="Arial" panose="020B0604020202020204" pitchFamily="34" charset="0"/>
+                <a:ea typeface="微软雅黑" panose="020B0503020204020204" pitchFamily="34" charset="-122"/>
+                <a:cs typeface="+mn-ea"/>
+              </a:rPr>
+              <a:t>./</a:t>
+            </a:r>
+            <a:r>
+              <a:rPr lang="en-US" sz="1600" dirty="0" err="1" smtClean="0">
+                <a:solidFill>
+                  <a:prstClr val="white"/>
+                </a:solidFill>
+                <a:latin typeface="Arial" panose="020B0604020202020204" pitchFamily="34" charset="0"/>
+                <a:ea typeface="微软雅黑" panose="020B0503020204020204" pitchFamily="34" charset="-122"/>
+                <a:cs typeface="+mn-ea"/>
+              </a:rPr>
+              <a:t>BYGameServerLua</a:t>
+            </a:r>
+            <a:r>
+              <a:rPr lang="en-US" sz="1600" dirty="0" smtClean="0">
+                <a:solidFill>
+                  <a:prstClr val="white"/>
+                </a:solidFill>
+                <a:latin typeface="Arial" panose="020B0604020202020204" pitchFamily="34" charset="0"/>
+                <a:ea typeface="微软雅黑" panose="020B0503020204020204" pitchFamily="34" charset="-122"/>
+                <a:cs typeface="+mn-ea"/>
+              </a:rPr>
+              <a:t> -</a:t>
+            </a:r>
+            <a:r>
+              <a:rPr lang="en-US" sz="1600" dirty="0" err="1" smtClean="0">
+                <a:solidFill>
+                  <a:prstClr val="white"/>
+                </a:solidFill>
+                <a:latin typeface="Arial" panose="020B0604020202020204" pitchFamily="34" charset="0"/>
+                <a:ea typeface="微软雅黑" panose="020B0503020204020204" pitchFamily="34" charset="-122"/>
+                <a:cs typeface="+mn-ea"/>
+              </a:rPr>
+              <a:t>WebSocketPort</a:t>
+            </a:r>
+            <a:r>
+              <a:rPr lang="en-US" sz="1600" dirty="0" smtClean="0">
+                <a:solidFill>
+                  <a:prstClr val="white"/>
+                </a:solidFill>
+                <a:latin typeface="Arial" panose="020B0604020202020204" pitchFamily="34" charset="0"/>
+                <a:ea typeface="微软雅黑" panose="020B0503020204020204" pitchFamily="34" charset="-122"/>
+                <a:cs typeface="+mn-ea"/>
+              </a:rPr>
+              <a:t>=8089 -</a:t>
+            </a:r>
+            <a:r>
+              <a:rPr lang="en-US" sz="1600" dirty="0" err="1" smtClean="0">
+                <a:solidFill>
+                  <a:prstClr val="white"/>
+                </a:solidFill>
+                <a:latin typeface="Arial" panose="020B0604020202020204" pitchFamily="34" charset="0"/>
+                <a:ea typeface="微软雅黑" panose="020B0503020204020204" pitchFamily="34" charset="-122"/>
+                <a:cs typeface="+mn-ea"/>
+              </a:rPr>
+              <a:t>SocketPort</a:t>
+            </a:r>
+            <a:r>
+              <a:rPr lang="en-US" sz="1600" dirty="0" smtClean="0">
+                <a:solidFill>
+                  <a:prstClr val="white"/>
+                </a:solidFill>
+                <a:latin typeface="Arial" panose="020B0604020202020204" pitchFamily="34" charset="0"/>
+                <a:ea typeface="微软雅黑" panose="020B0503020204020204" pitchFamily="34" charset="-122"/>
+                <a:cs typeface="+mn-ea"/>
+              </a:rPr>
+              <a:t>=8123</a:t>
+            </a:r>
             <a:endParaRPr lang="en-US" sz="1600" dirty="0">
               <a:solidFill>
                 <a:prstClr val="white"/>
@@ -4383,6 +5013,524 @@
                 <a:tab pos="1447800" algn="l"/>
               </a:tabLst>
             </a:pPr>
+            <a:r>
+              <a:rPr lang="en-US" sz="1600" dirty="0" smtClean="0">
+                <a:solidFill>
+                  <a:prstClr val="white"/>
+                </a:solidFill>
+                <a:latin typeface="Arial" panose="020B0604020202020204" pitchFamily="34" charset="0"/>
+                <a:ea typeface="微软雅黑" panose="020B0503020204020204" pitchFamily="34" charset="-122"/>
+                <a:cs typeface="+mn-ea"/>
+              </a:rPr>
+              <a:t>/</a:t>
+            </a:r>
+            <a:r>
+              <a:rPr lang="en-US" sz="1600" dirty="0" err="1" smtClean="0">
+                <a:solidFill>
+                  <a:prstClr val="white"/>
+                </a:solidFill>
+                <a:latin typeface="Arial" panose="020B0604020202020204" pitchFamily="34" charset="0"/>
+                <a:ea typeface="微软雅黑" panose="020B0503020204020204" pitchFamily="34" charset="-122"/>
+                <a:cs typeface="+mn-ea"/>
+              </a:rPr>
+              <a:t>Lua</a:t>
+            </a:r>
+            <a:r>
+              <a:rPr lang="zh-CN" altLang="en-US" sz="1600" dirty="0" smtClean="0">
+                <a:solidFill>
+                  <a:prstClr val="white"/>
+                </a:solidFill>
+                <a:latin typeface="Arial" panose="020B0604020202020204" pitchFamily="34" charset="0"/>
+                <a:ea typeface="微软雅黑" panose="020B0503020204020204" pitchFamily="34" charset="-122"/>
+                <a:cs typeface="+mn-ea"/>
+              </a:rPr>
+              <a:t>为跟</a:t>
+            </a:r>
+            <a:r>
+              <a:rPr lang="en-US" altLang="zh-CN" sz="1600" dirty="0" err="1" smtClean="0">
+                <a:solidFill>
+                  <a:prstClr val="white"/>
+                </a:solidFill>
+                <a:latin typeface="Arial" panose="020B0604020202020204" pitchFamily="34" charset="0"/>
+                <a:ea typeface="微软雅黑" panose="020B0503020204020204" pitchFamily="34" charset="-122"/>
+                <a:cs typeface="+mn-ea"/>
+              </a:rPr>
+              <a:t>lua</a:t>
+            </a:r>
+            <a:r>
+              <a:rPr lang="zh-CN" altLang="en-US" sz="1600" dirty="0" smtClean="0">
+                <a:solidFill>
+                  <a:prstClr val="white"/>
+                </a:solidFill>
+                <a:latin typeface="Arial" panose="020B0604020202020204" pitchFamily="34" charset="0"/>
+                <a:ea typeface="微软雅黑" panose="020B0503020204020204" pitchFamily="34" charset="-122"/>
+                <a:cs typeface="+mn-ea"/>
+              </a:rPr>
+              <a:t>进行交互</a:t>
+            </a:r>
+            <a:endParaRPr lang="en-US" altLang="zh-CN" sz="1600" dirty="0" smtClean="0">
+              <a:solidFill>
+                <a:prstClr val="white"/>
+              </a:solidFill>
+              <a:latin typeface="Arial" panose="020B0604020202020204" pitchFamily="34" charset="0"/>
+              <a:ea typeface="微软雅黑" panose="020B0503020204020204" pitchFamily="34" charset="-122"/>
+              <a:cs typeface="+mn-ea"/>
+            </a:endParaRPr>
+          </a:p>
+          <a:p>
+            <a:pPr algn="ctr" fontAlgn="ctr">
+              <a:buClr>
+                <a:srgbClr val="FF0000"/>
+              </a:buClr>
+              <a:buSzPct val="70000"/>
+              <a:tabLst>
+                <a:tab pos="723900" algn="l"/>
+                <a:tab pos="1447800" algn="l"/>
+              </a:tabLst>
+            </a:pPr>
+            <a:r>
+              <a:rPr lang="en-US" sz="1600" dirty="0" err="1" smtClean="0">
+                <a:solidFill>
+                  <a:prstClr val="white"/>
+                </a:solidFill>
+                <a:latin typeface="Arial" panose="020B0604020202020204" pitchFamily="34" charset="0"/>
+                <a:ea typeface="微软雅黑" panose="020B0503020204020204" pitchFamily="34" charset="-122"/>
+                <a:cs typeface="+mn-ea"/>
+              </a:rPr>
+              <a:t>goCallLua.go</a:t>
+            </a:r>
+            <a:r>
+              <a:rPr lang="en-US" sz="1600" dirty="0" smtClean="0">
+                <a:solidFill>
+                  <a:prstClr val="white"/>
+                </a:solidFill>
+                <a:latin typeface="Arial" panose="020B0604020202020204" pitchFamily="34" charset="0"/>
+                <a:ea typeface="微软雅黑" panose="020B0503020204020204" pitchFamily="34" charset="-122"/>
+                <a:cs typeface="+mn-ea"/>
+              </a:rPr>
+              <a:t> </a:t>
+            </a:r>
+            <a:r>
+              <a:rPr lang="en-US" altLang="zh-CN" sz="1600" dirty="0" smtClean="0">
+                <a:solidFill>
+                  <a:prstClr val="white"/>
+                </a:solidFill>
+                <a:latin typeface="Arial" panose="020B0604020202020204" pitchFamily="34" charset="0"/>
+                <a:ea typeface="微软雅黑" panose="020B0503020204020204" pitchFamily="34" charset="-122"/>
+                <a:cs typeface="+mn-ea"/>
+              </a:rPr>
+              <a:t>go</a:t>
+            </a:r>
+            <a:r>
+              <a:rPr lang="zh-CN" altLang="en-US" sz="1600" dirty="0" smtClean="0">
+                <a:solidFill>
+                  <a:prstClr val="white"/>
+                </a:solidFill>
+                <a:latin typeface="Arial" panose="020B0604020202020204" pitchFamily="34" charset="0"/>
+                <a:ea typeface="微软雅黑" panose="020B0503020204020204" pitchFamily="34" charset="-122"/>
+                <a:cs typeface="+mn-ea"/>
+              </a:rPr>
+              <a:t>去调用</a:t>
+            </a:r>
+            <a:r>
+              <a:rPr lang="en-US" altLang="zh-CN" sz="1600" dirty="0" err="1" smtClean="0">
+                <a:solidFill>
+                  <a:prstClr val="white"/>
+                </a:solidFill>
+                <a:latin typeface="Arial" panose="020B0604020202020204" pitchFamily="34" charset="0"/>
+                <a:ea typeface="微软雅黑" panose="020B0503020204020204" pitchFamily="34" charset="-122"/>
+                <a:cs typeface="+mn-ea"/>
+              </a:rPr>
+              <a:t>lua</a:t>
+            </a:r>
+            <a:r>
+              <a:rPr lang="zh-CN" altLang="en-US" sz="1600" dirty="0" smtClean="0">
+                <a:solidFill>
+                  <a:prstClr val="white"/>
+                </a:solidFill>
+                <a:latin typeface="Arial" panose="020B0604020202020204" pitchFamily="34" charset="0"/>
+                <a:ea typeface="微软雅黑" panose="020B0503020204020204" pitchFamily="34" charset="-122"/>
+                <a:cs typeface="+mn-ea"/>
+              </a:rPr>
+              <a:t>的函数</a:t>
+            </a:r>
+            <a:endParaRPr lang="en-US" altLang="zh-CN" sz="1600" dirty="0" smtClean="0">
+              <a:solidFill>
+                <a:prstClr val="white"/>
+              </a:solidFill>
+              <a:latin typeface="Arial" panose="020B0604020202020204" pitchFamily="34" charset="0"/>
+              <a:ea typeface="微软雅黑" panose="020B0503020204020204" pitchFamily="34" charset="-122"/>
+              <a:cs typeface="+mn-ea"/>
+            </a:endParaRPr>
+          </a:p>
+          <a:p>
+            <a:pPr algn="ctr" fontAlgn="ctr">
+              <a:buClr>
+                <a:srgbClr val="FF0000"/>
+              </a:buClr>
+              <a:buSzPct val="70000"/>
+              <a:tabLst>
+                <a:tab pos="723900" algn="l"/>
+                <a:tab pos="1447800" algn="l"/>
+              </a:tabLst>
+            </a:pPr>
+            <a:r>
+              <a:rPr lang="en-US" altLang="zh-CN" sz="1600" dirty="0" err="1" smtClean="0">
+                <a:solidFill>
+                  <a:prstClr val="white"/>
+                </a:solidFill>
+                <a:latin typeface="Arial" panose="020B0604020202020204" pitchFamily="34" charset="0"/>
+                <a:ea typeface="微软雅黑" panose="020B0503020204020204" pitchFamily="34" charset="-122"/>
+                <a:cs typeface="+mn-ea"/>
+              </a:rPr>
+              <a:t>Lua.go</a:t>
+            </a:r>
+            <a:r>
+              <a:rPr lang="en-US" altLang="zh-CN" sz="1600" dirty="0" smtClean="0">
+                <a:solidFill>
+                  <a:prstClr val="white"/>
+                </a:solidFill>
+                <a:latin typeface="Arial" panose="020B0604020202020204" pitchFamily="34" charset="0"/>
+                <a:ea typeface="微软雅黑" panose="020B0503020204020204" pitchFamily="34" charset="-122"/>
+                <a:cs typeface="+mn-ea"/>
+              </a:rPr>
+              <a:t> </a:t>
+            </a:r>
+            <a:r>
+              <a:rPr lang="en-US" altLang="zh-CN" sz="1600" dirty="0" err="1" smtClean="0">
+                <a:solidFill>
+                  <a:prstClr val="white"/>
+                </a:solidFill>
+                <a:latin typeface="Arial" panose="020B0604020202020204" pitchFamily="34" charset="0"/>
+                <a:ea typeface="微软雅黑" panose="020B0503020204020204" pitchFamily="34" charset="-122"/>
+                <a:cs typeface="+mn-ea"/>
+              </a:rPr>
+              <a:t>lua</a:t>
+            </a:r>
+            <a:r>
+              <a:rPr lang="zh-CN" altLang="en-US" sz="1600" dirty="0" smtClean="0">
+                <a:solidFill>
+                  <a:prstClr val="white"/>
+                </a:solidFill>
+                <a:latin typeface="Arial" panose="020B0604020202020204" pitchFamily="34" charset="0"/>
+                <a:ea typeface="微软雅黑" panose="020B0503020204020204" pitchFamily="34" charset="-122"/>
+                <a:cs typeface="+mn-ea"/>
+              </a:rPr>
+              <a:t>交互的入口</a:t>
+            </a:r>
+            <a:endParaRPr lang="en-US" altLang="zh-CN" sz="1600" dirty="0" smtClean="0">
+              <a:solidFill>
+                <a:prstClr val="white"/>
+              </a:solidFill>
+              <a:latin typeface="Arial" panose="020B0604020202020204" pitchFamily="34" charset="0"/>
+              <a:ea typeface="微软雅黑" panose="020B0503020204020204" pitchFamily="34" charset="-122"/>
+              <a:cs typeface="+mn-ea"/>
+            </a:endParaRPr>
+          </a:p>
+          <a:p>
+            <a:pPr algn="ctr" fontAlgn="ctr">
+              <a:buClr>
+                <a:srgbClr val="FF0000"/>
+              </a:buClr>
+              <a:buSzPct val="70000"/>
+              <a:tabLst>
+                <a:tab pos="723900" algn="l"/>
+                <a:tab pos="1447800" algn="l"/>
+              </a:tabLst>
+            </a:pPr>
+            <a:r>
+              <a:rPr lang="en-US" altLang="zh-CN" sz="1600" dirty="0" err="1" smtClean="0">
+                <a:solidFill>
+                  <a:prstClr val="white"/>
+                </a:solidFill>
+                <a:latin typeface="Arial" panose="020B0604020202020204" pitchFamily="34" charset="0"/>
+                <a:ea typeface="微软雅黑" panose="020B0503020204020204" pitchFamily="34" charset="-122"/>
+                <a:cs typeface="+mn-ea"/>
+              </a:rPr>
+              <a:t>luaCallGo.go</a:t>
+            </a:r>
+            <a:r>
+              <a:rPr lang="en-US" altLang="zh-CN" sz="1600" dirty="0" smtClean="0">
+                <a:solidFill>
+                  <a:prstClr val="white"/>
+                </a:solidFill>
+                <a:latin typeface="Arial" panose="020B0604020202020204" pitchFamily="34" charset="0"/>
+                <a:ea typeface="微软雅黑" panose="020B0503020204020204" pitchFamily="34" charset="-122"/>
+                <a:cs typeface="+mn-ea"/>
+              </a:rPr>
+              <a:t>  </a:t>
+            </a:r>
+            <a:r>
+              <a:rPr lang="en-US" altLang="zh-CN" sz="1600" dirty="0" err="1" smtClean="0">
+                <a:solidFill>
+                  <a:prstClr val="white"/>
+                </a:solidFill>
+                <a:latin typeface="Arial" panose="020B0604020202020204" pitchFamily="34" charset="0"/>
+                <a:ea typeface="微软雅黑" panose="020B0503020204020204" pitchFamily="34" charset="-122"/>
+                <a:cs typeface="+mn-ea"/>
+              </a:rPr>
+              <a:t>lua</a:t>
+            </a:r>
+            <a:r>
+              <a:rPr lang="zh-CN" altLang="en-US" sz="1600" dirty="0" smtClean="0">
+                <a:solidFill>
+                  <a:prstClr val="white"/>
+                </a:solidFill>
+                <a:latin typeface="Arial" panose="020B0604020202020204" pitchFamily="34" charset="0"/>
+                <a:ea typeface="微软雅黑" panose="020B0503020204020204" pitchFamily="34" charset="-122"/>
+                <a:cs typeface="+mn-ea"/>
+              </a:rPr>
+              <a:t>去调用</a:t>
+            </a:r>
+            <a:r>
+              <a:rPr lang="en-US" altLang="zh-CN" sz="1600" dirty="0" smtClean="0">
+                <a:solidFill>
+                  <a:prstClr val="white"/>
+                </a:solidFill>
+                <a:latin typeface="Arial" panose="020B0604020202020204" pitchFamily="34" charset="0"/>
+                <a:ea typeface="微软雅黑" panose="020B0503020204020204" pitchFamily="34" charset="-122"/>
+                <a:cs typeface="+mn-ea"/>
+              </a:rPr>
+              <a:t>go</a:t>
+            </a:r>
+            <a:r>
+              <a:rPr lang="zh-CN" altLang="en-US" sz="1600" dirty="0" smtClean="0">
+                <a:solidFill>
+                  <a:prstClr val="white"/>
+                </a:solidFill>
+                <a:latin typeface="Arial" panose="020B0604020202020204" pitchFamily="34" charset="0"/>
+                <a:ea typeface="微软雅黑" panose="020B0503020204020204" pitchFamily="34" charset="-122"/>
+                <a:cs typeface="+mn-ea"/>
+              </a:rPr>
+              <a:t>的函数</a:t>
+            </a:r>
+            <a:r>
+              <a:rPr lang="en-US" altLang="zh-CN" sz="1600" dirty="0" smtClean="0">
+                <a:solidFill>
+                  <a:prstClr val="white"/>
+                </a:solidFill>
+                <a:latin typeface="Arial" panose="020B0604020202020204" pitchFamily="34" charset="0"/>
+                <a:ea typeface="微软雅黑" panose="020B0503020204020204" pitchFamily="34" charset="-122"/>
+                <a:cs typeface="+mn-ea"/>
+              </a:rPr>
+              <a:t>,go</a:t>
+            </a:r>
+            <a:r>
+              <a:rPr lang="zh-CN" altLang="en-US" sz="1600" dirty="0" smtClean="0">
+                <a:solidFill>
+                  <a:prstClr val="white"/>
+                </a:solidFill>
+                <a:latin typeface="Arial" panose="020B0604020202020204" pitchFamily="34" charset="0"/>
+                <a:ea typeface="微软雅黑" panose="020B0503020204020204" pitchFamily="34" charset="-122"/>
+                <a:cs typeface="+mn-ea"/>
+              </a:rPr>
+              <a:t>会注册函数到</a:t>
+            </a:r>
+            <a:r>
+              <a:rPr lang="en-US" altLang="zh-CN" sz="1600" dirty="0" err="1" smtClean="0">
+                <a:solidFill>
+                  <a:prstClr val="white"/>
+                </a:solidFill>
+                <a:latin typeface="Arial" panose="020B0604020202020204" pitchFamily="34" charset="0"/>
+                <a:ea typeface="微软雅黑" panose="020B0503020204020204" pitchFamily="34" charset="-122"/>
+                <a:cs typeface="+mn-ea"/>
+              </a:rPr>
+              <a:t>lua</a:t>
+            </a:r>
+            <a:r>
+              <a:rPr lang="zh-CN" altLang="en-US" sz="1600" dirty="0" smtClean="0">
+                <a:solidFill>
+                  <a:prstClr val="white"/>
+                </a:solidFill>
+                <a:latin typeface="Arial" panose="020B0604020202020204" pitchFamily="34" charset="0"/>
+                <a:ea typeface="微软雅黑" panose="020B0503020204020204" pitchFamily="34" charset="-122"/>
+                <a:cs typeface="+mn-ea"/>
+              </a:rPr>
+              <a:t>空间上</a:t>
+            </a:r>
+            <a:endParaRPr lang="en-US" altLang="zh-CN" sz="1600" dirty="0" smtClean="0">
+              <a:solidFill>
+                <a:prstClr val="white"/>
+              </a:solidFill>
+              <a:latin typeface="Arial" panose="020B0604020202020204" pitchFamily="34" charset="0"/>
+              <a:ea typeface="微软雅黑" panose="020B0503020204020204" pitchFamily="34" charset="-122"/>
+              <a:cs typeface="+mn-ea"/>
+            </a:endParaRPr>
+          </a:p>
+          <a:p>
+            <a:pPr algn="ctr" fontAlgn="ctr">
+              <a:buClr>
+                <a:srgbClr val="FF0000"/>
+              </a:buClr>
+              <a:buSzPct val="70000"/>
+              <a:tabLst>
+                <a:tab pos="723900" algn="l"/>
+                <a:tab pos="1447800" algn="l"/>
+              </a:tabLst>
+            </a:pPr>
+            <a:r>
+              <a:rPr lang="en-US" altLang="zh-CN" sz="1600" dirty="0" err="1" smtClean="0">
+                <a:solidFill>
+                  <a:prstClr val="white"/>
+                </a:solidFill>
+                <a:latin typeface="Arial" panose="020B0604020202020204" pitchFamily="34" charset="0"/>
+                <a:ea typeface="微软雅黑" panose="020B0503020204020204" pitchFamily="34" charset="-122"/>
+                <a:cs typeface="+mn-ea"/>
+              </a:rPr>
+              <a:t>myServer.go</a:t>
+            </a:r>
+            <a:r>
+              <a:rPr lang="en-US" altLang="zh-CN" sz="1600" dirty="0" smtClean="0">
+                <a:solidFill>
+                  <a:prstClr val="white"/>
+                </a:solidFill>
+                <a:latin typeface="Arial" panose="020B0604020202020204" pitchFamily="34" charset="0"/>
+                <a:ea typeface="微软雅黑" panose="020B0503020204020204" pitchFamily="34" charset="-122"/>
+                <a:cs typeface="+mn-ea"/>
+              </a:rPr>
+              <a:t>  </a:t>
+            </a:r>
+            <a:r>
+              <a:rPr lang="zh-CN" altLang="en-US" sz="1600" dirty="0" smtClean="0">
+                <a:solidFill>
+                  <a:prstClr val="white"/>
+                </a:solidFill>
+                <a:latin typeface="Arial" panose="020B0604020202020204" pitchFamily="34" charset="0"/>
+                <a:ea typeface="微软雅黑" panose="020B0503020204020204" pitchFamily="34" charset="-122"/>
+                <a:cs typeface="+mn-ea"/>
+              </a:rPr>
+              <a:t>这是处理每个玩家连接的部分</a:t>
+            </a:r>
+            <a:r>
+              <a:rPr lang="en-US" altLang="zh-CN" sz="1600" dirty="0" smtClean="0">
+                <a:solidFill>
+                  <a:prstClr val="white"/>
+                </a:solidFill>
+                <a:latin typeface="Arial" panose="020B0604020202020204" pitchFamily="34" charset="0"/>
+                <a:ea typeface="微软雅黑" panose="020B0503020204020204" pitchFamily="34" charset="-122"/>
+                <a:cs typeface="+mn-ea"/>
+              </a:rPr>
+              <a:t>,</a:t>
+            </a:r>
+            <a:r>
+              <a:rPr lang="zh-CN" altLang="en-US" sz="1600" dirty="0" smtClean="0">
+                <a:solidFill>
+                  <a:prstClr val="white"/>
+                </a:solidFill>
+                <a:latin typeface="Arial" panose="020B0604020202020204" pitchFamily="34" charset="0"/>
+                <a:ea typeface="微软雅黑" panose="020B0503020204020204" pitchFamily="34" charset="-122"/>
+                <a:cs typeface="+mn-ea"/>
+              </a:rPr>
+              <a:t>包括处理数据包的接收</a:t>
+            </a:r>
+            <a:r>
+              <a:rPr lang="en-US" altLang="zh-CN" sz="1600" dirty="0" smtClean="0">
+                <a:solidFill>
+                  <a:prstClr val="white"/>
+                </a:solidFill>
+                <a:latin typeface="Arial" panose="020B0604020202020204" pitchFamily="34" charset="0"/>
+                <a:ea typeface="微软雅黑" panose="020B0503020204020204" pitchFamily="34" charset="-122"/>
+                <a:cs typeface="+mn-ea"/>
+              </a:rPr>
+              <a:t>,</a:t>
+            </a:r>
+            <a:r>
+              <a:rPr lang="zh-CN" altLang="en-US" sz="1600" dirty="0" smtClean="0">
+                <a:solidFill>
+                  <a:prstClr val="white"/>
+                </a:solidFill>
+                <a:latin typeface="Arial" panose="020B0604020202020204" pitchFamily="34" charset="0"/>
+                <a:ea typeface="微软雅黑" panose="020B0503020204020204" pitchFamily="34" charset="-122"/>
+                <a:cs typeface="+mn-ea"/>
+              </a:rPr>
+              <a:t>发送</a:t>
+            </a:r>
+            <a:endParaRPr lang="en-US" altLang="zh-CN" sz="1600" dirty="0" smtClean="0">
+              <a:solidFill>
+                <a:prstClr val="white"/>
+              </a:solidFill>
+              <a:latin typeface="Arial" panose="020B0604020202020204" pitchFamily="34" charset="0"/>
+              <a:ea typeface="微软雅黑" panose="020B0503020204020204" pitchFamily="34" charset="-122"/>
+              <a:cs typeface="+mn-ea"/>
+            </a:endParaRPr>
+          </a:p>
+          <a:p>
+            <a:pPr algn="ctr" fontAlgn="ctr">
+              <a:buClr>
+                <a:srgbClr val="FF0000"/>
+              </a:buClr>
+              <a:buSzPct val="70000"/>
+              <a:tabLst>
+                <a:tab pos="723900" algn="l"/>
+                <a:tab pos="1447800" algn="l"/>
+              </a:tabLst>
+            </a:pPr>
+            <a:r>
+              <a:rPr lang="en-US" altLang="zh-CN" sz="1600" dirty="0" err="1" smtClean="0">
+                <a:solidFill>
+                  <a:prstClr val="white"/>
+                </a:solidFill>
+                <a:latin typeface="Arial" panose="020B0604020202020204" pitchFamily="34" charset="0"/>
+                <a:ea typeface="微软雅黑" panose="020B0503020204020204" pitchFamily="34" charset="-122"/>
+                <a:cs typeface="+mn-ea"/>
+              </a:rPr>
+              <a:t>Pb.go</a:t>
+            </a:r>
+            <a:r>
+              <a:rPr lang="en-US" altLang="zh-CN" sz="1600" dirty="0" smtClean="0">
+                <a:solidFill>
+                  <a:prstClr val="white"/>
+                </a:solidFill>
+                <a:latin typeface="Arial" panose="020B0604020202020204" pitchFamily="34" charset="0"/>
+                <a:ea typeface="微软雅黑" panose="020B0503020204020204" pitchFamily="34" charset="-122"/>
+                <a:cs typeface="+mn-ea"/>
+              </a:rPr>
+              <a:t>  </a:t>
+            </a:r>
+            <a:r>
+              <a:rPr lang="en-US" altLang="zh-CN" sz="1600" dirty="0" err="1" smtClean="0">
+                <a:solidFill>
+                  <a:prstClr val="white"/>
+                </a:solidFill>
+                <a:latin typeface="Arial" panose="020B0604020202020204" pitchFamily="34" charset="0"/>
+                <a:ea typeface="微软雅黑" panose="020B0503020204020204" pitchFamily="34" charset="-122"/>
+                <a:cs typeface="+mn-ea"/>
+              </a:rPr>
+              <a:t>protobuf</a:t>
+            </a:r>
+            <a:r>
+              <a:rPr lang="zh-CN" altLang="en-US" sz="1600" dirty="0" smtClean="0">
+                <a:solidFill>
+                  <a:prstClr val="white"/>
+                </a:solidFill>
+                <a:latin typeface="Arial" panose="020B0604020202020204" pitchFamily="34" charset="0"/>
+                <a:ea typeface="微软雅黑" panose="020B0503020204020204" pitchFamily="34" charset="-122"/>
+                <a:cs typeface="+mn-ea"/>
+              </a:rPr>
+              <a:t>的</a:t>
+            </a:r>
+            <a:r>
+              <a:rPr lang="en-US" altLang="zh-CN" sz="1600" dirty="0" smtClean="0">
+                <a:solidFill>
+                  <a:prstClr val="white"/>
+                </a:solidFill>
+                <a:latin typeface="Arial" panose="020B0604020202020204" pitchFamily="34" charset="0"/>
+                <a:ea typeface="微软雅黑" panose="020B0503020204020204" pitchFamily="34" charset="-122"/>
+                <a:cs typeface="+mn-ea"/>
+              </a:rPr>
+              <a:t>go</a:t>
+            </a:r>
+            <a:r>
+              <a:rPr lang="zh-CN" altLang="en-US" sz="1600" dirty="0" smtClean="0">
+                <a:solidFill>
+                  <a:prstClr val="white"/>
+                </a:solidFill>
+                <a:latin typeface="Arial" panose="020B0604020202020204" pitchFamily="34" charset="0"/>
+                <a:ea typeface="微软雅黑" panose="020B0503020204020204" pitchFamily="34" charset="-122"/>
+                <a:cs typeface="+mn-ea"/>
+              </a:rPr>
+              <a:t>处理部分</a:t>
+            </a:r>
             <a:endParaRPr lang="en-US" sz="1600" dirty="0">
               <a:solidFill>
                 <a:prstClr val="white"/>
@@ -4803,6 +5951,454 @@
                 <a:tab pos="1447800" algn="l"/>
               </a:tabLst>
             </a:pPr>
+            <a:r>
+              <a:rPr lang="en-US" sz="1600" dirty="0" smtClean="0">
+                <a:solidFill>
+                  <a:prstClr val="white"/>
+                </a:solidFill>
+                <a:latin typeface="Arial" panose="020B0604020202020204" pitchFamily="34" charset="0"/>
+                <a:ea typeface="微软雅黑" panose="020B0503020204020204" pitchFamily="34" charset="-122"/>
+                <a:cs typeface="+mn-ea"/>
+              </a:rPr>
+              <a:t>/</a:t>
+            </a:r>
+            <a:r>
+              <a:rPr lang="en-US" sz="1600" dirty="0" err="1" smtClean="0">
+                <a:solidFill>
+                  <a:prstClr val="white"/>
+                </a:solidFill>
+                <a:latin typeface="Arial" panose="020B0604020202020204" pitchFamily="34" charset="0"/>
+                <a:ea typeface="微软雅黑" panose="020B0503020204020204" pitchFamily="34" charset="-122"/>
+                <a:cs typeface="+mn-ea"/>
+              </a:rPr>
+              <a:t>NetWork</a:t>
+            </a:r>
+            <a:r>
+              <a:rPr lang="zh-CN" altLang="en-US" sz="1600" dirty="0" smtClean="0">
+                <a:solidFill>
+                  <a:prstClr val="white"/>
+                </a:solidFill>
+                <a:latin typeface="Arial" panose="020B0604020202020204" pitchFamily="34" charset="0"/>
+                <a:ea typeface="微软雅黑" panose="020B0503020204020204" pitchFamily="34" charset="-122"/>
+                <a:cs typeface="+mn-ea"/>
+              </a:rPr>
+              <a:t>为网络底层处理</a:t>
+            </a:r>
+            <a:endParaRPr lang="en-US" altLang="zh-CN" sz="1600" dirty="0" smtClean="0">
+              <a:solidFill>
+                <a:prstClr val="white"/>
+              </a:solidFill>
+              <a:latin typeface="Arial" panose="020B0604020202020204" pitchFamily="34" charset="0"/>
+              <a:ea typeface="微软雅黑" panose="020B0503020204020204" pitchFamily="34" charset="-122"/>
+              <a:cs typeface="+mn-ea"/>
+            </a:endParaRPr>
+          </a:p>
+          <a:p>
+            <a:pPr algn="ctr" fontAlgn="ctr">
+              <a:buClr>
+                <a:srgbClr val="FF0000"/>
+              </a:buClr>
+              <a:buSzPct val="70000"/>
+              <a:tabLst>
+                <a:tab pos="723900" algn="l"/>
+                <a:tab pos="1447800" algn="l"/>
+              </a:tabLst>
+            </a:pPr>
+            <a:r>
+              <a:rPr lang="en-US" altLang="zh-CN" sz="1600" dirty="0" err="1" smtClean="0">
+                <a:solidFill>
+                  <a:prstClr val="white"/>
+                </a:solidFill>
+                <a:latin typeface="Arial" panose="020B0604020202020204" pitchFamily="34" charset="0"/>
+                <a:ea typeface="微软雅黑" panose="020B0503020204020204" pitchFamily="34" charset="-122"/>
+                <a:cs typeface="+mn-ea"/>
+              </a:rPr>
+              <a:t>NetWork.go</a:t>
+            </a:r>
+            <a:r>
+              <a:rPr lang="en-US" altLang="zh-CN" sz="1600" dirty="0" smtClean="0">
+                <a:solidFill>
+                  <a:prstClr val="white"/>
+                </a:solidFill>
+                <a:latin typeface="Arial" panose="020B0604020202020204" pitchFamily="34" charset="0"/>
+                <a:ea typeface="微软雅黑" panose="020B0503020204020204" pitchFamily="34" charset="-122"/>
+                <a:cs typeface="+mn-ea"/>
+              </a:rPr>
+              <a:t> </a:t>
+            </a:r>
+            <a:r>
+              <a:rPr lang="zh-CN" altLang="en-US" sz="1600" dirty="0" smtClean="0">
+                <a:solidFill>
+                  <a:prstClr val="white"/>
+                </a:solidFill>
+                <a:latin typeface="Arial" panose="020B0604020202020204" pitchFamily="34" charset="0"/>
+                <a:ea typeface="微软雅黑" panose="020B0503020204020204" pitchFamily="34" charset="-122"/>
+                <a:cs typeface="+mn-ea"/>
+              </a:rPr>
+              <a:t>数据包的格式，处理头部数据，组合成发送的数据包</a:t>
+            </a:r>
+            <a:endParaRPr lang="en-US" altLang="zh-CN" sz="1600" dirty="0" smtClean="0">
+              <a:solidFill>
+                <a:prstClr val="white"/>
+              </a:solidFill>
+              <a:latin typeface="Arial" panose="020B0604020202020204" pitchFamily="34" charset="0"/>
+              <a:ea typeface="微软雅黑" panose="020B0503020204020204" pitchFamily="34" charset="-122"/>
+              <a:cs typeface="+mn-ea"/>
+            </a:endParaRPr>
+          </a:p>
+          <a:p>
+            <a:pPr algn="ctr" fontAlgn="ctr">
+              <a:buClr>
+                <a:srgbClr val="FF0000"/>
+              </a:buClr>
+              <a:buSzPct val="70000"/>
+              <a:tabLst>
+                <a:tab pos="723900" algn="l"/>
+                <a:tab pos="1447800" algn="l"/>
+              </a:tabLst>
+            </a:pPr>
+            <a:r>
+              <a:rPr lang="en-US" altLang="zh-CN" sz="1600" dirty="0" err="1" smtClean="0">
+                <a:solidFill>
+                  <a:prstClr val="white"/>
+                </a:solidFill>
+                <a:latin typeface="Arial" panose="020B0604020202020204" pitchFamily="34" charset="0"/>
+                <a:ea typeface="微软雅黑" panose="020B0503020204020204" pitchFamily="34" charset="-122"/>
+                <a:cs typeface="+mn-ea"/>
+              </a:rPr>
+              <a:t>Tcp_client.go</a:t>
+            </a:r>
+            <a:r>
+              <a:rPr lang="en-US" altLang="zh-CN" sz="1600" dirty="0" smtClean="0">
+                <a:solidFill>
+                  <a:prstClr val="white"/>
+                </a:solidFill>
+                <a:latin typeface="Arial" panose="020B0604020202020204" pitchFamily="34" charset="0"/>
+                <a:ea typeface="微软雅黑" panose="020B0503020204020204" pitchFamily="34" charset="-122"/>
+                <a:cs typeface="+mn-ea"/>
+              </a:rPr>
+              <a:t>  socket</a:t>
+            </a:r>
+            <a:r>
+              <a:rPr lang="zh-CN" altLang="en-US" sz="1600" dirty="0" smtClean="0">
+                <a:solidFill>
+                  <a:prstClr val="white"/>
+                </a:solidFill>
+                <a:latin typeface="Arial" panose="020B0604020202020204" pitchFamily="34" charset="0"/>
+                <a:ea typeface="微软雅黑" panose="020B0503020204020204" pitchFamily="34" charset="-122"/>
+                <a:cs typeface="+mn-ea"/>
+              </a:rPr>
+              <a:t>客户端用</a:t>
+            </a:r>
+            <a:endParaRPr lang="en-US" altLang="zh-CN" sz="1600" dirty="0" smtClean="0">
+              <a:solidFill>
+                <a:prstClr val="white"/>
+              </a:solidFill>
+              <a:latin typeface="Arial" panose="020B0604020202020204" pitchFamily="34" charset="0"/>
+              <a:ea typeface="微软雅黑" panose="020B0503020204020204" pitchFamily="34" charset="-122"/>
+              <a:cs typeface="+mn-ea"/>
+            </a:endParaRPr>
+          </a:p>
+          <a:p>
+            <a:pPr algn="ctr" fontAlgn="ctr">
+              <a:buClr>
+                <a:srgbClr val="FF0000"/>
+              </a:buClr>
+              <a:buSzPct val="70000"/>
+              <a:tabLst>
+                <a:tab pos="723900" algn="l"/>
+                <a:tab pos="1447800" algn="l"/>
+              </a:tabLst>
+            </a:pPr>
+            <a:r>
+              <a:rPr lang="en-US" sz="1600" dirty="0" err="1" smtClean="0">
+                <a:solidFill>
+                  <a:prstClr val="white"/>
+                </a:solidFill>
+                <a:latin typeface="Arial" panose="020B0604020202020204" pitchFamily="34" charset="0"/>
+                <a:ea typeface="微软雅黑" panose="020B0503020204020204" pitchFamily="34" charset="-122"/>
+                <a:cs typeface="+mn-ea"/>
+              </a:rPr>
+              <a:t>Tcp_conn.go</a:t>
+            </a:r>
+            <a:r>
+              <a:rPr lang="en-US" sz="1600" dirty="0" smtClean="0">
+                <a:solidFill>
+                  <a:prstClr val="white"/>
+                </a:solidFill>
+                <a:latin typeface="Arial" panose="020B0604020202020204" pitchFamily="34" charset="0"/>
+                <a:ea typeface="微软雅黑" panose="020B0503020204020204" pitchFamily="34" charset="-122"/>
+                <a:cs typeface="+mn-ea"/>
+              </a:rPr>
+              <a:t> socket</a:t>
+            </a:r>
+            <a:r>
+              <a:rPr lang="zh-CN" altLang="en-US" sz="1600" dirty="0" smtClean="0">
+                <a:solidFill>
+                  <a:prstClr val="white"/>
+                </a:solidFill>
+                <a:latin typeface="Arial" panose="020B0604020202020204" pitchFamily="34" charset="0"/>
+                <a:ea typeface="微软雅黑" panose="020B0503020204020204" pitchFamily="34" charset="-122"/>
+                <a:cs typeface="+mn-ea"/>
+              </a:rPr>
+              <a:t>网络连接处理</a:t>
+            </a:r>
+            <a:endParaRPr lang="en-US" altLang="zh-CN" sz="1600" dirty="0" smtClean="0">
+              <a:solidFill>
+                <a:prstClr val="white"/>
+              </a:solidFill>
+              <a:latin typeface="Arial" panose="020B0604020202020204" pitchFamily="34" charset="0"/>
+              <a:ea typeface="微软雅黑" panose="020B0503020204020204" pitchFamily="34" charset="-122"/>
+              <a:cs typeface="+mn-ea"/>
+            </a:endParaRPr>
+          </a:p>
+          <a:p>
+            <a:pPr algn="ctr" fontAlgn="ctr">
+              <a:buClr>
+                <a:srgbClr val="FF0000"/>
+              </a:buClr>
+              <a:buSzPct val="70000"/>
+              <a:tabLst>
+                <a:tab pos="723900" algn="l"/>
+                <a:tab pos="1447800" algn="l"/>
+              </a:tabLst>
+            </a:pPr>
+            <a:r>
+              <a:rPr lang="en-US" sz="1600" dirty="0" err="1" smtClean="0">
+                <a:solidFill>
+                  <a:prstClr val="white"/>
+                </a:solidFill>
+                <a:latin typeface="Arial" panose="020B0604020202020204" pitchFamily="34" charset="0"/>
+                <a:ea typeface="微软雅黑" panose="020B0503020204020204" pitchFamily="34" charset="-122"/>
+                <a:cs typeface="+mn-ea"/>
+              </a:rPr>
+              <a:t>Tcp_server.go</a:t>
+            </a:r>
+            <a:r>
+              <a:rPr lang="en-US" sz="1600" dirty="0" smtClean="0">
+                <a:solidFill>
+                  <a:prstClr val="white"/>
+                </a:solidFill>
+                <a:latin typeface="Arial" panose="020B0604020202020204" pitchFamily="34" charset="0"/>
+                <a:ea typeface="微软雅黑" panose="020B0503020204020204" pitchFamily="34" charset="-122"/>
+                <a:cs typeface="+mn-ea"/>
+              </a:rPr>
+              <a:t> </a:t>
+            </a:r>
+            <a:r>
+              <a:rPr lang="en-US" altLang="zh-CN" sz="1600" dirty="0" smtClean="0">
+                <a:solidFill>
+                  <a:prstClr val="white"/>
+                </a:solidFill>
+                <a:latin typeface="Arial" panose="020B0604020202020204" pitchFamily="34" charset="0"/>
+                <a:ea typeface="微软雅黑" panose="020B0503020204020204" pitchFamily="34" charset="-122"/>
+                <a:cs typeface="+mn-ea"/>
+              </a:rPr>
+              <a:t>socket</a:t>
+            </a:r>
+            <a:r>
+              <a:rPr lang="zh-CN" altLang="en-US" sz="1600" dirty="0" smtClean="0">
+                <a:solidFill>
+                  <a:prstClr val="white"/>
+                </a:solidFill>
+                <a:latin typeface="Arial" panose="020B0604020202020204" pitchFamily="34" charset="0"/>
+                <a:ea typeface="微软雅黑" panose="020B0503020204020204" pitchFamily="34" charset="-122"/>
+                <a:cs typeface="+mn-ea"/>
+              </a:rPr>
+              <a:t>网络处理主逻辑</a:t>
+            </a:r>
+            <a:endParaRPr lang="en-US" altLang="zh-CN" sz="1600" dirty="0" smtClean="0">
+              <a:solidFill>
+                <a:prstClr val="white"/>
+              </a:solidFill>
+              <a:latin typeface="Arial" panose="020B0604020202020204" pitchFamily="34" charset="0"/>
+              <a:ea typeface="微软雅黑" panose="020B0503020204020204" pitchFamily="34" charset="-122"/>
+              <a:cs typeface="+mn-ea"/>
+            </a:endParaRPr>
+          </a:p>
+          <a:p>
+            <a:pPr algn="ctr" fontAlgn="ctr">
+              <a:buClr>
+                <a:srgbClr val="FF0000"/>
+              </a:buClr>
+              <a:buSzPct val="70000"/>
+              <a:tabLst>
+                <a:tab pos="723900" algn="l"/>
+                <a:tab pos="1447800" algn="l"/>
+              </a:tabLst>
+            </a:pPr>
+            <a:r>
+              <a:rPr lang="en-US" altLang="zh-CN" sz="1600" dirty="0" err="1" smtClean="0">
+                <a:solidFill>
+                  <a:prstClr val="white"/>
+                </a:solidFill>
+                <a:latin typeface="Arial" panose="020B0604020202020204" pitchFamily="34" charset="0"/>
+                <a:ea typeface="微软雅黑" panose="020B0503020204020204" pitchFamily="34" charset="-122"/>
+                <a:cs typeface="+mn-ea"/>
+              </a:rPr>
+              <a:t>Ws_client.go</a:t>
+            </a:r>
+            <a:r>
+              <a:rPr lang="en-US" altLang="zh-CN" sz="1600" dirty="0" smtClean="0">
+                <a:solidFill>
+                  <a:prstClr val="white"/>
+                </a:solidFill>
+                <a:latin typeface="Arial" panose="020B0604020202020204" pitchFamily="34" charset="0"/>
+                <a:ea typeface="微软雅黑" panose="020B0503020204020204" pitchFamily="34" charset="-122"/>
+                <a:cs typeface="+mn-ea"/>
+              </a:rPr>
+              <a:t> </a:t>
+            </a:r>
+            <a:r>
+              <a:rPr lang="en-US" altLang="zh-CN" sz="1600" dirty="0" err="1" smtClean="0">
+                <a:solidFill>
+                  <a:prstClr val="white"/>
+                </a:solidFill>
+                <a:latin typeface="Arial" panose="020B0604020202020204" pitchFamily="34" charset="0"/>
+                <a:ea typeface="微软雅黑" panose="020B0503020204020204" pitchFamily="34" charset="-122"/>
+                <a:cs typeface="+mn-ea"/>
+              </a:rPr>
+              <a:t>websocket</a:t>
+            </a:r>
+            <a:r>
+              <a:rPr lang="zh-CN" altLang="en-US" sz="1600" dirty="0" smtClean="0">
+                <a:solidFill>
+                  <a:prstClr val="white"/>
+                </a:solidFill>
+                <a:latin typeface="Arial" panose="020B0604020202020204" pitchFamily="34" charset="0"/>
+                <a:ea typeface="微软雅黑" panose="020B0503020204020204" pitchFamily="34" charset="-122"/>
+                <a:cs typeface="+mn-ea"/>
+              </a:rPr>
+              <a:t>客户端用</a:t>
+            </a:r>
+            <a:endParaRPr lang="en-US" altLang="zh-CN" sz="1600" dirty="0" smtClean="0">
+              <a:solidFill>
+                <a:prstClr val="white"/>
+              </a:solidFill>
+              <a:latin typeface="Arial" panose="020B0604020202020204" pitchFamily="34" charset="0"/>
+              <a:ea typeface="微软雅黑" panose="020B0503020204020204" pitchFamily="34" charset="-122"/>
+              <a:cs typeface="+mn-ea"/>
+            </a:endParaRPr>
+          </a:p>
+          <a:p>
+            <a:pPr algn="ctr" fontAlgn="ctr">
+              <a:buClr>
+                <a:srgbClr val="FF0000"/>
+              </a:buClr>
+              <a:buSzPct val="70000"/>
+              <a:tabLst>
+                <a:tab pos="723900" algn="l"/>
+                <a:tab pos="1447800" algn="l"/>
+              </a:tabLst>
+            </a:pPr>
+            <a:r>
+              <a:rPr lang="en-US" sz="1600" dirty="0" err="1" smtClean="0">
+                <a:solidFill>
+                  <a:prstClr val="white"/>
+                </a:solidFill>
+                <a:latin typeface="Arial" panose="020B0604020202020204" pitchFamily="34" charset="0"/>
+                <a:ea typeface="微软雅黑" panose="020B0503020204020204" pitchFamily="34" charset="-122"/>
+                <a:cs typeface="+mn-ea"/>
+              </a:rPr>
+              <a:t>Ws_conn.go</a:t>
+            </a:r>
+            <a:r>
+              <a:rPr lang="en-US" sz="1600" dirty="0" smtClean="0">
+                <a:solidFill>
+                  <a:prstClr val="white"/>
+                </a:solidFill>
+                <a:latin typeface="Arial" panose="020B0604020202020204" pitchFamily="34" charset="0"/>
+                <a:ea typeface="微软雅黑" panose="020B0503020204020204" pitchFamily="34" charset="-122"/>
+                <a:cs typeface="+mn-ea"/>
+              </a:rPr>
+              <a:t> </a:t>
+            </a:r>
+            <a:r>
+              <a:rPr lang="en-US" sz="1600" dirty="0" err="1" smtClean="0">
+                <a:solidFill>
+                  <a:prstClr val="white"/>
+                </a:solidFill>
+                <a:latin typeface="Arial" panose="020B0604020202020204" pitchFamily="34" charset="0"/>
+                <a:ea typeface="微软雅黑" panose="020B0503020204020204" pitchFamily="34" charset="-122"/>
+                <a:cs typeface="+mn-ea"/>
+              </a:rPr>
+              <a:t>websocket</a:t>
+            </a:r>
+            <a:r>
+              <a:rPr lang="zh-CN" altLang="en-US" sz="1600" dirty="0" smtClean="0">
+                <a:solidFill>
+                  <a:prstClr val="white"/>
+                </a:solidFill>
+                <a:latin typeface="Arial" panose="020B0604020202020204" pitchFamily="34" charset="0"/>
+                <a:ea typeface="微软雅黑" panose="020B0503020204020204" pitchFamily="34" charset="-122"/>
+                <a:cs typeface="+mn-ea"/>
+              </a:rPr>
+              <a:t>网络连接处理</a:t>
+            </a:r>
+            <a:endParaRPr lang="en-US" altLang="zh-CN" sz="1600" dirty="0" smtClean="0">
+              <a:solidFill>
+                <a:prstClr val="white"/>
+              </a:solidFill>
+              <a:latin typeface="Arial" panose="020B0604020202020204" pitchFamily="34" charset="0"/>
+              <a:ea typeface="微软雅黑" panose="020B0503020204020204" pitchFamily="34" charset="-122"/>
+              <a:cs typeface="+mn-ea"/>
+            </a:endParaRPr>
+          </a:p>
+          <a:p>
+            <a:pPr algn="ctr" fontAlgn="ctr">
+              <a:buClr>
+                <a:srgbClr val="FF0000"/>
+              </a:buClr>
+              <a:buSzPct val="70000"/>
+              <a:tabLst>
+                <a:tab pos="723900" algn="l"/>
+                <a:tab pos="1447800" algn="l"/>
+              </a:tabLst>
+            </a:pPr>
+            <a:r>
+              <a:rPr lang="en-US" sz="1600" dirty="0" err="1" smtClean="0">
+                <a:solidFill>
+                  <a:prstClr val="white"/>
+                </a:solidFill>
+                <a:latin typeface="Arial" panose="020B0604020202020204" pitchFamily="34" charset="0"/>
+                <a:ea typeface="微软雅黑" panose="020B0503020204020204" pitchFamily="34" charset="-122"/>
+                <a:cs typeface="+mn-ea"/>
+              </a:rPr>
+              <a:t>Ws_server.go</a:t>
+            </a:r>
+            <a:r>
+              <a:rPr lang="en-US" sz="1600" dirty="0" smtClean="0">
+                <a:solidFill>
+                  <a:prstClr val="white"/>
+                </a:solidFill>
+                <a:latin typeface="Arial" panose="020B0604020202020204" pitchFamily="34" charset="0"/>
+                <a:ea typeface="微软雅黑" panose="020B0503020204020204" pitchFamily="34" charset="-122"/>
+                <a:cs typeface="+mn-ea"/>
+              </a:rPr>
+              <a:t> </a:t>
+            </a:r>
+            <a:r>
+              <a:rPr lang="en-US" sz="1600" dirty="0" err="1" smtClean="0">
+                <a:solidFill>
+                  <a:prstClr val="white"/>
+                </a:solidFill>
+                <a:latin typeface="Arial" panose="020B0604020202020204" pitchFamily="34" charset="0"/>
+                <a:ea typeface="微软雅黑" panose="020B0503020204020204" pitchFamily="34" charset="-122"/>
+                <a:cs typeface="+mn-ea"/>
+              </a:rPr>
+              <a:t>websocket</a:t>
+            </a:r>
+            <a:r>
+              <a:rPr lang="zh-CN" altLang="en-US" sz="1600" dirty="0" smtClean="0">
+                <a:solidFill>
+                  <a:prstClr val="white"/>
+                </a:solidFill>
+                <a:latin typeface="Arial" panose="020B0604020202020204" pitchFamily="34" charset="0"/>
+                <a:ea typeface="微软雅黑" panose="020B0503020204020204" pitchFamily="34" charset="-122"/>
+                <a:cs typeface="+mn-ea"/>
+              </a:rPr>
+              <a:t>网络处理主逻辑</a:t>
+            </a:r>
             <a:endParaRPr lang="en-US" sz="1600" dirty="0">
               <a:solidFill>
                 <a:prstClr val="white"/>
@@ -4990,27 +6586,7 @@
                 <a:latin typeface="微软雅黑" pitchFamily="34" charset="-122"/>
                 <a:ea typeface="微软雅黑" pitchFamily="34" charset="-122"/>
               </a:rPr>
-              <a:t>去</a:t>
-            </a:r>
-            <a:r>
-              <a:rPr lang="zh-CN" altLang="en-US" dirty="0" smtClean="0">
-                <a:solidFill>
-                  <a:schemeClr val="bg1"/>
-                </a:solidFill>
-                <a:latin typeface="微软雅黑" pitchFamily="34" charset="-122"/>
-                <a:ea typeface="微软雅黑" pitchFamily="34" charset="-122"/>
-              </a:rPr>
-              <a:t>处理，包括生成</a:t>
-            </a:r>
-            <a:r>
-              <a:rPr lang="zh-CN" altLang="en-US" dirty="0" smtClean="0">
-                <a:solidFill>
-                  <a:schemeClr val="bg1"/>
-                </a:solidFill>
-                <a:latin typeface="微软雅黑" pitchFamily="34" charset="-122"/>
-                <a:ea typeface="微软雅黑" pitchFamily="34" charset="-122"/>
-              </a:rPr>
-              <a:t>数据包，然后发送</a:t>
+              <a:t>去处理，包括生成数据包，然后发送</a:t>
             </a:r>
             <a:endParaRPr lang="en-US" altLang="zh-CN" dirty="0" smtClean="0">
               <a:solidFill>
@@ -5189,6 +6765,264 @@
                 <a:tab pos="1447800" algn="l"/>
               </a:tabLst>
             </a:pPr>
+            <a:r>
+              <a:rPr lang="en-US" sz="1600" dirty="0" smtClean="0">
+                <a:solidFill>
+                  <a:prstClr val="white"/>
+                </a:solidFill>
+                <a:latin typeface="Arial" panose="020B0604020202020204" pitchFamily="34" charset="0"/>
+                <a:ea typeface="微软雅黑" panose="020B0503020204020204" pitchFamily="34" charset="-122"/>
+                <a:cs typeface="+mn-ea"/>
+              </a:rPr>
+              <a:t>/</a:t>
+            </a:r>
+            <a:r>
+              <a:rPr lang="en-US" sz="1600" dirty="0" err="1" smtClean="0">
+                <a:solidFill>
+                  <a:prstClr val="white"/>
+                </a:solidFill>
+                <a:latin typeface="Arial" panose="020B0604020202020204" pitchFamily="34" charset="0"/>
+                <a:ea typeface="微软雅黑" panose="020B0503020204020204" pitchFamily="34" charset="-122"/>
+                <a:cs typeface="+mn-ea"/>
+              </a:rPr>
+              <a:t>Utils</a:t>
+            </a:r>
+            <a:r>
+              <a:rPr lang="zh-CN" altLang="en-US" sz="1600" dirty="0" smtClean="0">
+                <a:solidFill>
+                  <a:prstClr val="white"/>
+                </a:solidFill>
+                <a:latin typeface="Arial" panose="020B0604020202020204" pitchFamily="34" charset="0"/>
+                <a:ea typeface="微软雅黑" panose="020B0503020204020204" pitchFamily="34" charset="-122"/>
+                <a:cs typeface="+mn-ea"/>
+              </a:rPr>
+              <a:t>工具</a:t>
+            </a:r>
+            <a:endParaRPr lang="en-US" altLang="zh-CN" sz="1600" dirty="0" smtClean="0">
+              <a:solidFill>
+                <a:prstClr val="white"/>
+              </a:solidFill>
+              <a:latin typeface="Arial" panose="020B0604020202020204" pitchFamily="34" charset="0"/>
+              <a:ea typeface="微软雅黑" panose="020B0503020204020204" pitchFamily="34" charset="-122"/>
+              <a:cs typeface="+mn-ea"/>
+            </a:endParaRPr>
+          </a:p>
+          <a:p>
+            <a:pPr algn="ctr" fontAlgn="ctr">
+              <a:buClr>
+                <a:srgbClr val="FF0000"/>
+              </a:buClr>
+              <a:buSzPct val="70000"/>
+              <a:tabLst>
+                <a:tab pos="723900" algn="l"/>
+                <a:tab pos="1447800" algn="l"/>
+              </a:tabLst>
+            </a:pPr>
+            <a:r>
+              <a:rPr lang="en-US" altLang="zh-CN" sz="1600" dirty="0" smtClean="0">
+                <a:solidFill>
+                  <a:prstClr val="white"/>
+                </a:solidFill>
+                <a:latin typeface="Arial" panose="020B0604020202020204" pitchFamily="34" charset="0"/>
+                <a:ea typeface="微软雅黑" panose="020B0503020204020204" pitchFamily="34" charset="-122"/>
+                <a:cs typeface="+mn-ea"/>
+              </a:rPr>
+              <a:t>/log </a:t>
+            </a:r>
+            <a:r>
+              <a:rPr lang="zh-CN" altLang="en-US" sz="1600" dirty="0" smtClean="0">
+                <a:solidFill>
+                  <a:prstClr val="white"/>
+                </a:solidFill>
+                <a:latin typeface="Arial" panose="020B0604020202020204" pitchFamily="34" charset="0"/>
+                <a:ea typeface="微软雅黑" panose="020B0503020204020204" pitchFamily="34" charset="-122"/>
+                <a:cs typeface="+mn-ea"/>
+              </a:rPr>
+              <a:t>日志处理</a:t>
+            </a:r>
+            <a:endParaRPr lang="en-US" altLang="zh-CN" sz="1600" dirty="0" smtClean="0">
+              <a:solidFill>
+                <a:prstClr val="white"/>
+              </a:solidFill>
+              <a:latin typeface="Arial" panose="020B0604020202020204" pitchFamily="34" charset="0"/>
+              <a:ea typeface="微软雅黑" panose="020B0503020204020204" pitchFamily="34" charset="-122"/>
+              <a:cs typeface="+mn-ea"/>
+            </a:endParaRPr>
+          </a:p>
+          <a:p>
+            <a:pPr algn="ctr" fontAlgn="ctr">
+              <a:buClr>
+                <a:srgbClr val="FF0000"/>
+              </a:buClr>
+              <a:buSzPct val="70000"/>
+              <a:tabLst>
+                <a:tab pos="723900" algn="l"/>
+                <a:tab pos="1447800" algn="l"/>
+              </a:tabLst>
+            </a:pPr>
+            <a:r>
+              <a:rPr lang="en-US" altLang="zh-CN" sz="1600" dirty="0" smtClean="0">
+                <a:solidFill>
+                  <a:prstClr val="white"/>
+                </a:solidFill>
+                <a:latin typeface="Arial" panose="020B0604020202020204" pitchFamily="34" charset="0"/>
+                <a:ea typeface="微软雅黑" panose="020B0503020204020204" pitchFamily="34" charset="-122"/>
+                <a:cs typeface="+mn-ea"/>
+              </a:rPr>
+              <a:t>/</a:t>
+            </a:r>
+            <a:r>
+              <a:rPr lang="en-US" altLang="zh-CN" sz="1600" dirty="0" err="1" smtClean="0">
+                <a:solidFill>
+                  <a:prstClr val="white"/>
+                </a:solidFill>
+                <a:latin typeface="Arial" panose="020B0604020202020204" pitchFamily="34" charset="0"/>
+                <a:ea typeface="微软雅黑" panose="020B0503020204020204" pitchFamily="34" charset="-122"/>
+                <a:cs typeface="+mn-ea"/>
+              </a:rPr>
+              <a:t>zRedis</a:t>
+            </a:r>
+            <a:r>
+              <a:rPr lang="en-US" altLang="zh-CN" sz="1600" dirty="0" smtClean="0">
+                <a:solidFill>
+                  <a:prstClr val="white"/>
+                </a:solidFill>
+                <a:latin typeface="Arial" panose="020B0604020202020204" pitchFamily="34" charset="0"/>
+                <a:ea typeface="微软雅黑" panose="020B0503020204020204" pitchFamily="34" charset="-122"/>
+                <a:cs typeface="+mn-ea"/>
+              </a:rPr>
+              <a:t> </a:t>
+            </a:r>
+            <a:r>
+              <a:rPr lang="en-US" altLang="zh-CN" sz="1600" dirty="0" err="1" smtClean="0">
+                <a:solidFill>
+                  <a:prstClr val="white"/>
+                </a:solidFill>
+                <a:latin typeface="Arial" panose="020B0604020202020204" pitchFamily="34" charset="0"/>
+                <a:ea typeface="微软雅黑" panose="020B0503020204020204" pitchFamily="34" charset="-122"/>
+                <a:cs typeface="+mn-ea"/>
+              </a:rPr>
+              <a:t>redis</a:t>
+            </a:r>
+            <a:r>
+              <a:rPr lang="zh-CN" altLang="en-US" sz="1600" dirty="0" smtClean="0">
+                <a:solidFill>
+                  <a:prstClr val="white"/>
+                </a:solidFill>
+                <a:latin typeface="Arial" panose="020B0604020202020204" pitchFamily="34" charset="0"/>
+                <a:ea typeface="微软雅黑" panose="020B0503020204020204" pitchFamily="34" charset="-122"/>
+                <a:cs typeface="+mn-ea"/>
+              </a:rPr>
+              <a:t>数据库处理</a:t>
+            </a:r>
+            <a:endParaRPr lang="en-US" altLang="zh-CN" sz="1600" dirty="0" smtClean="0">
+              <a:solidFill>
+                <a:prstClr val="white"/>
+              </a:solidFill>
+              <a:latin typeface="Arial" panose="020B0604020202020204" pitchFamily="34" charset="0"/>
+              <a:ea typeface="微软雅黑" panose="020B0503020204020204" pitchFamily="34" charset="-122"/>
+              <a:cs typeface="+mn-ea"/>
+            </a:endParaRPr>
+          </a:p>
+          <a:p>
+            <a:pPr algn="ctr" fontAlgn="ctr">
+              <a:buClr>
+                <a:srgbClr val="FF0000"/>
+              </a:buClr>
+              <a:buSzPct val="70000"/>
+              <a:tabLst>
+                <a:tab pos="723900" algn="l"/>
+                <a:tab pos="1447800" algn="l"/>
+              </a:tabLst>
+            </a:pPr>
+            <a:r>
+              <a:rPr lang="en-US" altLang="zh-CN" sz="1600" dirty="0" smtClean="0">
+                <a:solidFill>
+                  <a:prstClr val="white"/>
+                </a:solidFill>
+                <a:latin typeface="Arial" panose="020B0604020202020204" pitchFamily="34" charset="0"/>
+                <a:ea typeface="微软雅黑" panose="020B0503020204020204" pitchFamily="34" charset="-122"/>
+                <a:cs typeface="+mn-ea"/>
+              </a:rPr>
+              <a:t>/</a:t>
+            </a:r>
+            <a:r>
+              <a:rPr lang="en-US" altLang="zh-CN" sz="1600" dirty="0" err="1" smtClean="0">
+                <a:solidFill>
+                  <a:prstClr val="white"/>
+                </a:solidFill>
+                <a:latin typeface="Arial" panose="020B0604020202020204" pitchFamily="34" charset="0"/>
+                <a:ea typeface="微软雅黑" panose="020B0503020204020204" pitchFamily="34" charset="-122"/>
+                <a:cs typeface="+mn-ea"/>
+              </a:rPr>
+              <a:t>ztimer</a:t>
+            </a:r>
+            <a:r>
+              <a:rPr lang="en-US" altLang="zh-CN" sz="1600" dirty="0" smtClean="0">
+                <a:solidFill>
+                  <a:prstClr val="white"/>
+                </a:solidFill>
+                <a:latin typeface="Arial" panose="020B0604020202020204" pitchFamily="34" charset="0"/>
+                <a:ea typeface="微软雅黑" panose="020B0503020204020204" pitchFamily="34" charset="-122"/>
+                <a:cs typeface="+mn-ea"/>
+              </a:rPr>
+              <a:t> </a:t>
+            </a:r>
+            <a:r>
+              <a:rPr lang="zh-CN" altLang="en-US" sz="1600" dirty="0" smtClean="0">
+                <a:solidFill>
+                  <a:prstClr val="white"/>
+                </a:solidFill>
+                <a:latin typeface="Arial" panose="020B0604020202020204" pitchFamily="34" charset="0"/>
+                <a:ea typeface="微软雅黑" panose="020B0503020204020204" pitchFamily="34" charset="-122"/>
+                <a:cs typeface="+mn-ea"/>
+              </a:rPr>
+              <a:t>计时器</a:t>
+            </a:r>
+            <a:r>
+              <a:rPr lang="en-US" altLang="zh-CN" sz="1600" dirty="0" smtClean="0">
+                <a:solidFill>
+                  <a:prstClr val="white"/>
+                </a:solidFill>
+                <a:latin typeface="Arial" panose="020B0604020202020204" pitchFamily="34" charset="0"/>
+                <a:ea typeface="微软雅黑" panose="020B0503020204020204" pitchFamily="34" charset="-122"/>
+                <a:cs typeface="+mn-ea"/>
+              </a:rPr>
+              <a:t>, </a:t>
+            </a:r>
+            <a:r>
+              <a:rPr lang="zh-CN" altLang="en-US" sz="1600" dirty="0" smtClean="0">
+                <a:solidFill>
+                  <a:prstClr val="white"/>
+                </a:solidFill>
+                <a:latin typeface="Arial" panose="020B0604020202020204" pitchFamily="34" charset="0"/>
+                <a:ea typeface="微软雅黑" panose="020B0503020204020204" pitchFamily="34" charset="-122"/>
+                <a:cs typeface="+mn-ea"/>
+              </a:rPr>
+              <a:t>定时器</a:t>
+            </a:r>
+            <a:r>
+              <a:rPr lang="en-US" altLang="zh-CN" sz="1600" dirty="0" smtClean="0">
+                <a:solidFill>
+                  <a:prstClr val="white"/>
+                </a:solidFill>
+                <a:latin typeface="Arial" panose="020B0604020202020204" pitchFamily="34" charset="0"/>
+                <a:ea typeface="微软雅黑" panose="020B0503020204020204" pitchFamily="34" charset="-122"/>
+                <a:cs typeface="+mn-ea"/>
+              </a:rPr>
+              <a:t>,</a:t>
+            </a:r>
+            <a:r>
+              <a:rPr lang="zh-CN" altLang="en-US" sz="1600" dirty="0" smtClean="0">
+                <a:solidFill>
+                  <a:prstClr val="white"/>
+                </a:solidFill>
+                <a:latin typeface="Arial" panose="020B0604020202020204" pitchFamily="34" charset="0"/>
+                <a:ea typeface="微软雅黑" panose="020B0503020204020204" pitchFamily="34" charset="-122"/>
+                <a:cs typeface="+mn-ea"/>
+              </a:rPr>
+              <a:t>固定时间触发器</a:t>
+            </a:r>
             <a:endParaRPr lang="en-US" sz="1600" dirty="0">
               <a:solidFill>
                 <a:prstClr val="white"/>
@@ -5709,6 +7543,14 @@
               <a:rPr lang="zh-CN" altLang="en-US" dirty="0" smtClean="0"/>
               <a:t> 游戏管理器</a:t>
             </a:r>
+            <a:r>
+              <a:rPr lang="en-US" altLang="zh-CN" dirty="0" smtClean="0"/>
+              <a:t>/</a:t>
+            </a:r>
+            <a:r>
+              <a:rPr lang="en-US" altLang="zh-CN" dirty="0" err="1" smtClean="0"/>
+              <a:t>GameManager</a:t>
+            </a:r>
             <a:endParaRPr lang="zh-CN" altLang="en-US" dirty="0"/>
           </a:p>
         </p:txBody>
@@ -5806,7 +7648,7 @@
               </a:tabLst>
             </a:pPr>
             <a:r>
-              <a:rPr lang="zh-CN" altLang="en-US" sz="1600" dirty="0" smtClean="0">
+              <a:rPr lang="en-US" altLang="zh-CN" sz="1600" dirty="0" smtClean="0">
                 <a:solidFill>
                   <a:schemeClr val="bg1"/>
                 </a:solidFill>
@@ -5814,7 +7656,18 @@
                 <a:ea typeface="微软雅黑" pitchFamily="34" charset="-122"/>
                 <a:cs typeface="+mn-ea"/>
               </a:rPr>
-              <a:t>游戏：</a:t>
+              <a:t>Games.lua</a:t>
+            </a:r>
+            <a:r>
+              <a:rPr lang="zh-CN" altLang="en-US" sz="1600" dirty="0" smtClean="0">
+                <a:solidFill>
+                  <a:schemeClr val="bg1"/>
+                </a:solidFill>
+                <a:latin typeface="微软雅黑" pitchFamily="34" charset="-122"/>
+                <a:ea typeface="微软雅黑" pitchFamily="34" charset="-122"/>
+                <a:cs typeface="+mn-ea"/>
+              </a:rPr>
+              <a:t>：</a:t>
             </a:r>
             <a:endParaRPr lang="en-US" altLang="zh-CN" sz="1600" dirty="0" smtClean="0">
               <a:solidFill>
@@ -5864,17 +7717,7 @@
                 <a:latin typeface="微软雅黑" pitchFamily="34" charset="-122"/>
                 <a:ea typeface="微软雅黑" pitchFamily="34" charset="-122"/>
               </a:rPr>
-              <a:t>，掌握该游戏所有的</a:t>
-            </a:r>
-            <a:r>
-              <a:rPr lang="zh-CN" altLang="en-US" sz="1600" dirty="0" smtClean="0">
-                <a:solidFill>
-                  <a:schemeClr val="bg1"/>
-                </a:solidFill>
-                <a:latin typeface="微软雅黑" pitchFamily="34" charset="-122"/>
-                <a:ea typeface="微软雅黑" pitchFamily="34" charset="-122"/>
-              </a:rPr>
-              <a:t>桌子</a:t>
+              <a:t>，掌握该游戏所有的桌子</a:t>
             </a:r>
             <a:endParaRPr lang="en-US" altLang="zh-CN" sz="1600" dirty="0" smtClean="0">
               <a:solidFill>
@@ -6880,7 +8723,7 @@
                 <a:latin typeface="微软雅黑" pitchFamily="34" charset="-122"/>
                 <a:ea typeface="微软雅黑" pitchFamily="34" charset="-122"/>
               </a:rPr>
-              <a:t>gamelogin</a:t>
+              <a:t>gameEnter</a:t>
             </a:r>
             <a:r>
               <a:rPr lang="zh-CN" altLang="en-US" dirty="0" smtClean="0">

--- a/ServerGameBYLua2/说明文档/服务器架构设计.pptx
+++ b/ServerGameBYLua2/说明文档/服务器架构设计.pptx
@@ -4115,18 +4115,7 @@
                 <a:ea typeface="微软雅黑" panose="020B0503020204020204" pitchFamily="34" charset="-122"/>
                 <a:cs typeface="+mn-ea"/>
               </a:rPr>
-              <a:t> </a:t>
-            </a:r>
-            <a:r>
-              <a:rPr lang="en-US" sz="1600" dirty="0" smtClean="0">
-                <a:solidFill>
-                  <a:prstClr val="white"/>
-                </a:solidFill>
-                <a:latin typeface="Arial" panose="020B0604020202020204" pitchFamily="34" charset="0"/>
-                <a:ea typeface="微软雅黑" panose="020B0503020204020204" pitchFamily="34" charset="-122"/>
-                <a:cs typeface="+mn-ea"/>
-              </a:rPr>
-              <a:t>--add-port=3306/</a:t>
+              <a:t> --add-port=3306/</a:t>
             </a:r>
             <a:r>
               <a:rPr lang="en-US" sz="1600" dirty="0" err="1" smtClean="0">
@@ -4212,18 +4201,7 @@
                 <a:ea typeface="微软雅黑" panose="020B0503020204020204" pitchFamily="34" charset="-122"/>
                 <a:cs typeface="+mn-ea"/>
               </a:rPr>
-              <a:t> </a:t>
-            </a:r>
-            <a:r>
-              <a:rPr lang="en-US" sz="1600" dirty="0" smtClean="0">
-                <a:solidFill>
-                  <a:prstClr val="white"/>
-                </a:solidFill>
-                <a:latin typeface="Arial" panose="020B0604020202020204" pitchFamily="34" charset="0"/>
-                <a:ea typeface="微软雅黑" panose="020B0503020204020204" pitchFamily="34" charset="-122"/>
-                <a:cs typeface="+mn-ea"/>
-              </a:rPr>
-              <a:t>--add-port=27017/</a:t>
+              <a:t> --add-port=27017/</a:t>
             </a:r>
             <a:r>
               <a:rPr lang="en-US" sz="1600" dirty="0" err="1" smtClean="0">
@@ -4309,7 +4287,18 @@
                 <a:ea typeface="微软雅黑" panose="020B0503020204020204" pitchFamily="34" charset="-122"/>
                 <a:cs typeface="+mn-ea"/>
               </a:rPr>
-              <a:t> </a:t>
+              <a:t> --add-port=8123/</a:t>
+            </a:r>
+            <a:r>
+              <a:rPr lang="en-US" sz="1600" dirty="0" err="1" smtClean="0">
+                <a:solidFill>
+                  <a:prstClr val="white"/>
+                </a:solidFill>
+                <a:latin typeface="Arial" panose="020B0604020202020204" pitchFamily="34" charset="0"/>
+                <a:ea typeface="微软雅黑" panose="020B0503020204020204" pitchFamily="34" charset="-122"/>
+                <a:cs typeface="+mn-ea"/>
+              </a:rPr>
+              <a:t>tcp</a:t>
             </a:r>
             <a:r>
               <a:rPr lang="en-US" sz="1600" dirty="0" smtClean="0">
@@ -4320,40 +4309,7 @@
                 <a:ea typeface="微软雅黑" panose="020B0503020204020204" pitchFamily="34" charset="-122"/>
                 <a:cs typeface="+mn-ea"/>
               </a:rPr>
-              <a:t>--add-port=8123/</a:t>
-            </a:r>
-            <a:r>
-              <a:rPr lang="en-US" sz="1600" dirty="0" err="1" smtClean="0">
-                <a:solidFill>
-                  <a:prstClr val="white"/>
-                </a:solidFill>
-                <a:latin typeface="Arial" panose="020B0604020202020204" pitchFamily="34" charset="0"/>
-                <a:ea typeface="微软雅黑" panose="020B0503020204020204" pitchFamily="34" charset="-122"/>
-                <a:cs typeface="+mn-ea"/>
-              </a:rPr>
-              <a:t>tcp</a:t>
-            </a:r>
-            <a:r>
-              <a:rPr lang="en-US" sz="1600" dirty="0" smtClean="0">
-                <a:solidFill>
-                  <a:prstClr val="white"/>
-                </a:solidFill>
-                <a:latin typeface="Arial" panose="020B0604020202020204" pitchFamily="34" charset="0"/>
-                <a:ea typeface="微软雅黑" panose="020B0503020204020204" pitchFamily="34" charset="-122"/>
-                <a:cs typeface="+mn-ea"/>
-              </a:rPr>
-              <a:t>	# </a:t>
-            </a:r>
-            <a:r>
-              <a:rPr lang="en-US" sz="1600" dirty="0" smtClean="0">
-                <a:solidFill>
-                  <a:prstClr val="white"/>
-                </a:solidFill>
-                <a:latin typeface="Arial" panose="020B0604020202020204" pitchFamily="34" charset="0"/>
-                <a:ea typeface="微软雅黑" panose="020B0503020204020204" pitchFamily="34" charset="-122"/>
-                <a:cs typeface="+mn-ea"/>
-              </a:rPr>
-              <a:t>socket</a:t>
+              <a:t>	# socket</a:t>
             </a:r>
           </a:p>
           <a:p>
@@ -4398,18 +4354,7 @@
                 <a:ea typeface="微软雅黑" panose="020B0503020204020204" pitchFamily="34" charset="-122"/>
                 <a:cs typeface="+mn-ea"/>
               </a:rPr>
-              <a:t> </a:t>
-            </a:r>
-            <a:r>
-              <a:rPr lang="en-US" sz="1600" dirty="0" smtClean="0">
-                <a:solidFill>
-                  <a:prstClr val="white"/>
-                </a:solidFill>
-                <a:latin typeface="Arial" panose="020B0604020202020204" pitchFamily="34" charset="0"/>
-                <a:ea typeface="微软雅黑" panose="020B0503020204020204" pitchFamily="34" charset="-122"/>
-                <a:cs typeface="+mn-ea"/>
-              </a:rPr>
-              <a:t>--add-port=8089/</a:t>
+              <a:t> --add-port=8089/</a:t>
             </a:r>
             <a:r>
               <a:rPr lang="en-US" sz="1600" dirty="0" err="1" smtClean="0">
@@ -4484,29 +4429,7 @@
                 <a:ea typeface="微软雅黑" panose="020B0503020204020204" pitchFamily="34" charset="-122"/>
                 <a:cs typeface="+mn-ea"/>
               </a:rPr>
-              <a:t> </a:t>
-            </a:r>
-            <a:r>
-              <a:rPr lang="en-US" sz="1600" dirty="0" smtClean="0">
-                <a:solidFill>
-                  <a:prstClr val="white"/>
-                </a:solidFill>
-                <a:latin typeface="Arial" panose="020B0604020202020204" pitchFamily="34" charset="0"/>
-                <a:ea typeface="微软雅黑" panose="020B0503020204020204" pitchFamily="34" charset="-122"/>
-                <a:cs typeface="+mn-ea"/>
-              </a:rPr>
-              <a:t>-n </a:t>
-            </a:r>
-            <a:r>
-              <a:rPr lang="en-US" sz="1600" dirty="0" smtClean="0">
-                <a:solidFill>
-                  <a:prstClr val="white"/>
-                </a:solidFill>
-                <a:latin typeface="Arial" panose="020B0604020202020204" pitchFamily="34" charset="0"/>
-                <a:ea typeface="微软雅黑" panose="020B0503020204020204" pitchFamily="34" charset="-122"/>
-                <a:cs typeface="+mn-ea"/>
-              </a:rPr>
-              <a:t>65533</a:t>
+              <a:t> -n 65533</a:t>
             </a:r>
           </a:p>
           <a:p>
@@ -6419,7 +6342,7 @@
         <p:spPr>
           <a:xfrm>
             <a:off x="1835696" y="620688"/>
-            <a:ext cx="7056784" cy="1477328"/>
+            <a:ext cx="7056784" cy="2031325"/>
           </a:xfrm>
           <a:prstGeom prst="rect">
             <a:avLst/>
@@ -6566,7 +6489,7 @@
                 <a:latin typeface="微软雅黑" pitchFamily="34" charset="-122"/>
                 <a:ea typeface="微软雅黑" pitchFamily="34" charset="-122"/>
               </a:rPr>
-              <a:t>开启一个</a:t>
+              <a:t>始终有单独的</a:t>
             </a:r>
             <a:r>
               <a:rPr lang="en-US" altLang="zh-CN" dirty="0" err="1" smtClean="0">
@@ -6586,7 +6509,47 @@
                 <a:latin typeface="微软雅黑" pitchFamily="34" charset="-122"/>
                 <a:ea typeface="微软雅黑" pitchFamily="34" charset="-122"/>
               </a:rPr>
-              <a:t>去处理，包括生成数据包，然后发送</a:t>
+              <a:t>处理发送，这中间会用到</a:t>
+            </a:r>
+            <a:r>
+              <a:rPr lang="en-US" altLang="zh-CN" dirty="0" smtClean="0">
+                <a:solidFill>
+                  <a:schemeClr val="bg1"/>
+                </a:solidFill>
+                <a:latin typeface="微软雅黑" pitchFamily="34" charset="-122"/>
+                <a:ea typeface="微软雅黑" pitchFamily="34" charset="-122"/>
+              </a:rPr>
+              <a:t>channel</a:t>
+            </a:r>
+            <a:r>
+              <a:rPr lang="zh-CN" altLang="en-US" dirty="0" smtClean="0">
+                <a:solidFill>
+                  <a:schemeClr val="bg1"/>
+                </a:solidFill>
+                <a:latin typeface="微软雅黑" pitchFamily="34" charset="-122"/>
+                <a:ea typeface="微软雅黑" pitchFamily="34" charset="-122"/>
+              </a:rPr>
+              <a:t>，并且是带缓冲的</a:t>
+            </a:r>
+            <a:r>
+              <a:rPr lang="en-US" altLang="zh-CN" dirty="0" smtClean="0">
+                <a:solidFill>
+                  <a:schemeClr val="bg1"/>
+                </a:solidFill>
+                <a:latin typeface="微软雅黑" pitchFamily="34" charset="-122"/>
+                <a:ea typeface="微软雅黑" pitchFamily="34" charset="-122"/>
+              </a:rPr>
+              <a:t>channel</a:t>
+            </a:r>
+            <a:r>
+              <a:rPr lang="zh-CN" altLang="en-US" dirty="0" smtClean="0">
+                <a:solidFill>
+                  <a:schemeClr val="bg1"/>
+                </a:solidFill>
+                <a:latin typeface="微软雅黑" pitchFamily="34" charset="-122"/>
+                <a:ea typeface="微软雅黑" pitchFamily="34" charset="-122"/>
+              </a:rPr>
+              <a:t>，注意，如果网络长期拥堵，缓冲已经满了的时候，连接会自动中断</a:t>
             </a:r>
             <a:endParaRPr lang="en-US" altLang="zh-CN" dirty="0" smtClean="0">
               <a:solidFill>
@@ -6733,8 +6696,8 @@
         </p:nvSpPr>
         <p:spPr>
           <a:xfrm>
-            <a:off x="323528" y="2708920"/>
-            <a:ext cx="8568952" cy="3456384"/>
+            <a:off x="323528" y="3573016"/>
+            <a:ext cx="8568952" cy="2592288"/>
           </a:xfrm>
           <a:prstGeom prst="rect">
             <a:avLst/>
@@ -7043,7 +7006,7 @@
         <p:spPr>
           <a:xfrm>
             <a:off x="1835696" y="620688"/>
-            <a:ext cx="7056784" cy="1477328"/>
+            <a:ext cx="7056784" cy="2308324"/>
           </a:xfrm>
           <a:prstGeom prst="rect">
             <a:avLst/>
@@ -7142,7 +7105,59 @@
                 <a:latin typeface="微软雅黑" pitchFamily="34" charset="-122"/>
                 <a:ea typeface="微软雅黑" pitchFamily="34" charset="-122"/>
               </a:rPr>
-              <a:t>段数据粘在一起处理</a:t>
+              <a:t>段数据粘在一起</a:t>
+            </a:r>
+            <a:r>
+              <a:rPr lang="zh-CN" altLang="en-US" dirty="0" smtClean="0">
+                <a:solidFill>
+                  <a:schemeClr val="bg1"/>
+                </a:solidFill>
+                <a:latin typeface="微软雅黑" pitchFamily="34" charset="-122"/>
+                <a:ea typeface="微软雅黑" pitchFamily="34" charset="-122"/>
+              </a:rPr>
+              <a:t>处理</a:t>
+            </a:r>
+            <a:endParaRPr lang="en-US" altLang="zh-CN" dirty="0" smtClean="0">
+              <a:solidFill>
+                <a:schemeClr val="bg1"/>
+              </a:solidFill>
+              <a:latin typeface="微软雅黑" pitchFamily="34" charset="-122"/>
+              <a:ea typeface="微软雅黑" pitchFamily="34" charset="-122"/>
+            </a:endParaRPr>
+          </a:p>
+          <a:p>
+            <a:pPr marL="342900" indent="-342900">
+              <a:buAutoNum type="arabicPeriod"/>
+            </a:pPr>
+            <a:r>
+              <a:rPr lang="zh-CN" altLang="en-US" dirty="0" smtClean="0">
+                <a:solidFill>
+                  <a:schemeClr val="bg1"/>
+                </a:solidFill>
+                <a:latin typeface="微软雅黑" pitchFamily="34" charset="-122"/>
+                <a:ea typeface="微软雅黑" pitchFamily="34" charset="-122"/>
+              </a:rPr>
+              <a:t>包除了判断头部不全，信息不全之外，还会判断头和尾的标识是否正确，只有全部格式校验通过才会发给</a:t>
+            </a:r>
+            <a:r>
+              <a:rPr lang="en-US" altLang="zh-CN" dirty="0" err="1" smtClean="0">
+                <a:solidFill>
+                  <a:schemeClr val="bg1"/>
+                </a:solidFill>
+                <a:latin typeface="微软雅黑" pitchFamily="34" charset="-122"/>
+                <a:ea typeface="微软雅黑" pitchFamily="34" charset="-122"/>
+              </a:rPr>
+              <a:t>lua</a:t>
+            </a:r>
+            <a:r>
+              <a:rPr lang="zh-CN" altLang="en-US" dirty="0" smtClean="0">
+                <a:solidFill>
+                  <a:schemeClr val="bg1"/>
+                </a:solidFill>
+                <a:latin typeface="微软雅黑" pitchFamily="34" charset="-122"/>
+                <a:ea typeface="微软雅黑" pitchFamily="34" charset="-122"/>
+              </a:rPr>
+              <a:t>处理，如果不全，继续接收，如果数据包格式非法，踢掉连接</a:t>
             </a:r>
             <a:endParaRPr lang="en-US" altLang="zh-CN" dirty="0" smtClean="0">
               <a:solidFill>
@@ -7615,8 +7630,8 @@
         </p:nvSpPr>
         <p:spPr>
           <a:xfrm>
-            <a:off x="395536" y="2060848"/>
-            <a:ext cx="8496944" cy="4104456"/>
+            <a:off x="395536" y="2420888"/>
+            <a:ext cx="8496944" cy="3744416"/>
           </a:xfrm>
           <a:prstGeom prst="rect">
             <a:avLst/>

--- a/ServerGameBYLua2/说明文档/服务器架构设计.pptx
+++ b/ServerGameBYLua2/说明文档/服务器架构设计.pptx
@@ -5,7 +5,7 @@
     <p:sldMasterId id="2147483648" r:id="rId1"/>
   </p:sldMasterIdLst>
   <p:notesMasterIdLst>
-    <p:notesMasterId r:id="rId10"/>
+    <p:notesMasterId r:id="rId12"/>
   </p:notesMasterIdLst>
   <p:sldIdLst>
     <p:sldId id="256" r:id="rId2"/>
@@ -16,6 +16,8 @@
     <p:sldId id="261" r:id="rId7"/>
     <p:sldId id="262" r:id="rId8"/>
     <p:sldId id="263" r:id="rId9"/>
+    <p:sldId id="264" r:id="rId10"/>
+    <p:sldId id="265" r:id="rId11"/>
   </p:sldIdLst>
   <p:sldSz cx="9144000" cy="6858000" type="screen4x3"/>
   <p:notesSz cx="6858000" cy="9144000"/>
@@ -200,7 +202,7 @@
             <a:fld id="{35690F42-C07F-45EA-B79C-52B2ED2EDF55}" type="datetimeFigureOut">
               <a:rPr lang="zh-CN" altLang="en-US" smtClean="0"/>
               <a:pPr/>
-              <a:t>2018/12/5</a:t>
+              <a:t>2018/12/19</a:t>
             </a:fld>
             <a:endParaRPr lang="zh-CN" altLang="en-US"/>
           </a:p>
@@ -656,7 +658,7 @@
             <a:fld id="{530820CF-B880-4189-942D-D702A7CBA730}" type="datetimeFigureOut">
               <a:rPr lang="zh-CN" altLang="en-US" smtClean="0"/>
               <a:pPr/>
-              <a:t>2018/12/5</a:t>
+              <a:t>2018/12/19</a:t>
             </a:fld>
             <a:endParaRPr lang="zh-CN" altLang="en-US"/>
           </a:p>
@@ -847,7 +849,7 @@
             <a:fld id="{530820CF-B880-4189-942D-D702A7CBA730}" type="datetimeFigureOut">
               <a:rPr lang="zh-CN" altLang="en-US" smtClean="0"/>
               <a:pPr/>
-              <a:t>2018/12/5</a:t>
+              <a:t>2018/12/19</a:t>
             </a:fld>
             <a:endParaRPr lang="zh-CN" altLang="en-US"/>
           </a:p>
@@ -1048,7 +1050,7 @@
             <a:fld id="{530820CF-B880-4189-942D-D702A7CBA730}" type="datetimeFigureOut">
               <a:rPr lang="zh-CN" altLang="en-US" smtClean="0"/>
               <a:pPr/>
-              <a:t>2018/12/5</a:t>
+              <a:t>2018/12/19</a:t>
             </a:fld>
             <a:endParaRPr lang="zh-CN" altLang="en-US"/>
           </a:p>
@@ -1239,7 +1241,7 @@
             <a:fld id="{530820CF-B880-4189-942D-D702A7CBA730}" type="datetimeFigureOut">
               <a:rPr lang="zh-CN" altLang="en-US" smtClean="0"/>
               <a:pPr/>
-              <a:t>2018/12/5</a:t>
+              <a:t>2018/12/19</a:t>
             </a:fld>
             <a:endParaRPr lang="zh-CN" altLang="en-US"/>
           </a:p>
@@ -1506,7 +1508,7 @@
             <a:fld id="{530820CF-B880-4189-942D-D702A7CBA730}" type="datetimeFigureOut">
               <a:rPr lang="zh-CN" altLang="en-US" smtClean="0"/>
               <a:pPr/>
-              <a:t>2018/12/5</a:t>
+              <a:t>2018/12/19</a:t>
             </a:fld>
             <a:endParaRPr lang="zh-CN" altLang="en-US"/>
           </a:p>
@@ -1815,7 +1817,7 @@
             <a:fld id="{530820CF-B880-4189-942D-D702A7CBA730}" type="datetimeFigureOut">
               <a:rPr lang="zh-CN" altLang="en-US" smtClean="0"/>
               <a:pPr/>
-              <a:t>2018/12/5</a:t>
+              <a:t>2018/12/19</a:t>
             </a:fld>
             <a:endParaRPr lang="zh-CN" altLang="en-US"/>
           </a:p>
@@ -2258,7 +2260,7 @@
             <a:fld id="{530820CF-B880-4189-942D-D702A7CBA730}" type="datetimeFigureOut">
               <a:rPr lang="zh-CN" altLang="en-US" smtClean="0"/>
               <a:pPr/>
-              <a:t>2018/12/5</a:t>
+              <a:t>2018/12/19</a:t>
             </a:fld>
             <a:endParaRPr lang="zh-CN" altLang="en-US"/>
           </a:p>
@@ -2397,7 +2399,7 @@
             <a:fld id="{530820CF-B880-4189-942D-D702A7CBA730}" type="datetimeFigureOut">
               <a:rPr lang="zh-CN" altLang="en-US" smtClean="0"/>
               <a:pPr/>
-              <a:t>2018/12/5</a:t>
+              <a:t>2018/12/19</a:t>
             </a:fld>
             <a:endParaRPr lang="zh-CN" altLang="en-US"/>
           </a:p>
@@ -2513,7 +2515,7 @@
             <a:fld id="{530820CF-B880-4189-942D-D702A7CBA730}" type="datetimeFigureOut">
               <a:rPr lang="zh-CN" altLang="en-US" smtClean="0"/>
               <a:pPr/>
-              <a:t>2018/12/5</a:t>
+              <a:t>2018/12/19</a:t>
             </a:fld>
             <a:endParaRPr lang="zh-CN" altLang="en-US"/>
           </a:p>
@@ -2811,7 +2813,7 @@
             <a:fld id="{530820CF-B880-4189-942D-D702A7CBA730}" type="datetimeFigureOut">
               <a:rPr lang="zh-CN" altLang="en-US" smtClean="0"/>
               <a:pPr/>
-              <a:t>2018/12/5</a:t>
+              <a:t>2018/12/19</a:t>
             </a:fld>
             <a:endParaRPr lang="zh-CN" altLang="en-US"/>
           </a:p>
@@ -3085,7 +3087,7 @@
             <a:fld id="{530820CF-B880-4189-942D-D702A7CBA730}" type="datetimeFigureOut">
               <a:rPr lang="zh-CN" altLang="en-US" smtClean="0"/>
               <a:pPr/>
-              <a:t>2018/12/5</a:t>
+              <a:t>2018/12/19</a:t>
             </a:fld>
             <a:endParaRPr lang="zh-CN" altLang="en-US"/>
           </a:p>
@@ -3827,6 +3829,968 @@
 </p:sld>
 </file>
 
+<file path=ppt/slides/slide10.xml><?xml version="1.0" encoding="utf-8"?>
+<p:sld xmlns:a="http://schemas.openxmlformats.org/drawingml/2006/main" xmlns:r="http://schemas.openxmlformats.org/officeDocument/2006/relationships" xmlns:p="http://schemas.openxmlformats.org/presentationml/2006/main">
+  <p:cSld>
+    <p:spTree>
+      <p:nvGrpSpPr>
+        <p:cNvPr id="1" name=""/>
+        <p:cNvGrpSpPr/>
+        <p:nvPr/>
+      </p:nvGrpSpPr>
+      <p:grpSpPr>
+        <a:xfrm>
+          <a:off x="0" y="0"/>
+          <a:ext cx="0" cy="0"/>
+          <a:chOff x="0" y="0"/>
+          <a:chExt cx="0" cy="0"/>
+        </a:xfrm>
+      </p:grpSpPr>
+      <p:sp>
+        <p:nvSpPr>
+          <p:cNvPr id="2" name="标题 1"/>
+          <p:cNvSpPr>
+            <a:spLocks noGrp="1"/>
+          </p:cNvSpPr>
+          <p:nvPr>
+            <p:ph type="ctrTitle"/>
+          </p:nvPr>
+        </p:nvSpPr>
+        <p:spPr>
+          <a:xfrm>
+            <a:off x="1907704" y="116633"/>
+            <a:ext cx="5760640" cy="432048"/>
+          </a:xfrm>
+        </p:spPr>
+        <p:txBody>
+          <a:bodyPr>
+            <a:normAutofit/>
+          </a:bodyPr>
+          <a:lstStyle/>
+          <a:p>
+            <a:pPr algn="l"/>
+            <a:r>
+              <a:rPr lang="en-US" altLang="zh-CN" dirty="0" err="1" smtClean="0"/>
+              <a:t>Protobuf</a:t>
+            </a:r>
+            <a:r>
+              <a:rPr lang="zh-CN" altLang="en-US" dirty="0" smtClean="0"/>
+              <a:t>代码写法</a:t>
+            </a:r>
+            <a:r>
+              <a:rPr lang="en-US" altLang="zh-CN" dirty="0" smtClean="0"/>
+              <a:t>—</a:t>
+            </a:r>
+            <a:r>
+              <a:rPr lang="zh-CN" altLang="en-US" dirty="0" smtClean="0"/>
+              <a:t>接收</a:t>
+            </a:r>
+            <a:r>
+              <a:rPr lang="en-US" altLang="zh-CN" dirty="0" err="1" smtClean="0"/>
+              <a:t>protobuf</a:t>
+            </a:r>
+            <a:endParaRPr lang="zh-CN" altLang="en-US" dirty="0"/>
+          </a:p>
+        </p:txBody>
+      </p:sp>
+      <p:sp>
+        <p:nvSpPr>
+          <p:cNvPr id="11" name="TextBox 10"/>
+          <p:cNvSpPr txBox="1"/>
+          <p:nvPr/>
+        </p:nvSpPr>
+        <p:spPr>
+          <a:xfrm>
+            <a:off x="1691680" y="692696"/>
+            <a:ext cx="7056784" cy="3693319"/>
+          </a:xfrm>
+          <a:prstGeom prst="rect">
+            <a:avLst/>
+          </a:prstGeom>
+          <a:noFill/>
+          <a:ln>
+            <a:noFill/>
+          </a:ln>
+          <a:effectLst>
+            <a:outerShdw blurRad="44450" dist="27940" dir="5400000" algn="ctr">
+              <a:srgbClr val="000000">
+                <a:alpha val="32000"/>
+              </a:srgbClr>
+            </a:outerShdw>
+          </a:effectLst>
+          <a:scene3d>
+            <a:camera prst="orthographicFront">
+              <a:rot lat="0" lon="0" rev="0"/>
+            </a:camera>
+            <a:lightRig rig="balanced" dir="t">
+              <a:rot lat="0" lon="0" rev="8700000"/>
+            </a:lightRig>
+          </a:scene3d>
+          <a:sp3d>
+            <a:bevelT w="190500" h="38100"/>
+          </a:sp3d>
+        </p:spPr>
+        <p:txBody>
+          <a:bodyPr wrap="square" rtlCol="0">
+            <a:spAutoFit/>
+          </a:bodyPr>
+          <a:lstStyle/>
+          <a:p>
+            <a:pPr marL="342900" indent="-342900">
+              <a:buAutoNum type="arabicPeriod"/>
+            </a:pPr>
+            <a:r>
+              <a:rPr lang="en-US" altLang="zh-CN" b="1" dirty="0" smtClean="0">
+                <a:solidFill>
+                  <a:schemeClr val="bg1"/>
+                </a:solidFill>
+                <a:latin typeface="微软雅黑" pitchFamily="34" charset="-122"/>
+                <a:ea typeface="微软雅黑" pitchFamily="34" charset="-122"/>
+              </a:rPr>
+              <a:t>local </a:t>
+            </a:r>
+            <a:r>
+              <a:rPr lang="en-US" altLang="zh-CN" dirty="0" err="1" smtClean="0">
+                <a:solidFill>
+                  <a:schemeClr val="bg1"/>
+                </a:solidFill>
+                <a:latin typeface="微软雅黑" pitchFamily="34" charset="-122"/>
+                <a:ea typeface="微软雅黑" pitchFamily="34" charset="-122"/>
+              </a:rPr>
+              <a:t>msg</a:t>
+            </a:r>
+            <a:r>
+              <a:rPr lang="en-US" altLang="zh-CN" dirty="0" smtClean="0">
+                <a:solidFill>
+                  <a:schemeClr val="bg1"/>
+                </a:solidFill>
+                <a:latin typeface="微软雅黑" pitchFamily="34" charset="-122"/>
+                <a:ea typeface="微软雅黑" pitchFamily="34" charset="-122"/>
+              </a:rPr>
+              <a:t> = </a:t>
+            </a:r>
+            <a:r>
+              <a:rPr lang="en-US" altLang="zh-CN" i="1" dirty="0" err="1" smtClean="0">
+                <a:solidFill>
+                  <a:schemeClr val="bg1"/>
+                </a:solidFill>
+                <a:latin typeface="微软雅黑" pitchFamily="34" charset="-122"/>
+                <a:ea typeface="微软雅黑" pitchFamily="34" charset="-122"/>
+              </a:rPr>
+              <a:t>CMD_Game_pb</a:t>
+            </a:r>
+            <a:r>
+              <a:rPr lang="en-US" altLang="zh-CN" dirty="0" err="1" smtClean="0">
+                <a:solidFill>
+                  <a:schemeClr val="bg1"/>
+                </a:solidFill>
+                <a:latin typeface="微软雅黑" pitchFamily="34" charset="-122"/>
+                <a:ea typeface="微软雅黑" pitchFamily="34" charset="-122"/>
+              </a:rPr>
+              <a:t>.</a:t>
+            </a:r>
+            <a:r>
+              <a:rPr lang="en-US" altLang="zh-CN" i="1" dirty="0" err="1" smtClean="0">
+                <a:solidFill>
+                  <a:schemeClr val="bg1"/>
+                </a:solidFill>
+                <a:latin typeface="微软雅黑" pitchFamily="34" charset="-122"/>
+                <a:ea typeface="微软雅黑" pitchFamily="34" charset="-122"/>
+              </a:rPr>
+              <a:t>CMD_S_ENTER_SCENE</a:t>
+            </a:r>
+            <a:r>
+              <a:rPr lang="en-US" altLang="zh-CN" dirty="0" smtClean="0">
+                <a:solidFill>
+                  <a:schemeClr val="bg1"/>
+                </a:solidFill>
+                <a:latin typeface="微软雅黑" pitchFamily="34" charset="-122"/>
+                <a:ea typeface="微软雅黑" pitchFamily="34" charset="-122"/>
+              </a:rPr>
+              <a:t>()</a:t>
+            </a:r>
+            <a:br>
+              <a:rPr lang="en-US" altLang="zh-CN" dirty="0" smtClean="0">
+                <a:solidFill>
+                  <a:schemeClr val="bg1"/>
+                </a:solidFill>
+                <a:latin typeface="微软雅黑" pitchFamily="34" charset="-122"/>
+                <a:ea typeface="微软雅黑" pitchFamily="34" charset="-122"/>
+              </a:rPr>
+            </a:br>
+            <a:r>
+              <a:rPr lang="en-US" altLang="zh-CN" dirty="0" err="1" smtClean="0">
+                <a:solidFill>
+                  <a:schemeClr val="bg1"/>
+                </a:solidFill>
+                <a:latin typeface="微软雅黑" pitchFamily="34" charset="-122"/>
+                <a:ea typeface="微软雅黑" pitchFamily="34" charset="-122"/>
+              </a:rPr>
+              <a:t>msg:ParseFromString</a:t>
+            </a:r>
+            <a:r>
+              <a:rPr lang="en-US" altLang="zh-CN" dirty="0" smtClean="0">
+                <a:solidFill>
+                  <a:schemeClr val="bg1"/>
+                </a:solidFill>
+                <a:latin typeface="微软雅黑" pitchFamily="34" charset="-122"/>
+                <a:ea typeface="微软雅黑" pitchFamily="34" charset="-122"/>
+              </a:rPr>
+              <a:t>(</a:t>
+            </a:r>
+            <a:r>
+              <a:rPr lang="en-US" altLang="zh-CN" dirty="0" err="1" smtClean="0">
+                <a:solidFill>
+                  <a:schemeClr val="bg1"/>
+                </a:solidFill>
+                <a:latin typeface="微软雅黑" pitchFamily="34" charset="-122"/>
+                <a:ea typeface="微软雅黑" pitchFamily="34" charset="-122"/>
+              </a:rPr>
+              <a:t>buf</a:t>
+            </a:r>
+            <a:r>
+              <a:rPr lang="en-US" altLang="zh-CN" dirty="0" smtClean="0">
+                <a:solidFill>
+                  <a:schemeClr val="bg1"/>
+                </a:solidFill>
+                <a:latin typeface="微软雅黑" pitchFamily="34" charset="-122"/>
+                <a:ea typeface="微软雅黑" pitchFamily="34" charset="-122"/>
+              </a:rPr>
+              <a:t>)	-- </a:t>
+            </a:r>
+            <a:r>
+              <a:rPr lang="zh-CN" altLang="en-US" dirty="0" smtClean="0">
+                <a:solidFill>
+                  <a:schemeClr val="bg1"/>
+                </a:solidFill>
+                <a:latin typeface="微软雅黑" pitchFamily="34" charset="-122"/>
+                <a:ea typeface="微软雅黑" pitchFamily="34" charset="-122"/>
+              </a:rPr>
+              <a:t>解压</a:t>
+            </a:r>
+            <a:endParaRPr lang="en-US" altLang="zh-CN" dirty="0" smtClean="0">
+              <a:solidFill>
+                <a:schemeClr val="bg1"/>
+              </a:solidFill>
+              <a:latin typeface="微软雅黑" pitchFamily="34" charset="-122"/>
+              <a:ea typeface="微软雅黑" pitchFamily="34" charset="-122"/>
+            </a:endParaRPr>
+          </a:p>
+          <a:p>
+            <a:pPr marL="342900" indent="-342900">
+              <a:buAutoNum type="arabicPeriod"/>
+            </a:pPr>
+            <a:r>
+              <a:rPr lang="en-US" altLang="zh-CN" dirty="0" smtClean="0">
+                <a:solidFill>
+                  <a:schemeClr val="bg1"/>
+                </a:solidFill>
+                <a:latin typeface="微软雅黑" pitchFamily="34" charset="-122"/>
+                <a:ea typeface="微软雅黑" pitchFamily="34" charset="-122"/>
+              </a:rPr>
+              <a:t>print</a:t>
+            </a:r>
+            <a:r>
+              <a:rPr lang="en-US" altLang="zh-CN" dirty="0" smtClean="0">
+                <a:solidFill>
+                  <a:schemeClr val="bg1"/>
+                </a:solidFill>
+                <a:latin typeface="微软雅黑" pitchFamily="34" charset="-122"/>
+                <a:ea typeface="微软雅黑" pitchFamily="34" charset="-122"/>
+              </a:rPr>
+              <a:t>(“</a:t>
+            </a:r>
+            <a:r>
+              <a:rPr lang="zh-CN" altLang="en-US" dirty="0" smtClean="0">
+                <a:solidFill>
+                  <a:schemeClr val="bg1"/>
+                </a:solidFill>
+                <a:latin typeface="微软雅黑" pitchFamily="34" charset="-122"/>
+                <a:ea typeface="微软雅黑" pitchFamily="34" charset="-122"/>
+              </a:rPr>
+              <a:t>桌子</a:t>
+            </a:r>
+            <a:r>
+              <a:rPr lang="en-US" altLang="zh-CN" dirty="0" smtClean="0">
+                <a:solidFill>
+                  <a:schemeClr val="bg1"/>
+                </a:solidFill>
+                <a:latin typeface="微软雅黑" pitchFamily="34" charset="-122"/>
+                <a:ea typeface="微软雅黑" pitchFamily="34" charset="-122"/>
+              </a:rPr>
+              <a:t>id</a:t>
+            </a:r>
+            <a:r>
+              <a:rPr lang="zh-CN" altLang="en-US" dirty="0" smtClean="0">
+                <a:solidFill>
+                  <a:schemeClr val="bg1"/>
+                </a:solidFill>
+                <a:latin typeface="微软雅黑" pitchFamily="34" charset="-122"/>
+                <a:ea typeface="微软雅黑" pitchFamily="34" charset="-122"/>
+              </a:rPr>
+              <a:t>：</a:t>
+            </a:r>
+            <a:r>
+              <a:rPr lang="en-US" altLang="zh-CN" dirty="0" smtClean="0">
+                <a:solidFill>
+                  <a:schemeClr val="bg1"/>
+                </a:solidFill>
+                <a:latin typeface="微软雅黑" pitchFamily="34" charset="-122"/>
+                <a:ea typeface="微软雅黑" pitchFamily="34" charset="-122"/>
+              </a:rPr>
+              <a:t>”, </a:t>
+            </a:r>
+            <a:r>
+              <a:rPr lang="en-US" altLang="zh-CN" dirty="0" err="1" smtClean="0">
+                <a:solidFill>
+                  <a:schemeClr val="bg1"/>
+                </a:solidFill>
+                <a:latin typeface="微软雅黑" pitchFamily="34" charset="-122"/>
+                <a:ea typeface="微软雅黑" pitchFamily="34" charset="-122"/>
+              </a:rPr>
+              <a:t>msg.table_id</a:t>
+            </a:r>
+            <a:r>
+              <a:rPr lang="en-US" altLang="zh-CN" dirty="0" smtClean="0">
+                <a:solidFill>
+                  <a:schemeClr val="bg1"/>
+                </a:solidFill>
+                <a:latin typeface="微软雅黑" pitchFamily="34" charset="-122"/>
+                <a:ea typeface="微软雅黑" pitchFamily="34" charset="-122"/>
+              </a:rPr>
+              <a:t>)	-- </a:t>
+            </a:r>
+            <a:r>
+              <a:rPr lang="zh-CN" altLang="en-US" dirty="0" smtClean="0">
+                <a:solidFill>
+                  <a:schemeClr val="bg1"/>
+                </a:solidFill>
+                <a:latin typeface="微软雅黑" pitchFamily="34" charset="-122"/>
+                <a:ea typeface="微软雅黑" pitchFamily="34" charset="-122"/>
+              </a:rPr>
+              <a:t>正常数据</a:t>
+            </a:r>
+            <a:endParaRPr lang="en-US" altLang="zh-CN" dirty="0" smtClean="0">
+              <a:solidFill>
+                <a:schemeClr val="bg1"/>
+              </a:solidFill>
+              <a:latin typeface="微软雅黑" pitchFamily="34" charset="-122"/>
+              <a:ea typeface="微软雅黑" pitchFamily="34" charset="-122"/>
+            </a:endParaRPr>
+          </a:p>
+          <a:p>
+            <a:pPr marL="342900" indent="-342900">
+              <a:buAutoNum type="arabicPeriod"/>
+            </a:pPr>
+            <a:endParaRPr lang="en-US" altLang="zh-CN" dirty="0" smtClean="0">
+              <a:solidFill>
+                <a:schemeClr val="bg1"/>
+              </a:solidFill>
+              <a:latin typeface="微软雅黑" pitchFamily="34" charset="-122"/>
+              <a:ea typeface="微软雅黑" pitchFamily="34" charset="-122"/>
+            </a:endParaRPr>
+          </a:p>
+          <a:p>
+            <a:pPr marL="342900" indent="-342900">
+              <a:buAutoNum type="arabicPeriod"/>
+            </a:pPr>
+            <a:r>
+              <a:rPr lang="en-US" altLang="zh-CN" b="1" dirty="0" smtClean="0">
+                <a:solidFill>
+                  <a:schemeClr val="bg1"/>
+                </a:solidFill>
+                <a:latin typeface="微软雅黑" pitchFamily="34" charset="-122"/>
+                <a:ea typeface="微软雅黑" pitchFamily="34" charset="-122"/>
+              </a:rPr>
+              <a:t>for </a:t>
+            </a:r>
+            <a:r>
+              <a:rPr lang="en-US" altLang="zh-CN" dirty="0" smtClean="0">
+                <a:solidFill>
+                  <a:schemeClr val="bg1"/>
+                </a:solidFill>
+                <a:latin typeface="微软雅黑" pitchFamily="34" charset="-122"/>
+                <a:ea typeface="微软雅黑" pitchFamily="34" charset="-122"/>
+              </a:rPr>
+              <a:t>k, v </a:t>
+            </a:r>
+            <a:r>
+              <a:rPr lang="en-US" altLang="zh-CN" b="1" dirty="0" smtClean="0">
+                <a:solidFill>
+                  <a:schemeClr val="bg1"/>
+                </a:solidFill>
+                <a:latin typeface="微软雅黑" pitchFamily="34" charset="-122"/>
+                <a:ea typeface="微软雅黑" pitchFamily="34" charset="-122"/>
+              </a:rPr>
+              <a:t>in </a:t>
+            </a:r>
+            <a:r>
+              <a:rPr lang="en-US" altLang="zh-CN" dirty="0" err="1" smtClean="0">
+                <a:solidFill>
+                  <a:schemeClr val="bg1"/>
+                </a:solidFill>
+                <a:latin typeface="微软雅黑" pitchFamily="34" charset="-122"/>
+                <a:ea typeface="微软雅黑" pitchFamily="34" charset="-122"/>
+              </a:rPr>
+              <a:t>ipairs</a:t>
+            </a:r>
+            <a:r>
+              <a:rPr lang="en-US" altLang="zh-CN" dirty="0" smtClean="0">
+                <a:solidFill>
+                  <a:schemeClr val="bg1"/>
+                </a:solidFill>
+                <a:latin typeface="微软雅黑" pitchFamily="34" charset="-122"/>
+                <a:ea typeface="微软雅黑" pitchFamily="34" charset="-122"/>
+              </a:rPr>
+              <a:t>(</a:t>
+            </a:r>
+            <a:r>
+              <a:rPr lang="en-US" altLang="zh-CN" dirty="0" err="1" smtClean="0">
+                <a:solidFill>
+                  <a:schemeClr val="bg1"/>
+                </a:solidFill>
+                <a:latin typeface="微软雅黑" pitchFamily="34" charset="-122"/>
+                <a:ea typeface="微软雅黑" pitchFamily="34" charset="-122"/>
+              </a:rPr>
+              <a:t>msg.table_users</a:t>
+            </a:r>
+            <a:r>
+              <a:rPr lang="en-US" altLang="zh-CN" dirty="0" smtClean="0">
+                <a:solidFill>
+                  <a:schemeClr val="bg1"/>
+                </a:solidFill>
+                <a:latin typeface="微软雅黑" pitchFamily="34" charset="-122"/>
+                <a:ea typeface="微软雅黑" pitchFamily="34" charset="-122"/>
+              </a:rPr>
+              <a:t>) </a:t>
+            </a:r>
+            <a:r>
+              <a:rPr lang="en-US" altLang="zh-CN" b="1" dirty="0" smtClean="0">
+                <a:solidFill>
+                  <a:schemeClr val="bg1"/>
+                </a:solidFill>
+                <a:latin typeface="微软雅黑" pitchFamily="34" charset="-122"/>
+                <a:ea typeface="微软雅黑" pitchFamily="34" charset="-122"/>
+              </a:rPr>
+              <a:t>do	-- repeat</a:t>
+            </a:r>
+            <a:r>
+              <a:rPr lang="zh-CN" altLang="en-US" b="1" dirty="0" smtClean="0">
+                <a:solidFill>
+                  <a:schemeClr val="bg1"/>
+                </a:solidFill>
+                <a:latin typeface="微软雅黑" pitchFamily="34" charset="-122"/>
+                <a:ea typeface="微软雅黑" pitchFamily="34" charset="-122"/>
+              </a:rPr>
+              <a:t>形式</a:t>
+            </a:r>
+            <a:r>
+              <a:rPr lang="en-US" altLang="zh-CN" b="1" dirty="0" smtClean="0">
+                <a:solidFill>
+                  <a:schemeClr val="bg1"/>
+                </a:solidFill>
+                <a:latin typeface="微软雅黑" pitchFamily="34" charset="-122"/>
+                <a:ea typeface="微软雅黑" pitchFamily="34" charset="-122"/>
+              </a:rPr>
+              <a:t/>
+            </a:r>
+            <a:br>
+              <a:rPr lang="en-US" altLang="zh-CN" b="1" dirty="0" smtClean="0">
+                <a:solidFill>
+                  <a:schemeClr val="bg1"/>
+                </a:solidFill>
+                <a:latin typeface="微软雅黑" pitchFamily="34" charset="-122"/>
+                <a:ea typeface="微软雅黑" pitchFamily="34" charset="-122"/>
+              </a:rPr>
+            </a:br>
+            <a:r>
+              <a:rPr lang="en-US" altLang="zh-CN" b="1" dirty="0" smtClean="0">
+                <a:solidFill>
+                  <a:schemeClr val="bg1"/>
+                </a:solidFill>
+                <a:latin typeface="微软雅黑" pitchFamily="34" charset="-122"/>
+                <a:ea typeface="微软雅黑" pitchFamily="34" charset="-122"/>
+              </a:rPr>
+              <a:t>    </a:t>
+            </a:r>
+            <a:r>
+              <a:rPr lang="en-US" altLang="zh-CN" dirty="0" smtClean="0">
+                <a:solidFill>
+                  <a:schemeClr val="bg1"/>
+                </a:solidFill>
+                <a:latin typeface="微软雅黑" pitchFamily="34" charset="-122"/>
+                <a:ea typeface="微软雅黑" pitchFamily="34" charset="-122"/>
+              </a:rPr>
+              <a:t>print("</a:t>
+            </a:r>
+            <a:r>
+              <a:rPr lang="en-US" altLang="zh-CN" dirty="0" err="1" smtClean="0">
+                <a:solidFill>
+                  <a:schemeClr val="bg1"/>
+                </a:solidFill>
+                <a:latin typeface="微软雅黑" pitchFamily="34" charset="-122"/>
+                <a:ea typeface="微软雅黑" pitchFamily="34" charset="-122"/>
+              </a:rPr>
+              <a:t>table_users</a:t>
+            </a:r>
+            <a:r>
+              <a:rPr lang="en-US" altLang="zh-CN" dirty="0" smtClean="0">
+                <a:solidFill>
+                  <a:schemeClr val="bg1"/>
+                </a:solidFill>
+                <a:latin typeface="微软雅黑" pitchFamily="34" charset="-122"/>
+                <a:ea typeface="微软雅黑" pitchFamily="34" charset="-122"/>
+              </a:rPr>
+              <a:t> </a:t>
+            </a:r>
+            <a:r>
+              <a:rPr lang="en-US" altLang="zh-CN" dirty="0" err="1" smtClean="0">
+                <a:solidFill>
+                  <a:schemeClr val="bg1"/>
+                </a:solidFill>
+                <a:latin typeface="微软雅黑" pitchFamily="34" charset="-122"/>
+                <a:ea typeface="微软雅黑" pitchFamily="34" charset="-122"/>
+              </a:rPr>
+              <a:t>k",k</a:t>
+            </a:r>
+            <a:r>
+              <a:rPr lang="en-US" altLang="zh-CN" dirty="0" smtClean="0">
+                <a:solidFill>
+                  <a:schemeClr val="bg1"/>
+                </a:solidFill>
+                <a:latin typeface="微软雅黑" pitchFamily="34" charset="-122"/>
+                <a:ea typeface="微软雅黑" pitchFamily="34" charset="-122"/>
+              </a:rPr>
+              <a:t>)</a:t>
+            </a:r>
+            <a:br>
+              <a:rPr lang="en-US" altLang="zh-CN" dirty="0" smtClean="0">
+                <a:solidFill>
+                  <a:schemeClr val="bg1"/>
+                </a:solidFill>
+                <a:latin typeface="微软雅黑" pitchFamily="34" charset="-122"/>
+                <a:ea typeface="微软雅黑" pitchFamily="34" charset="-122"/>
+              </a:rPr>
+            </a:br>
+            <a:r>
+              <a:rPr lang="en-US" altLang="zh-CN" dirty="0" smtClean="0">
+                <a:solidFill>
+                  <a:schemeClr val="bg1"/>
+                </a:solidFill>
+                <a:latin typeface="微软雅黑" pitchFamily="34" charset="-122"/>
+                <a:ea typeface="微软雅黑" pitchFamily="34" charset="-122"/>
+              </a:rPr>
+              <a:t>    print("</a:t>
+            </a:r>
+            <a:r>
+              <a:rPr lang="en-US" altLang="zh-CN" dirty="0" err="1" smtClean="0">
+                <a:solidFill>
+                  <a:schemeClr val="bg1"/>
+                </a:solidFill>
+                <a:latin typeface="微软雅黑" pitchFamily="34" charset="-122"/>
+                <a:ea typeface="微软雅黑" pitchFamily="34" charset="-122"/>
+              </a:rPr>
+              <a:t>table_users</a:t>
+            </a:r>
+            <a:r>
+              <a:rPr lang="en-US" altLang="zh-CN" dirty="0" smtClean="0">
+                <a:solidFill>
+                  <a:schemeClr val="bg1"/>
+                </a:solidFill>
+                <a:latin typeface="微软雅黑" pitchFamily="34" charset="-122"/>
+                <a:ea typeface="微软雅黑" pitchFamily="34" charset="-122"/>
+              </a:rPr>
+              <a:t> </a:t>
+            </a:r>
+            <a:r>
+              <a:rPr lang="en-US" altLang="zh-CN" dirty="0" err="1" smtClean="0">
+                <a:solidFill>
+                  <a:schemeClr val="bg1"/>
+                </a:solidFill>
+                <a:latin typeface="微软雅黑" pitchFamily="34" charset="-122"/>
+                <a:ea typeface="微软雅黑" pitchFamily="34" charset="-122"/>
+              </a:rPr>
+              <a:t>v",v</a:t>
+            </a:r>
+            <a:r>
+              <a:rPr lang="en-US" altLang="zh-CN" dirty="0" smtClean="0">
+                <a:solidFill>
+                  <a:schemeClr val="bg1"/>
+                </a:solidFill>
+                <a:latin typeface="微软雅黑" pitchFamily="34" charset="-122"/>
+                <a:ea typeface="微软雅黑" pitchFamily="34" charset="-122"/>
+              </a:rPr>
+              <a:t>)</a:t>
+            </a:r>
+            <a:br>
+              <a:rPr lang="en-US" altLang="zh-CN" dirty="0" smtClean="0">
+                <a:solidFill>
+                  <a:schemeClr val="bg1"/>
+                </a:solidFill>
+                <a:latin typeface="微软雅黑" pitchFamily="34" charset="-122"/>
+                <a:ea typeface="微软雅黑" pitchFamily="34" charset="-122"/>
+              </a:rPr>
+            </a:br>
+            <a:r>
+              <a:rPr lang="en-US" altLang="zh-CN" dirty="0" smtClean="0">
+                <a:solidFill>
+                  <a:schemeClr val="bg1"/>
+                </a:solidFill>
+                <a:latin typeface="微软雅黑" pitchFamily="34" charset="-122"/>
+                <a:ea typeface="微软雅黑" pitchFamily="34" charset="-122"/>
+              </a:rPr>
+              <a:t>    </a:t>
+            </a:r>
+            <a:r>
+              <a:rPr lang="en-US" altLang="zh-CN" b="1" dirty="0" smtClean="0">
+                <a:solidFill>
+                  <a:schemeClr val="bg1"/>
+                </a:solidFill>
+                <a:latin typeface="微软雅黑" pitchFamily="34" charset="-122"/>
+                <a:ea typeface="微软雅黑" pitchFamily="34" charset="-122"/>
+              </a:rPr>
+              <a:t>if </a:t>
+            </a:r>
+            <a:r>
+              <a:rPr lang="en-US" altLang="zh-CN" dirty="0" err="1" smtClean="0">
+                <a:solidFill>
+                  <a:schemeClr val="bg1"/>
+                </a:solidFill>
+                <a:latin typeface="微软雅黑" pitchFamily="34" charset="-122"/>
+                <a:ea typeface="微软雅黑" pitchFamily="34" charset="-122"/>
+              </a:rPr>
+              <a:t>v.user_id</a:t>
+            </a:r>
+            <a:r>
+              <a:rPr lang="en-US" altLang="zh-CN" dirty="0" smtClean="0">
+                <a:solidFill>
+                  <a:schemeClr val="bg1"/>
+                </a:solidFill>
+                <a:latin typeface="微软雅黑" pitchFamily="34" charset="-122"/>
+                <a:ea typeface="微软雅黑" pitchFamily="34" charset="-122"/>
+              </a:rPr>
+              <a:t> == </a:t>
+            </a:r>
+            <a:r>
+              <a:rPr lang="en-US" altLang="zh-CN" dirty="0" err="1" smtClean="0">
+                <a:solidFill>
+                  <a:schemeClr val="bg1"/>
+                </a:solidFill>
+                <a:latin typeface="微软雅黑" pitchFamily="34" charset="-122"/>
+                <a:ea typeface="微软雅黑" pitchFamily="34" charset="-122"/>
+              </a:rPr>
+              <a:t>userId</a:t>
+            </a:r>
+            <a:r>
+              <a:rPr lang="en-US" altLang="zh-CN" dirty="0" smtClean="0">
+                <a:solidFill>
+                  <a:schemeClr val="bg1"/>
+                </a:solidFill>
+                <a:latin typeface="微软雅黑" pitchFamily="34" charset="-122"/>
+                <a:ea typeface="微软雅黑" pitchFamily="34" charset="-122"/>
+              </a:rPr>
+              <a:t> </a:t>
+            </a:r>
+            <a:r>
+              <a:rPr lang="en-US" altLang="zh-CN" b="1" dirty="0" smtClean="0">
+                <a:solidFill>
+                  <a:schemeClr val="bg1"/>
+                </a:solidFill>
+                <a:latin typeface="微软雅黑" pitchFamily="34" charset="-122"/>
+                <a:ea typeface="微软雅黑" pitchFamily="34" charset="-122"/>
+              </a:rPr>
+              <a:t>then</a:t>
+            </a:r>
+            <a:br>
+              <a:rPr lang="en-US" altLang="zh-CN" b="1" dirty="0" smtClean="0">
+                <a:solidFill>
+                  <a:schemeClr val="bg1"/>
+                </a:solidFill>
+                <a:latin typeface="微软雅黑" pitchFamily="34" charset="-122"/>
+                <a:ea typeface="微软雅黑" pitchFamily="34" charset="-122"/>
+              </a:rPr>
+            </a:br>
+            <a:r>
+              <a:rPr lang="en-US" altLang="zh-CN" b="1" dirty="0" smtClean="0">
+                <a:solidFill>
+                  <a:schemeClr val="bg1"/>
+                </a:solidFill>
+                <a:latin typeface="微软雅黑" pitchFamily="34" charset="-122"/>
+                <a:ea typeface="微软雅黑" pitchFamily="34" charset="-122"/>
+              </a:rPr>
+              <a:t>        </a:t>
+            </a:r>
+            <a:r>
+              <a:rPr lang="en-US" altLang="zh-CN" dirty="0" err="1" smtClean="0">
+                <a:solidFill>
+                  <a:schemeClr val="bg1"/>
+                </a:solidFill>
+                <a:latin typeface="微软雅黑" pitchFamily="34" charset="-122"/>
+                <a:ea typeface="微软雅黑" pitchFamily="34" charset="-122"/>
+              </a:rPr>
+              <a:t>player.ChairID</a:t>
+            </a:r>
+            <a:r>
+              <a:rPr lang="en-US" altLang="zh-CN" dirty="0" smtClean="0">
+                <a:solidFill>
+                  <a:schemeClr val="bg1"/>
+                </a:solidFill>
+                <a:latin typeface="微软雅黑" pitchFamily="34" charset="-122"/>
+                <a:ea typeface="微软雅黑" pitchFamily="34" charset="-122"/>
+              </a:rPr>
+              <a:t> = </a:t>
+            </a:r>
+            <a:r>
+              <a:rPr lang="en-US" altLang="zh-CN" dirty="0" err="1" smtClean="0">
+                <a:solidFill>
+                  <a:schemeClr val="bg1"/>
+                </a:solidFill>
+                <a:latin typeface="微软雅黑" pitchFamily="34" charset="-122"/>
+                <a:ea typeface="微软雅黑" pitchFamily="34" charset="-122"/>
+              </a:rPr>
+              <a:t>v.chair_id</a:t>
+            </a:r>
+            <a:r>
+              <a:rPr lang="en-US" altLang="zh-CN" dirty="0" smtClean="0">
+                <a:solidFill>
+                  <a:schemeClr val="bg1"/>
+                </a:solidFill>
+                <a:latin typeface="微软雅黑" pitchFamily="34" charset="-122"/>
+                <a:ea typeface="微软雅黑" pitchFamily="34" charset="-122"/>
+              </a:rPr>
+              <a:t/>
+            </a:r>
+            <a:br>
+              <a:rPr lang="en-US" altLang="zh-CN" dirty="0" smtClean="0">
+                <a:solidFill>
+                  <a:schemeClr val="bg1"/>
+                </a:solidFill>
+                <a:latin typeface="微软雅黑" pitchFamily="34" charset="-122"/>
+                <a:ea typeface="微软雅黑" pitchFamily="34" charset="-122"/>
+              </a:rPr>
+            </a:br>
+            <a:r>
+              <a:rPr lang="en-US" altLang="zh-CN" dirty="0" smtClean="0">
+                <a:solidFill>
+                  <a:schemeClr val="bg1"/>
+                </a:solidFill>
+                <a:latin typeface="微软雅黑" pitchFamily="34" charset="-122"/>
+                <a:ea typeface="微软雅黑" pitchFamily="34" charset="-122"/>
+              </a:rPr>
+              <a:t>        print("</a:t>
+            </a:r>
+            <a:r>
+              <a:rPr lang="zh-CN" altLang="en-US" dirty="0" smtClean="0">
+                <a:solidFill>
+                  <a:schemeClr val="bg1"/>
+                </a:solidFill>
+                <a:latin typeface="微软雅黑" pitchFamily="34" charset="-122"/>
+                <a:ea typeface="微软雅黑" pitchFamily="34" charset="-122"/>
+              </a:rPr>
+              <a:t>玩家坐下</a:t>
+            </a:r>
+            <a:r>
+              <a:rPr lang="en-US" altLang="zh-CN" dirty="0" smtClean="0">
+                <a:solidFill>
+                  <a:schemeClr val="bg1"/>
+                </a:solidFill>
+                <a:latin typeface="微软雅黑" pitchFamily="34" charset="-122"/>
+                <a:ea typeface="微软雅黑" pitchFamily="34" charset="-122"/>
+              </a:rPr>
+              <a:t>", </a:t>
+            </a:r>
+            <a:r>
+              <a:rPr lang="en-US" altLang="zh-CN" dirty="0" err="1" smtClean="0">
+                <a:solidFill>
+                  <a:schemeClr val="bg1"/>
+                </a:solidFill>
+                <a:latin typeface="微软雅黑" pitchFamily="34" charset="-122"/>
+                <a:ea typeface="微软雅黑" pitchFamily="34" charset="-122"/>
+              </a:rPr>
+              <a:t>v.user_id</a:t>
+            </a:r>
+            <a:r>
+              <a:rPr lang="en-US" altLang="zh-CN" dirty="0" smtClean="0">
+                <a:solidFill>
+                  <a:schemeClr val="bg1"/>
+                </a:solidFill>
+                <a:latin typeface="微软雅黑" pitchFamily="34" charset="-122"/>
+                <a:ea typeface="微软雅黑" pitchFamily="34" charset="-122"/>
+              </a:rPr>
+              <a:t>, "</a:t>
+            </a:r>
+            <a:r>
+              <a:rPr lang="zh-CN" altLang="en-US" dirty="0" smtClean="0">
+                <a:solidFill>
+                  <a:schemeClr val="bg1"/>
+                </a:solidFill>
+                <a:latin typeface="微软雅黑" pitchFamily="34" charset="-122"/>
+                <a:ea typeface="微软雅黑" pitchFamily="34" charset="-122"/>
+              </a:rPr>
+              <a:t>椅子</a:t>
+            </a:r>
+            <a:r>
+              <a:rPr lang="en-US" altLang="zh-CN" dirty="0" smtClean="0">
+                <a:solidFill>
+                  <a:schemeClr val="bg1"/>
+                </a:solidFill>
+                <a:latin typeface="微软雅黑" pitchFamily="34" charset="-122"/>
+                <a:ea typeface="微软雅黑" pitchFamily="34" charset="-122"/>
+              </a:rPr>
+              <a:t>", </a:t>
+            </a:r>
+            <a:r>
+              <a:rPr lang="en-US" altLang="zh-CN" dirty="0" err="1" smtClean="0">
+                <a:solidFill>
+                  <a:schemeClr val="bg1"/>
+                </a:solidFill>
+                <a:latin typeface="微软雅黑" pitchFamily="34" charset="-122"/>
+                <a:ea typeface="微软雅黑" pitchFamily="34" charset="-122"/>
+              </a:rPr>
+              <a:t>v.chair_id</a:t>
+            </a:r>
+            <a:r>
+              <a:rPr lang="en-US" altLang="zh-CN" dirty="0" smtClean="0">
+                <a:solidFill>
+                  <a:schemeClr val="bg1"/>
+                </a:solidFill>
+                <a:latin typeface="微软雅黑" pitchFamily="34" charset="-122"/>
+                <a:ea typeface="微软雅黑" pitchFamily="34" charset="-122"/>
+              </a:rPr>
+              <a:t>)</a:t>
+            </a:r>
+            <a:br>
+              <a:rPr lang="en-US" altLang="zh-CN" dirty="0" smtClean="0">
+                <a:solidFill>
+                  <a:schemeClr val="bg1"/>
+                </a:solidFill>
+                <a:latin typeface="微软雅黑" pitchFamily="34" charset="-122"/>
+                <a:ea typeface="微软雅黑" pitchFamily="34" charset="-122"/>
+              </a:rPr>
+            </a:br>
+            <a:r>
+              <a:rPr lang="en-US" altLang="zh-CN" dirty="0" smtClean="0">
+                <a:solidFill>
+                  <a:schemeClr val="bg1"/>
+                </a:solidFill>
+                <a:latin typeface="微软雅黑" pitchFamily="34" charset="-122"/>
+                <a:ea typeface="微软雅黑" pitchFamily="34" charset="-122"/>
+              </a:rPr>
+              <a:t>    </a:t>
+            </a:r>
+            <a:r>
+              <a:rPr lang="en-US" altLang="zh-CN" b="1" dirty="0" smtClean="0">
+                <a:solidFill>
+                  <a:schemeClr val="bg1"/>
+                </a:solidFill>
+                <a:latin typeface="微软雅黑" pitchFamily="34" charset="-122"/>
+                <a:ea typeface="微软雅黑" pitchFamily="34" charset="-122"/>
+              </a:rPr>
+              <a:t>end</a:t>
+            </a:r>
+            <a:br>
+              <a:rPr lang="en-US" altLang="zh-CN" b="1" dirty="0" smtClean="0">
+                <a:solidFill>
+                  <a:schemeClr val="bg1"/>
+                </a:solidFill>
+                <a:latin typeface="微软雅黑" pitchFamily="34" charset="-122"/>
+                <a:ea typeface="微软雅黑" pitchFamily="34" charset="-122"/>
+              </a:rPr>
+            </a:br>
+            <a:r>
+              <a:rPr lang="en-US" altLang="zh-CN" b="1" dirty="0" smtClean="0">
+                <a:solidFill>
+                  <a:schemeClr val="bg1"/>
+                </a:solidFill>
+                <a:latin typeface="微软雅黑" pitchFamily="34" charset="-122"/>
+                <a:ea typeface="微软雅黑" pitchFamily="34" charset="-122"/>
+              </a:rPr>
+              <a:t>end</a:t>
+            </a:r>
+            <a:r>
+              <a:rPr lang="en-US" altLang="zh-CN" b="1" dirty="0" smtClean="0"/>
+              <a:t/>
+            </a:r>
+            <a:br>
+              <a:rPr lang="en-US" altLang="zh-CN" b="1" dirty="0" smtClean="0"/>
+            </a:br>
+            <a:endParaRPr lang="zh-CN" altLang="en-US" dirty="0">
+              <a:solidFill>
+                <a:schemeClr val="bg1"/>
+              </a:solidFill>
+              <a:latin typeface="微软雅黑" pitchFamily="34" charset="-122"/>
+              <a:ea typeface="微软雅黑" pitchFamily="34" charset="-122"/>
+            </a:endParaRPr>
+          </a:p>
+        </p:txBody>
+      </p:sp>
+      <p:pic>
+        <p:nvPicPr>
+          <p:cNvPr id="9" name="Picture 6" descr="C:\Users\Administrator\Desktop\图片3.png"/>
+          <p:cNvPicPr>
+            <a:picLocks noChangeAspect="1" noChangeArrowheads="1"/>
+          </p:cNvPicPr>
+          <p:nvPr/>
+        </p:nvPicPr>
+        <p:blipFill>
+          <a:blip r:embed="rId2" cstate="print"/>
+          <a:srcRect/>
+          <a:stretch>
+            <a:fillRect/>
+          </a:stretch>
+        </p:blipFill>
+        <p:spPr bwMode="auto">
+          <a:xfrm>
+            <a:off x="467544" y="686051"/>
+            <a:ext cx="1009526" cy="1014757"/>
+          </a:xfrm>
+          <a:prstGeom prst="rect">
+            <a:avLst/>
+          </a:prstGeom>
+          <a:noFill/>
+        </p:spPr>
+      </p:pic>
+      <p:pic>
+        <p:nvPicPr>
+          <p:cNvPr id="12" name="Picture 7" descr="C:\Users\Administrator\Desktop\图片6.png"/>
+          <p:cNvPicPr>
+            <a:picLocks noChangeAspect="1" noChangeArrowheads="1"/>
+          </p:cNvPicPr>
+          <p:nvPr/>
+        </p:nvPicPr>
+        <p:blipFill>
+          <a:blip r:embed="rId3" cstate="print"/>
+          <a:srcRect/>
+          <a:stretch>
+            <a:fillRect/>
+          </a:stretch>
+        </p:blipFill>
+        <p:spPr bwMode="auto">
+          <a:xfrm>
+            <a:off x="705594" y="784567"/>
+            <a:ext cx="554038" cy="811212"/>
+          </a:xfrm>
+          <a:prstGeom prst="rect">
+            <a:avLst/>
+          </a:prstGeom>
+          <a:noFill/>
+        </p:spPr>
+      </p:pic>
+    </p:spTree>
+  </p:cSld>
+  <p:clrMapOvr>
+    <a:masterClrMapping/>
+  </p:clrMapOvr>
+  <p:timing>
+    <p:tnLst>
+      <p:par>
+        <p:cTn id="1" dur="indefinite" restart="never" nodeType="tmRoot"/>
+      </p:par>
+    </p:tnLst>
+  </p:timing>
+</p:sld>
+</file>
+
 <file path=ppt/slides/slide2.xml><?xml version="1.0" encoding="utf-8"?>
 <p:sld xmlns:a="http://schemas.openxmlformats.org/drawingml/2006/main" xmlns:r="http://schemas.openxmlformats.org/officeDocument/2006/relationships" xmlns:p="http://schemas.openxmlformats.org/presentationml/2006/main">
   <p:cSld>
@@ -7105,17 +8069,7 @@
                 <a:latin typeface="微软雅黑" pitchFamily="34" charset="-122"/>
                 <a:ea typeface="微软雅黑" pitchFamily="34" charset="-122"/>
               </a:rPr>
-              <a:t>段数据粘在一起</a:t>
-            </a:r>
-            <a:r>
-              <a:rPr lang="zh-CN" altLang="en-US" dirty="0" smtClean="0">
-                <a:solidFill>
-                  <a:schemeClr val="bg1"/>
-                </a:solidFill>
-                <a:latin typeface="微软雅黑" pitchFamily="34" charset="-122"/>
-                <a:ea typeface="微软雅黑" pitchFamily="34" charset="-122"/>
-              </a:rPr>
-              <a:t>处理</a:t>
+              <a:t>段数据粘在一起处理</a:t>
             </a:r>
             <a:endParaRPr lang="en-US" altLang="zh-CN" dirty="0" smtClean="0">
               <a:solidFill>
@@ -8794,6 +9748,924 @@
             <a:pPr marL="342900" indent="-342900">
               <a:buAutoNum type="arabicPeriod"/>
             </a:pPr>
+            <a:endParaRPr lang="en-US" altLang="zh-CN" dirty="0" smtClean="0">
+              <a:solidFill>
+                <a:schemeClr val="bg1"/>
+              </a:solidFill>
+              <a:latin typeface="微软雅黑" pitchFamily="34" charset="-122"/>
+              <a:ea typeface="微软雅黑" pitchFamily="34" charset="-122"/>
+            </a:endParaRPr>
+          </a:p>
+          <a:p>
+            <a:pPr marL="342900" indent="-342900"/>
+            <a:endParaRPr lang="zh-CN" altLang="en-US" dirty="0">
+              <a:solidFill>
+                <a:schemeClr val="bg1"/>
+              </a:solidFill>
+              <a:latin typeface="微软雅黑" pitchFamily="34" charset="-122"/>
+              <a:ea typeface="微软雅黑" pitchFamily="34" charset="-122"/>
+            </a:endParaRPr>
+          </a:p>
+        </p:txBody>
+      </p:sp>
+      <p:pic>
+        <p:nvPicPr>
+          <p:cNvPr id="9" name="Picture 6" descr="C:\Users\Administrator\Desktop\图片3.png"/>
+          <p:cNvPicPr>
+            <a:picLocks noChangeAspect="1" noChangeArrowheads="1"/>
+          </p:cNvPicPr>
+          <p:nvPr/>
+        </p:nvPicPr>
+        <p:blipFill>
+          <a:blip r:embed="rId2" cstate="print"/>
+          <a:srcRect/>
+          <a:stretch>
+            <a:fillRect/>
+          </a:stretch>
+        </p:blipFill>
+        <p:spPr bwMode="auto">
+          <a:xfrm>
+            <a:off x="467544" y="686051"/>
+            <a:ext cx="1009526" cy="1014757"/>
+          </a:xfrm>
+          <a:prstGeom prst="rect">
+            <a:avLst/>
+          </a:prstGeom>
+          <a:noFill/>
+        </p:spPr>
+      </p:pic>
+      <p:pic>
+        <p:nvPicPr>
+          <p:cNvPr id="12" name="Picture 7" descr="C:\Users\Administrator\Desktop\图片6.png"/>
+          <p:cNvPicPr>
+            <a:picLocks noChangeAspect="1" noChangeArrowheads="1"/>
+          </p:cNvPicPr>
+          <p:nvPr/>
+        </p:nvPicPr>
+        <p:blipFill>
+          <a:blip r:embed="rId3" cstate="print"/>
+          <a:srcRect/>
+          <a:stretch>
+            <a:fillRect/>
+          </a:stretch>
+        </p:blipFill>
+        <p:spPr bwMode="auto">
+          <a:xfrm>
+            <a:off x="705594" y="784567"/>
+            <a:ext cx="554038" cy="811212"/>
+          </a:xfrm>
+          <a:prstGeom prst="rect">
+            <a:avLst/>
+          </a:prstGeom>
+          <a:noFill/>
+        </p:spPr>
+      </p:pic>
+    </p:spTree>
+  </p:cSld>
+  <p:clrMapOvr>
+    <a:masterClrMapping/>
+  </p:clrMapOvr>
+  <p:timing>
+    <p:tnLst>
+      <p:par>
+        <p:cTn id="1" dur="indefinite" restart="never" nodeType="tmRoot"/>
+      </p:par>
+    </p:tnLst>
+  </p:timing>
+</p:sld>
+</file>
+
+<file path=ppt/slides/slide9.xml><?xml version="1.0" encoding="utf-8"?>
+<p:sld xmlns:a="http://schemas.openxmlformats.org/drawingml/2006/main" xmlns:r="http://schemas.openxmlformats.org/officeDocument/2006/relationships" xmlns:p="http://schemas.openxmlformats.org/presentationml/2006/main">
+  <p:cSld>
+    <p:spTree>
+      <p:nvGrpSpPr>
+        <p:cNvPr id="1" name=""/>
+        <p:cNvGrpSpPr/>
+        <p:nvPr/>
+      </p:nvGrpSpPr>
+      <p:grpSpPr>
+        <a:xfrm>
+          <a:off x="0" y="0"/>
+          <a:ext cx="0" cy="0"/>
+          <a:chOff x="0" y="0"/>
+          <a:chExt cx="0" cy="0"/>
+        </a:xfrm>
+      </p:grpSpPr>
+      <p:sp>
+        <p:nvSpPr>
+          <p:cNvPr id="2" name="标题 1"/>
+          <p:cNvSpPr>
+            <a:spLocks noGrp="1"/>
+          </p:cNvSpPr>
+          <p:nvPr>
+            <p:ph type="ctrTitle"/>
+          </p:nvPr>
+        </p:nvSpPr>
+        <p:spPr>
+          <a:xfrm>
+            <a:off x="1907704" y="116633"/>
+            <a:ext cx="5760640" cy="432048"/>
+          </a:xfrm>
+        </p:spPr>
+        <p:txBody>
+          <a:bodyPr>
+            <a:normAutofit/>
+          </a:bodyPr>
+          <a:lstStyle/>
+          <a:p>
+            <a:pPr algn="l"/>
+            <a:r>
+              <a:rPr lang="en-US" altLang="zh-CN" dirty="0" err="1" smtClean="0"/>
+              <a:t>Protobuf</a:t>
+            </a:r>
+            <a:r>
+              <a:rPr lang="zh-CN" altLang="en-US" dirty="0" smtClean="0"/>
+              <a:t>代码写法</a:t>
+            </a:r>
+            <a:r>
+              <a:rPr lang="en-US" altLang="zh-CN" dirty="0" smtClean="0"/>
+              <a:t>—</a:t>
+            </a:r>
+            <a:r>
+              <a:rPr lang="zh-CN" altLang="en-US" dirty="0" smtClean="0"/>
+              <a:t>发送</a:t>
+            </a:r>
+            <a:r>
+              <a:rPr lang="en-US" altLang="zh-CN" dirty="0" err="1" smtClean="0"/>
+              <a:t>protobuf</a:t>
+            </a:r>
+            <a:endParaRPr lang="zh-CN" altLang="en-US" dirty="0"/>
+          </a:p>
+        </p:txBody>
+      </p:sp>
+      <p:sp>
+        <p:nvSpPr>
+          <p:cNvPr id="11" name="TextBox 10"/>
+          <p:cNvSpPr txBox="1"/>
+          <p:nvPr/>
+        </p:nvSpPr>
+        <p:spPr>
+          <a:xfrm>
+            <a:off x="1691680" y="692696"/>
+            <a:ext cx="7056784" cy="4524315"/>
+          </a:xfrm>
+          <a:prstGeom prst="rect">
+            <a:avLst/>
+          </a:prstGeom>
+          <a:noFill/>
+          <a:ln>
+            <a:noFill/>
+          </a:ln>
+          <a:effectLst>
+            <a:outerShdw blurRad="44450" dist="27940" dir="5400000" algn="ctr">
+              <a:srgbClr val="000000">
+                <a:alpha val="32000"/>
+              </a:srgbClr>
+            </a:outerShdw>
+          </a:effectLst>
+          <a:scene3d>
+            <a:camera prst="orthographicFront">
+              <a:rot lat="0" lon="0" rev="0"/>
+            </a:camera>
+            <a:lightRig rig="balanced" dir="t">
+              <a:rot lat="0" lon="0" rev="8700000"/>
+            </a:lightRig>
+          </a:scene3d>
+          <a:sp3d>
+            <a:bevelT w="190500" h="38100"/>
+          </a:sp3d>
+        </p:spPr>
+        <p:txBody>
+          <a:bodyPr wrap="square" rtlCol="0">
+            <a:spAutoFit/>
+          </a:bodyPr>
+          <a:lstStyle/>
+          <a:p>
+            <a:pPr marL="342900" indent="-342900">
+              <a:buAutoNum type="arabicPeriod"/>
+            </a:pPr>
+            <a:r>
+              <a:rPr lang="en-US" altLang="zh-CN" b="1" dirty="0" smtClean="0">
+                <a:solidFill>
+                  <a:schemeClr val="bg1"/>
+                </a:solidFill>
+                <a:latin typeface="微软雅黑" pitchFamily="34" charset="-122"/>
+                <a:ea typeface="微软雅黑" pitchFamily="34" charset="-122"/>
+              </a:rPr>
+              <a:t>local </a:t>
+            </a:r>
+            <a:r>
+              <a:rPr lang="en-US" altLang="zh-CN" dirty="0" err="1" smtClean="0">
+                <a:solidFill>
+                  <a:schemeClr val="bg1"/>
+                </a:solidFill>
+                <a:latin typeface="微软雅黑" pitchFamily="34" charset="-122"/>
+                <a:ea typeface="微软雅黑" pitchFamily="34" charset="-122"/>
+              </a:rPr>
+              <a:t>sendCmd</a:t>
+            </a:r>
+            <a:r>
+              <a:rPr lang="en-US" altLang="zh-CN" dirty="0" smtClean="0">
+                <a:solidFill>
+                  <a:schemeClr val="bg1"/>
+                </a:solidFill>
+                <a:latin typeface="微软雅黑" pitchFamily="34" charset="-122"/>
+                <a:ea typeface="微软雅黑" pitchFamily="34" charset="-122"/>
+              </a:rPr>
+              <a:t> = </a:t>
+            </a:r>
+            <a:r>
+              <a:rPr lang="en-US" altLang="zh-CN" i="1" dirty="0" err="1" smtClean="0">
+                <a:solidFill>
+                  <a:schemeClr val="bg1"/>
+                </a:solidFill>
+                <a:latin typeface="微软雅黑" pitchFamily="34" charset="-122"/>
+                <a:ea typeface="微软雅黑" pitchFamily="34" charset="-122"/>
+              </a:rPr>
+              <a:t>CMD_Game_pb</a:t>
+            </a:r>
+            <a:r>
+              <a:rPr lang="en-US" altLang="zh-CN" dirty="0" err="1" smtClean="0">
+                <a:solidFill>
+                  <a:schemeClr val="bg1"/>
+                </a:solidFill>
+                <a:latin typeface="微软雅黑" pitchFamily="34" charset="-122"/>
+                <a:ea typeface="微软雅黑" pitchFamily="34" charset="-122"/>
+              </a:rPr>
+              <a:t>.</a:t>
+            </a:r>
+            <a:r>
+              <a:rPr lang="en-US" altLang="zh-CN" i="1" dirty="0" err="1" smtClean="0">
+                <a:solidFill>
+                  <a:schemeClr val="bg1"/>
+                </a:solidFill>
+                <a:latin typeface="微软雅黑" pitchFamily="34" charset="-122"/>
+                <a:ea typeface="微软雅黑" pitchFamily="34" charset="-122"/>
+              </a:rPr>
+              <a:t>CMD_S_ENTER_SCENE</a:t>
+            </a:r>
+            <a:r>
+              <a:rPr lang="en-US" altLang="zh-CN" dirty="0" smtClean="0">
+                <a:solidFill>
+                  <a:schemeClr val="bg1"/>
+                </a:solidFill>
+                <a:latin typeface="微软雅黑" pitchFamily="34" charset="-122"/>
+                <a:ea typeface="微软雅黑" pitchFamily="34" charset="-122"/>
+              </a:rPr>
+              <a:t>()</a:t>
+            </a:r>
+            <a:br>
+              <a:rPr lang="en-US" altLang="zh-CN" dirty="0" smtClean="0">
+                <a:solidFill>
+                  <a:schemeClr val="bg1"/>
+                </a:solidFill>
+                <a:latin typeface="微软雅黑" pitchFamily="34" charset="-122"/>
+                <a:ea typeface="微软雅黑" pitchFamily="34" charset="-122"/>
+              </a:rPr>
+            </a:br>
+            <a:r>
+              <a:rPr lang="en-US" altLang="zh-CN" dirty="0" err="1" smtClean="0">
+                <a:solidFill>
+                  <a:schemeClr val="bg1"/>
+                </a:solidFill>
+                <a:latin typeface="微软雅黑" pitchFamily="34" charset="-122"/>
+                <a:ea typeface="微软雅黑" pitchFamily="34" charset="-122"/>
+              </a:rPr>
+              <a:t>sendCmd.scene_id</a:t>
+            </a:r>
+            <a:r>
+              <a:rPr lang="en-US" altLang="zh-CN" dirty="0" smtClean="0">
+                <a:solidFill>
+                  <a:schemeClr val="bg1"/>
+                </a:solidFill>
+                <a:latin typeface="微软雅黑" pitchFamily="34" charset="-122"/>
+                <a:ea typeface="微软雅黑" pitchFamily="34" charset="-122"/>
+              </a:rPr>
+              <a:t> = </a:t>
+            </a:r>
+            <a:r>
+              <a:rPr lang="en-US" altLang="zh-CN" dirty="0" err="1" smtClean="0">
+                <a:solidFill>
+                  <a:schemeClr val="bg1"/>
+                </a:solidFill>
+                <a:latin typeface="微软雅黑" pitchFamily="34" charset="-122"/>
+                <a:ea typeface="微软雅黑" pitchFamily="34" charset="-122"/>
+              </a:rPr>
+              <a:t>player.GameType</a:t>
+            </a:r>
+            <a:r>
+              <a:rPr lang="en-US" altLang="zh-CN" dirty="0" smtClean="0">
+                <a:solidFill>
+                  <a:schemeClr val="bg1"/>
+                </a:solidFill>
+                <a:latin typeface="微软雅黑" pitchFamily="34" charset="-122"/>
+                <a:ea typeface="微软雅黑" pitchFamily="34" charset="-122"/>
+              </a:rPr>
+              <a:t/>
+            </a:r>
+            <a:br>
+              <a:rPr lang="en-US" altLang="zh-CN" dirty="0" smtClean="0">
+                <a:solidFill>
+                  <a:schemeClr val="bg1"/>
+                </a:solidFill>
+                <a:latin typeface="微软雅黑" pitchFamily="34" charset="-122"/>
+                <a:ea typeface="微软雅黑" pitchFamily="34" charset="-122"/>
+              </a:rPr>
+            </a:br>
+            <a:r>
+              <a:rPr lang="en-US" altLang="zh-CN" dirty="0" err="1" smtClean="0">
+                <a:solidFill>
+                  <a:schemeClr val="bg1"/>
+                </a:solidFill>
+                <a:latin typeface="微软雅黑" pitchFamily="34" charset="-122"/>
+                <a:ea typeface="微软雅黑" pitchFamily="34" charset="-122"/>
+              </a:rPr>
+              <a:t>sendCmd.table_id</a:t>
+            </a:r>
+            <a:r>
+              <a:rPr lang="en-US" altLang="zh-CN" dirty="0" smtClean="0">
+                <a:solidFill>
+                  <a:schemeClr val="bg1"/>
+                </a:solidFill>
+                <a:latin typeface="微软雅黑" pitchFamily="34" charset="-122"/>
+                <a:ea typeface="微软雅黑" pitchFamily="34" charset="-122"/>
+              </a:rPr>
+              <a:t> = </a:t>
+            </a:r>
+            <a:r>
+              <a:rPr lang="en-US" altLang="zh-CN" dirty="0" err="1" smtClean="0">
+                <a:solidFill>
+                  <a:schemeClr val="bg1"/>
+                </a:solidFill>
+                <a:latin typeface="微软雅黑" pitchFamily="34" charset="-122"/>
+                <a:ea typeface="微软雅黑" pitchFamily="34" charset="-122"/>
+              </a:rPr>
+              <a:t>player.TableID</a:t>
+            </a:r>
+            <a:endParaRPr lang="en-US" altLang="zh-CN" dirty="0" smtClean="0">
+              <a:solidFill>
+                <a:schemeClr val="bg1"/>
+              </a:solidFill>
+              <a:latin typeface="微软雅黑" pitchFamily="34" charset="-122"/>
+              <a:ea typeface="微软雅黑" pitchFamily="34" charset="-122"/>
+            </a:endParaRPr>
+          </a:p>
+          <a:p>
+            <a:pPr marL="342900" indent="-342900">
+              <a:buAutoNum type="arabicPeriod"/>
+            </a:pPr>
+            <a:r>
+              <a:rPr lang="en-US" altLang="zh-CN" dirty="0" smtClean="0">
+                <a:solidFill>
+                  <a:schemeClr val="bg1"/>
+                </a:solidFill>
+                <a:latin typeface="微软雅黑" pitchFamily="34" charset="-122"/>
+                <a:ea typeface="微软雅黑" pitchFamily="34" charset="-122"/>
+              </a:rPr>
+              <a:t/>
+            </a:r>
+            <a:br>
+              <a:rPr lang="en-US" altLang="zh-CN" dirty="0" smtClean="0">
+                <a:solidFill>
+                  <a:schemeClr val="bg1"/>
+                </a:solidFill>
+                <a:latin typeface="微软雅黑" pitchFamily="34" charset="-122"/>
+                <a:ea typeface="微软雅黑" pitchFamily="34" charset="-122"/>
+              </a:rPr>
+            </a:br>
+            <a:r>
+              <a:rPr lang="en-US" altLang="zh-CN" b="1" dirty="0" smtClean="0">
+                <a:solidFill>
+                  <a:schemeClr val="bg1"/>
+                </a:solidFill>
+                <a:latin typeface="微软雅黑" pitchFamily="34" charset="-122"/>
+                <a:ea typeface="微软雅黑" pitchFamily="34" charset="-122"/>
+              </a:rPr>
+              <a:t>for </a:t>
+            </a:r>
+            <a:r>
+              <a:rPr lang="en-US" altLang="zh-CN" dirty="0" err="1" smtClean="0">
+                <a:solidFill>
+                  <a:schemeClr val="bg1"/>
+                </a:solidFill>
+                <a:latin typeface="微软雅黑" pitchFamily="34" charset="-122"/>
+                <a:ea typeface="微软雅黑" pitchFamily="34" charset="-122"/>
+              </a:rPr>
+              <a:t>k,v</a:t>
+            </a:r>
+            <a:r>
+              <a:rPr lang="en-US" altLang="zh-CN" dirty="0" smtClean="0">
+                <a:solidFill>
+                  <a:schemeClr val="bg1"/>
+                </a:solidFill>
+                <a:latin typeface="微软雅黑" pitchFamily="34" charset="-122"/>
+                <a:ea typeface="微软雅黑" pitchFamily="34" charset="-122"/>
+              </a:rPr>
+              <a:t> </a:t>
+            </a:r>
+            <a:r>
+              <a:rPr lang="en-US" altLang="zh-CN" b="1" dirty="0" smtClean="0">
+                <a:solidFill>
+                  <a:schemeClr val="bg1"/>
+                </a:solidFill>
+                <a:latin typeface="微软雅黑" pitchFamily="34" charset="-122"/>
+                <a:ea typeface="微软雅黑" pitchFamily="34" charset="-122"/>
+              </a:rPr>
+              <a:t>in </a:t>
+            </a:r>
+            <a:r>
+              <a:rPr lang="en-US" altLang="zh-CN" dirty="0" smtClean="0">
+                <a:solidFill>
+                  <a:schemeClr val="bg1"/>
+                </a:solidFill>
+                <a:latin typeface="微软雅黑" pitchFamily="34" charset="-122"/>
+                <a:ea typeface="微软雅黑" pitchFamily="34" charset="-122"/>
+              </a:rPr>
+              <a:t>pairs(</a:t>
+            </a:r>
+            <a:r>
+              <a:rPr lang="en-US" altLang="zh-CN" dirty="0" err="1" smtClean="0">
+                <a:solidFill>
+                  <a:schemeClr val="bg1"/>
+                </a:solidFill>
+                <a:latin typeface="微软雅黑" pitchFamily="34" charset="-122"/>
+                <a:ea typeface="微软雅黑" pitchFamily="34" charset="-122"/>
+              </a:rPr>
+              <a:t>table.UserSeatArray</a:t>
+            </a:r>
+            <a:r>
+              <a:rPr lang="en-US" altLang="zh-CN" dirty="0" smtClean="0">
+                <a:solidFill>
+                  <a:schemeClr val="bg1"/>
+                </a:solidFill>
+                <a:latin typeface="微软雅黑" pitchFamily="34" charset="-122"/>
+                <a:ea typeface="微软雅黑" pitchFamily="34" charset="-122"/>
+              </a:rPr>
+              <a:t>) </a:t>
+            </a:r>
+            <a:r>
+              <a:rPr lang="en-US" altLang="zh-CN" b="1" dirty="0" smtClean="0">
+                <a:solidFill>
+                  <a:schemeClr val="bg1"/>
+                </a:solidFill>
+                <a:latin typeface="微软雅黑" pitchFamily="34" charset="-122"/>
+                <a:ea typeface="微软雅黑" pitchFamily="34" charset="-122"/>
+              </a:rPr>
+              <a:t>do       </a:t>
+            </a:r>
+            <a:r>
+              <a:rPr lang="en-US" altLang="zh-CN" dirty="0" smtClean="0">
+                <a:solidFill>
+                  <a:schemeClr val="bg1"/>
+                </a:solidFill>
+                <a:latin typeface="微软雅黑" pitchFamily="34" charset="-122"/>
+                <a:ea typeface="微软雅黑" pitchFamily="34" charset="-122"/>
+              </a:rPr>
+              <a:t>-- </a:t>
+            </a:r>
+            <a:r>
+              <a:rPr lang="zh-CN" altLang="en-US" dirty="0" smtClean="0">
+                <a:solidFill>
+                  <a:schemeClr val="bg1"/>
+                </a:solidFill>
+                <a:latin typeface="微软雅黑" pitchFamily="34" charset="-122"/>
+                <a:ea typeface="微软雅黑" pitchFamily="34" charset="-122"/>
+              </a:rPr>
+              <a:t>这里是</a:t>
+            </a:r>
+            <a:r>
+              <a:rPr lang="en-US" altLang="zh-CN" dirty="0" smtClean="0">
+                <a:solidFill>
+                  <a:schemeClr val="bg1"/>
+                </a:solidFill>
+                <a:latin typeface="微软雅黑" pitchFamily="34" charset="-122"/>
+                <a:ea typeface="微软雅黑" pitchFamily="34" charset="-122"/>
+              </a:rPr>
+              <a:t>repeat</a:t>
+            </a:r>
+            <a:r>
+              <a:rPr lang="zh-CN" altLang="en-US" dirty="0" smtClean="0">
+                <a:solidFill>
+                  <a:schemeClr val="bg1"/>
+                </a:solidFill>
+                <a:latin typeface="微软雅黑" pitchFamily="34" charset="-122"/>
+                <a:ea typeface="微软雅黑" pitchFamily="34" charset="-122"/>
+              </a:rPr>
+              <a:t>的写法</a:t>
+            </a:r>
+            <a:r>
+              <a:rPr lang="zh-CN" altLang="en-US" dirty="0" smtClean="0">
+                <a:solidFill>
+                  <a:schemeClr val="bg1"/>
+                </a:solidFill>
+                <a:latin typeface="微软雅黑" pitchFamily="34" charset="-122"/>
+                <a:ea typeface="微软雅黑" pitchFamily="34" charset="-122"/>
+              </a:rPr>
+              <a:t/>
+            </a:r>
+            <a:br>
+              <a:rPr lang="zh-CN" altLang="en-US" dirty="0" smtClean="0">
+                <a:solidFill>
+                  <a:schemeClr val="bg1"/>
+                </a:solidFill>
+                <a:latin typeface="微软雅黑" pitchFamily="34" charset="-122"/>
+                <a:ea typeface="微软雅黑" pitchFamily="34" charset="-122"/>
+              </a:rPr>
+            </a:br>
+            <a:r>
+              <a:rPr lang="zh-CN" altLang="en-US" dirty="0" smtClean="0">
+                <a:solidFill>
+                  <a:schemeClr val="bg1"/>
+                </a:solidFill>
+                <a:latin typeface="微软雅黑" pitchFamily="34" charset="-122"/>
+                <a:ea typeface="微软雅黑" pitchFamily="34" charset="-122"/>
+              </a:rPr>
+              <a:t>    </a:t>
+            </a:r>
+            <a:r>
+              <a:rPr lang="en-US" altLang="zh-CN" b="1" dirty="0" smtClean="0">
+                <a:solidFill>
+                  <a:schemeClr val="bg1"/>
+                </a:solidFill>
+                <a:latin typeface="微软雅黑" pitchFamily="34" charset="-122"/>
+                <a:ea typeface="微软雅黑" pitchFamily="34" charset="-122"/>
+              </a:rPr>
+              <a:t>if </a:t>
+            </a:r>
+            <a:r>
+              <a:rPr lang="en-US" altLang="zh-CN" dirty="0" smtClean="0">
+                <a:solidFill>
+                  <a:schemeClr val="bg1"/>
+                </a:solidFill>
+                <a:latin typeface="微软雅黑" pitchFamily="34" charset="-122"/>
+                <a:ea typeface="微软雅黑" pitchFamily="34" charset="-122"/>
+              </a:rPr>
+              <a:t>v~= nil </a:t>
+            </a:r>
+            <a:r>
+              <a:rPr lang="en-US" altLang="zh-CN" b="1" dirty="0" smtClean="0">
+                <a:solidFill>
+                  <a:schemeClr val="bg1"/>
+                </a:solidFill>
+                <a:latin typeface="微软雅黑" pitchFamily="34" charset="-122"/>
+                <a:ea typeface="微软雅黑" pitchFamily="34" charset="-122"/>
+              </a:rPr>
+              <a:t>then</a:t>
+            </a:r>
+            <a:br>
+              <a:rPr lang="en-US" altLang="zh-CN" b="1" dirty="0" smtClean="0">
+                <a:solidFill>
+                  <a:schemeClr val="bg1"/>
+                </a:solidFill>
+                <a:latin typeface="微软雅黑" pitchFamily="34" charset="-122"/>
+                <a:ea typeface="微软雅黑" pitchFamily="34" charset="-122"/>
+              </a:rPr>
+            </a:br>
+            <a:r>
+              <a:rPr lang="en-US" altLang="zh-CN" b="1" dirty="0" smtClean="0">
+                <a:solidFill>
+                  <a:schemeClr val="bg1"/>
+                </a:solidFill>
+                <a:latin typeface="微软雅黑" pitchFamily="34" charset="-122"/>
+                <a:ea typeface="微软雅黑" pitchFamily="34" charset="-122"/>
+              </a:rPr>
+              <a:t>        local </a:t>
+            </a:r>
+            <a:r>
+              <a:rPr lang="en-US" altLang="zh-CN" dirty="0" err="1" smtClean="0">
+                <a:solidFill>
+                  <a:schemeClr val="bg1"/>
+                </a:solidFill>
+                <a:latin typeface="微软雅黑" pitchFamily="34" charset="-122"/>
+                <a:ea typeface="微软雅黑" pitchFamily="34" charset="-122"/>
+              </a:rPr>
+              <a:t>uu</a:t>
+            </a:r>
+            <a:r>
+              <a:rPr lang="en-US" altLang="zh-CN" dirty="0" smtClean="0">
+                <a:solidFill>
+                  <a:schemeClr val="bg1"/>
+                </a:solidFill>
+                <a:latin typeface="微软雅黑" pitchFamily="34" charset="-122"/>
+                <a:ea typeface="微软雅黑" pitchFamily="34" charset="-122"/>
+              </a:rPr>
+              <a:t> = </a:t>
+            </a:r>
+            <a:r>
+              <a:rPr lang="en-US" altLang="zh-CN" dirty="0" err="1" smtClean="0">
+                <a:solidFill>
+                  <a:schemeClr val="bg1"/>
+                </a:solidFill>
+                <a:latin typeface="微软雅黑" pitchFamily="34" charset="-122"/>
+                <a:ea typeface="微软雅黑" pitchFamily="34" charset="-122"/>
+              </a:rPr>
+              <a:t>sendCmd.table_users:add</a:t>
+            </a:r>
+            <a:r>
+              <a:rPr lang="en-US" altLang="zh-CN" dirty="0" smtClean="0">
+                <a:solidFill>
+                  <a:schemeClr val="bg1"/>
+                </a:solidFill>
+                <a:latin typeface="微软雅黑" pitchFamily="34" charset="-122"/>
+                <a:ea typeface="微软雅黑" pitchFamily="34" charset="-122"/>
+              </a:rPr>
+              <a:t>()</a:t>
+            </a:r>
+            <a:br>
+              <a:rPr lang="en-US" altLang="zh-CN" dirty="0" smtClean="0">
+                <a:solidFill>
+                  <a:schemeClr val="bg1"/>
+                </a:solidFill>
+                <a:latin typeface="微软雅黑" pitchFamily="34" charset="-122"/>
+                <a:ea typeface="微软雅黑" pitchFamily="34" charset="-122"/>
+              </a:rPr>
+            </a:br>
+            <a:r>
+              <a:rPr lang="en-US" altLang="zh-CN" dirty="0" smtClean="0">
+                <a:solidFill>
+                  <a:schemeClr val="bg1"/>
+                </a:solidFill>
+                <a:latin typeface="微软雅黑" pitchFamily="34" charset="-122"/>
+                <a:ea typeface="微软雅黑" pitchFamily="34" charset="-122"/>
+              </a:rPr>
+              <a:t>        </a:t>
+            </a:r>
+            <a:r>
+              <a:rPr lang="en-US" altLang="zh-CN" dirty="0" err="1" smtClean="0">
+                <a:solidFill>
+                  <a:schemeClr val="bg1"/>
+                </a:solidFill>
+                <a:latin typeface="微软雅黑" pitchFamily="34" charset="-122"/>
+                <a:ea typeface="微软雅黑" pitchFamily="34" charset="-122"/>
+              </a:rPr>
+              <a:t>uu.user_id</a:t>
+            </a:r>
+            <a:r>
+              <a:rPr lang="en-US" altLang="zh-CN" dirty="0" smtClean="0">
+                <a:solidFill>
+                  <a:schemeClr val="bg1"/>
+                </a:solidFill>
+                <a:latin typeface="微软雅黑" pitchFamily="34" charset="-122"/>
+                <a:ea typeface="微软雅黑" pitchFamily="34" charset="-122"/>
+              </a:rPr>
+              <a:t> = </a:t>
+            </a:r>
+            <a:r>
+              <a:rPr lang="en-US" altLang="zh-CN" dirty="0" err="1" smtClean="0">
+                <a:solidFill>
+                  <a:schemeClr val="bg1"/>
+                </a:solidFill>
+                <a:latin typeface="微软雅黑" pitchFamily="34" charset="-122"/>
+                <a:ea typeface="微软雅黑" pitchFamily="34" charset="-122"/>
+              </a:rPr>
+              <a:t>v.User.UserId</a:t>
+            </a:r>
+            <a:r>
+              <a:rPr lang="en-US" altLang="zh-CN" dirty="0" smtClean="0">
+                <a:solidFill>
+                  <a:schemeClr val="bg1"/>
+                </a:solidFill>
+                <a:latin typeface="微软雅黑" pitchFamily="34" charset="-122"/>
+                <a:ea typeface="微软雅黑" pitchFamily="34" charset="-122"/>
+              </a:rPr>
+              <a:t/>
+            </a:r>
+            <a:br>
+              <a:rPr lang="en-US" altLang="zh-CN" dirty="0" smtClean="0">
+                <a:solidFill>
+                  <a:schemeClr val="bg1"/>
+                </a:solidFill>
+                <a:latin typeface="微软雅黑" pitchFamily="34" charset="-122"/>
+                <a:ea typeface="微软雅黑" pitchFamily="34" charset="-122"/>
+              </a:rPr>
+            </a:br>
+            <a:r>
+              <a:rPr lang="en-US" altLang="zh-CN" dirty="0" smtClean="0">
+                <a:solidFill>
+                  <a:schemeClr val="bg1"/>
+                </a:solidFill>
+                <a:latin typeface="微软雅黑" pitchFamily="34" charset="-122"/>
+                <a:ea typeface="微软雅黑" pitchFamily="34" charset="-122"/>
+              </a:rPr>
+              <a:t>        </a:t>
+            </a:r>
+            <a:r>
+              <a:rPr lang="en-US" altLang="zh-CN" dirty="0" err="1" smtClean="0">
+                <a:solidFill>
+                  <a:schemeClr val="bg1"/>
+                </a:solidFill>
+                <a:latin typeface="微软雅黑" pitchFamily="34" charset="-122"/>
+                <a:ea typeface="微软雅黑" pitchFamily="34" charset="-122"/>
+              </a:rPr>
+              <a:t>uu.chair_id</a:t>
+            </a:r>
+            <a:r>
+              <a:rPr lang="en-US" altLang="zh-CN" dirty="0" smtClean="0">
+                <a:solidFill>
+                  <a:schemeClr val="bg1"/>
+                </a:solidFill>
+                <a:latin typeface="微软雅黑" pitchFamily="34" charset="-122"/>
+                <a:ea typeface="微软雅黑" pitchFamily="34" charset="-122"/>
+              </a:rPr>
+              <a:t> = k</a:t>
+            </a:r>
+            <a:br>
+              <a:rPr lang="en-US" altLang="zh-CN" dirty="0" smtClean="0">
+                <a:solidFill>
+                  <a:schemeClr val="bg1"/>
+                </a:solidFill>
+                <a:latin typeface="微软雅黑" pitchFamily="34" charset="-122"/>
+                <a:ea typeface="微软雅黑" pitchFamily="34" charset="-122"/>
+              </a:rPr>
+            </a:br>
+            <a:r>
+              <a:rPr lang="en-US" altLang="zh-CN" dirty="0" smtClean="0">
+                <a:solidFill>
+                  <a:schemeClr val="bg1"/>
+                </a:solidFill>
+                <a:latin typeface="微软雅黑" pitchFamily="34" charset="-122"/>
+                <a:ea typeface="微软雅黑" pitchFamily="34" charset="-122"/>
+              </a:rPr>
+              <a:t>    </a:t>
+            </a:r>
+            <a:r>
+              <a:rPr lang="en-US" altLang="zh-CN" b="1" dirty="0" smtClean="0">
+                <a:solidFill>
+                  <a:schemeClr val="bg1"/>
+                </a:solidFill>
+                <a:latin typeface="微软雅黑" pitchFamily="34" charset="-122"/>
+                <a:ea typeface="微软雅黑" pitchFamily="34" charset="-122"/>
+              </a:rPr>
+              <a:t>end</a:t>
+            </a:r>
+            <a:br>
+              <a:rPr lang="en-US" altLang="zh-CN" b="1" dirty="0" smtClean="0">
+                <a:solidFill>
+                  <a:schemeClr val="bg1"/>
+                </a:solidFill>
+                <a:latin typeface="微软雅黑" pitchFamily="34" charset="-122"/>
+                <a:ea typeface="微软雅黑" pitchFamily="34" charset="-122"/>
+              </a:rPr>
+            </a:br>
+            <a:r>
+              <a:rPr lang="en-US" altLang="zh-CN" b="1" dirty="0" smtClean="0">
+                <a:solidFill>
+                  <a:schemeClr val="bg1"/>
+                </a:solidFill>
+                <a:latin typeface="微软雅黑" pitchFamily="34" charset="-122"/>
+                <a:ea typeface="微软雅黑" pitchFamily="34" charset="-122"/>
+              </a:rPr>
+              <a:t>end</a:t>
+            </a:r>
+            <a:br>
+              <a:rPr lang="en-US" altLang="zh-CN" b="1" dirty="0" smtClean="0">
+                <a:solidFill>
+                  <a:schemeClr val="bg1"/>
+                </a:solidFill>
+                <a:latin typeface="微软雅黑" pitchFamily="34" charset="-122"/>
+                <a:ea typeface="微软雅黑" pitchFamily="34" charset="-122"/>
+              </a:rPr>
+            </a:br>
+            <a:r>
+              <a:rPr lang="en-US" altLang="zh-CN" b="1" dirty="0" smtClean="0">
+                <a:solidFill>
+                  <a:schemeClr val="bg1"/>
+                </a:solidFill>
+                <a:latin typeface="微软雅黑" pitchFamily="34" charset="-122"/>
+                <a:ea typeface="微软雅黑" pitchFamily="34" charset="-122"/>
+              </a:rPr>
+              <a:t/>
+            </a:r>
+            <a:br>
+              <a:rPr lang="en-US" altLang="zh-CN" b="1" dirty="0" smtClean="0">
+                <a:solidFill>
+                  <a:schemeClr val="bg1"/>
+                </a:solidFill>
+                <a:latin typeface="微软雅黑" pitchFamily="34" charset="-122"/>
+                <a:ea typeface="微软雅黑" pitchFamily="34" charset="-122"/>
+              </a:rPr>
+            </a:br>
+            <a:r>
+              <a:rPr lang="en-US" altLang="zh-CN" i="1" dirty="0" err="1" smtClean="0">
+                <a:solidFill>
+                  <a:schemeClr val="bg1"/>
+                </a:solidFill>
+                <a:latin typeface="微软雅黑" pitchFamily="34" charset="-122"/>
+                <a:ea typeface="微软雅黑" pitchFamily="34" charset="-122"/>
+              </a:rPr>
+              <a:t>LuaNetWorkSendToUser</a:t>
+            </a:r>
+            <a:r>
+              <a:rPr lang="en-US" altLang="zh-CN" dirty="0" smtClean="0">
+                <a:solidFill>
+                  <a:schemeClr val="bg1"/>
+                </a:solidFill>
+                <a:latin typeface="微软雅黑" pitchFamily="34" charset="-122"/>
+                <a:ea typeface="微软雅黑" pitchFamily="34" charset="-122"/>
+              </a:rPr>
+              <a:t>(</a:t>
+            </a:r>
+            <a:r>
+              <a:rPr lang="en-US" altLang="zh-CN" dirty="0" err="1" smtClean="0">
+                <a:solidFill>
+                  <a:schemeClr val="bg1"/>
+                </a:solidFill>
+                <a:latin typeface="微软雅黑" pitchFamily="34" charset="-122"/>
+                <a:ea typeface="微软雅黑" pitchFamily="34" charset="-122"/>
+              </a:rPr>
+              <a:t>userId,</a:t>
+            </a:r>
+            <a:r>
+              <a:rPr lang="en-US" altLang="zh-CN" i="1" dirty="0" err="1" smtClean="0">
+                <a:solidFill>
+                  <a:schemeClr val="bg1"/>
+                </a:solidFill>
+                <a:latin typeface="微软雅黑" pitchFamily="34" charset="-122"/>
+                <a:ea typeface="微软雅黑" pitchFamily="34" charset="-122"/>
+              </a:rPr>
+              <a:t>MDM_GF_GAME</a:t>
+            </a:r>
+            <a:r>
+              <a:rPr lang="en-US" altLang="zh-CN" dirty="0" smtClean="0">
+                <a:solidFill>
+                  <a:schemeClr val="bg1"/>
+                </a:solidFill>
+                <a:latin typeface="微软雅黑" pitchFamily="34" charset="-122"/>
+                <a:ea typeface="微软雅黑" pitchFamily="34" charset="-122"/>
+              </a:rPr>
+              <a:t>, </a:t>
+            </a:r>
+            <a:r>
+              <a:rPr lang="en-US" altLang="zh-CN" i="1" dirty="0" smtClean="0">
+                <a:solidFill>
+                  <a:schemeClr val="bg1"/>
+                </a:solidFill>
+                <a:latin typeface="微软雅黑" pitchFamily="34" charset="-122"/>
+                <a:ea typeface="微软雅黑" pitchFamily="34" charset="-122"/>
+              </a:rPr>
+              <a:t>SUB_S_ENTER_SCENE</a:t>
+            </a:r>
+            <a:r>
+              <a:rPr lang="en-US" altLang="zh-CN" dirty="0" smtClean="0">
+                <a:solidFill>
+                  <a:schemeClr val="bg1"/>
+                </a:solidFill>
+                <a:latin typeface="微软雅黑" pitchFamily="34" charset="-122"/>
+                <a:ea typeface="微软雅黑" pitchFamily="34" charset="-122"/>
+              </a:rPr>
+              <a:t>, </a:t>
+            </a:r>
+            <a:r>
+              <a:rPr lang="en-US" altLang="zh-CN" dirty="0" err="1" smtClean="0">
+                <a:solidFill>
+                  <a:schemeClr val="bg1"/>
+                </a:solidFill>
+                <a:latin typeface="微软雅黑" pitchFamily="34" charset="-122"/>
+                <a:ea typeface="微软雅黑" pitchFamily="34" charset="-122"/>
+              </a:rPr>
+              <a:t>sendCmd</a:t>
+            </a:r>
+            <a:r>
+              <a:rPr lang="en-US" altLang="zh-CN" dirty="0" smtClean="0">
+                <a:solidFill>
+                  <a:schemeClr val="bg1"/>
+                </a:solidFill>
+                <a:latin typeface="微软雅黑" pitchFamily="34" charset="-122"/>
+                <a:ea typeface="微软雅黑" pitchFamily="34" charset="-122"/>
+              </a:rPr>
+              <a:t>, nil) </a:t>
+            </a:r>
+            <a:r>
+              <a:rPr lang="en-US" altLang="zh-CN" dirty="0" smtClean="0">
+                <a:solidFill>
+                  <a:schemeClr val="bg1"/>
+                </a:solidFill>
+                <a:latin typeface="微软雅黑" pitchFamily="34" charset="-122"/>
+                <a:ea typeface="微软雅黑" pitchFamily="34" charset="-122"/>
+              </a:rPr>
+              <a:t>–</a:t>
+            </a:r>
+            <a:r>
+              <a:rPr lang="zh-CN" altLang="en-US" dirty="0" smtClean="0">
+                <a:solidFill>
+                  <a:schemeClr val="bg1"/>
+                </a:solidFill>
+                <a:latin typeface="微软雅黑" pitchFamily="34" charset="-122"/>
+                <a:ea typeface="微软雅黑" pitchFamily="34" charset="-122"/>
+              </a:rPr>
+              <a:t>发送进入</a:t>
+            </a:r>
+            <a:r>
+              <a:rPr lang="zh-CN" altLang="en-US" dirty="0" smtClean="0">
+                <a:solidFill>
+                  <a:schemeClr val="bg1"/>
+                </a:solidFill>
+                <a:latin typeface="微软雅黑" pitchFamily="34" charset="-122"/>
+                <a:ea typeface="微软雅黑" pitchFamily="34" charset="-122"/>
+              </a:rPr>
+              <a:t>房间</a:t>
+            </a:r>
             <a:endParaRPr lang="en-US" altLang="zh-CN" dirty="0" smtClean="0">
               <a:solidFill>
                 <a:schemeClr val="bg1"/>

--- a/ServerGameBYLua2/说明文档/服务器架构设计.pptx
+++ b/ServerGameBYLua2/说明文档/服务器架构设计.pptx
@@ -5,7 +5,7 @@
     <p:sldMasterId id="2147483648" r:id="rId1"/>
   </p:sldMasterIdLst>
   <p:notesMasterIdLst>
-    <p:notesMasterId r:id="rId12"/>
+    <p:notesMasterId r:id="rId13"/>
   </p:notesMasterIdLst>
   <p:sldIdLst>
     <p:sldId id="256" r:id="rId2"/>
@@ -18,6 +18,7 @@
     <p:sldId id="263" r:id="rId9"/>
     <p:sldId id="264" r:id="rId10"/>
     <p:sldId id="265" r:id="rId11"/>
+    <p:sldId id="266" r:id="rId12"/>
   </p:sldIdLst>
   <p:sldSz cx="9144000" cy="6858000" type="screen4x3"/>
   <p:notesSz cx="6858000" cy="9144000"/>
@@ -4088,17 +4089,7 @@
                 <a:latin typeface="微软雅黑" pitchFamily="34" charset="-122"/>
                 <a:ea typeface="微软雅黑" pitchFamily="34" charset="-122"/>
               </a:rPr>
-              <a:t>print</a:t>
-            </a:r>
-            <a:r>
-              <a:rPr lang="en-US" altLang="zh-CN" dirty="0" smtClean="0">
-                <a:solidFill>
-                  <a:schemeClr val="bg1"/>
-                </a:solidFill>
-                <a:latin typeface="微软雅黑" pitchFamily="34" charset="-122"/>
-                <a:ea typeface="微软雅黑" pitchFamily="34" charset="-122"/>
-              </a:rPr>
-              <a:t>(“</a:t>
+              <a:t>print(“</a:t>
             </a:r>
             <a:r>
               <a:rPr lang="zh-CN" altLang="en-US" dirty="0" smtClean="0">
@@ -4714,6 +4705,466 @@
             <a:br>
               <a:rPr lang="en-US" altLang="zh-CN" b="1" dirty="0" smtClean="0"/>
             </a:br>
+            <a:endParaRPr lang="zh-CN" altLang="en-US" dirty="0">
+              <a:solidFill>
+                <a:schemeClr val="bg1"/>
+              </a:solidFill>
+              <a:latin typeface="微软雅黑" pitchFamily="34" charset="-122"/>
+              <a:ea typeface="微软雅黑" pitchFamily="34" charset="-122"/>
+            </a:endParaRPr>
+          </a:p>
+        </p:txBody>
+      </p:sp>
+      <p:pic>
+        <p:nvPicPr>
+          <p:cNvPr id="9" name="Picture 6" descr="C:\Users\Administrator\Desktop\图片3.png"/>
+          <p:cNvPicPr>
+            <a:picLocks noChangeAspect="1" noChangeArrowheads="1"/>
+          </p:cNvPicPr>
+          <p:nvPr/>
+        </p:nvPicPr>
+        <p:blipFill>
+          <a:blip r:embed="rId2" cstate="print"/>
+          <a:srcRect/>
+          <a:stretch>
+            <a:fillRect/>
+          </a:stretch>
+        </p:blipFill>
+        <p:spPr bwMode="auto">
+          <a:xfrm>
+            <a:off x="467544" y="686051"/>
+            <a:ext cx="1009526" cy="1014757"/>
+          </a:xfrm>
+          <a:prstGeom prst="rect">
+            <a:avLst/>
+          </a:prstGeom>
+          <a:noFill/>
+        </p:spPr>
+      </p:pic>
+      <p:pic>
+        <p:nvPicPr>
+          <p:cNvPr id="12" name="Picture 7" descr="C:\Users\Administrator\Desktop\图片6.png"/>
+          <p:cNvPicPr>
+            <a:picLocks noChangeAspect="1" noChangeArrowheads="1"/>
+          </p:cNvPicPr>
+          <p:nvPr/>
+        </p:nvPicPr>
+        <p:blipFill>
+          <a:blip r:embed="rId3" cstate="print"/>
+          <a:srcRect/>
+          <a:stretch>
+            <a:fillRect/>
+          </a:stretch>
+        </p:blipFill>
+        <p:spPr bwMode="auto">
+          <a:xfrm>
+            <a:off x="705594" y="784567"/>
+            <a:ext cx="554038" cy="811212"/>
+          </a:xfrm>
+          <a:prstGeom prst="rect">
+            <a:avLst/>
+          </a:prstGeom>
+          <a:noFill/>
+        </p:spPr>
+      </p:pic>
+    </p:spTree>
+  </p:cSld>
+  <p:clrMapOvr>
+    <a:masterClrMapping/>
+  </p:clrMapOvr>
+  <p:timing>
+    <p:tnLst>
+      <p:par>
+        <p:cTn id="1" dur="indefinite" restart="never" nodeType="tmRoot"/>
+      </p:par>
+    </p:tnLst>
+  </p:timing>
+</p:sld>
+</file>
+
+<file path=ppt/slides/slide11.xml><?xml version="1.0" encoding="utf-8"?>
+<p:sld xmlns:a="http://schemas.openxmlformats.org/drawingml/2006/main" xmlns:r="http://schemas.openxmlformats.org/officeDocument/2006/relationships" xmlns:p="http://schemas.openxmlformats.org/presentationml/2006/main">
+  <p:cSld>
+    <p:spTree>
+      <p:nvGrpSpPr>
+        <p:cNvPr id="1" name=""/>
+        <p:cNvGrpSpPr/>
+        <p:nvPr/>
+      </p:nvGrpSpPr>
+      <p:grpSpPr>
+        <a:xfrm>
+          <a:off x="0" y="0"/>
+          <a:ext cx="0" cy="0"/>
+          <a:chOff x="0" y="0"/>
+          <a:chExt cx="0" cy="0"/>
+        </a:xfrm>
+      </p:grpSpPr>
+      <p:sp>
+        <p:nvSpPr>
+          <p:cNvPr id="2" name="标题 1"/>
+          <p:cNvSpPr>
+            <a:spLocks noGrp="1"/>
+          </p:cNvSpPr>
+          <p:nvPr>
+            <p:ph type="ctrTitle"/>
+          </p:nvPr>
+        </p:nvSpPr>
+        <p:spPr>
+          <a:xfrm>
+            <a:off x="1907704" y="116633"/>
+            <a:ext cx="5760640" cy="432048"/>
+          </a:xfrm>
+        </p:spPr>
+        <p:txBody>
+          <a:bodyPr>
+            <a:normAutofit/>
+          </a:bodyPr>
+          <a:lstStyle/>
+          <a:p>
+            <a:pPr algn="l"/>
+            <a:r>
+              <a:rPr lang="en-US" altLang="zh-CN" dirty="0" err="1" smtClean="0"/>
+              <a:t>Lua</a:t>
+            </a:r>
+            <a:r>
+              <a:rPr lang="zh-CN" altLang="en-US" dirty="0" smtClean="0"/>
+              <a:t>的</a:t>
+            </a:r>
+            <a:r>
+              <a:rPr lang="en-US" altLang="zh-CN" dirty="0" smtClean="0"/>
+              <a:t>table</a:t>
+            </a:r>
+            <a:r>
+              <a:rPr lang="zh-CN" altLang="en-US" dirty="0" smtClean="0"/>
+              <a:t>用法说明</a:t>
+            </a:r>
+            <a:endParaRPr lang="zh-CN" altLang="en-US" dirty="0"/>
+          </a:p>
+        </p:txBody>
+      </p:sp>
+      <p:sp>
+        <p:nvSpPr>
+          <p:cNvPr id="11" name="TextBox 10"/>
+          <p:cNvSpPr txBox="1"/>
+          <p:nvPr/>
+        </p:nvSpPr>
+        <p:spPr>
+          <a:xfrm>
+            <a:off x="1691680" y="692696"/>
+            <a:ext cx="7056784" cy="1754326"/>
+          </a:xfrm>
+          <a:prstGeom prst="rect">
+            <a:avLst/>
+          </a:prstGeom>
+          <a:noFill/>
+          <a:ln>
+            <a:noFill/>
+          </a:ln>
+          <a:effectLst>
+            <a:outerShdw blurRad="44450" dist="27940" dir="5400000" algn="ctr">
+              <a:srgbClr val="000000">
+                <a:alpha val="32000"/>
+              </a:srgbClr>
+            </a:outerShdw>
+          </a:effectLst>
+          <a:scene3d>
+            <a:camera prst="orthographicFront">
+              <a:rot lat="0" lon="0" rev="0"/>
+            </a:camera>
+            <a:lightRig rig="balanced" dir="t">
+              <a:rot lat="0" lon="0" rev="8700000"/>
+            </a:lightRig>
+          </a:scene3d>
+          <a:sp3d>
+            <a:bevelT w="190500" h="38100"/>
+          </a:sp3d>
+        </p:spPr>
+        <p:txBody>
+          <a:bodyPr wrap="square" rtlCol="0">
+            <a:spAutoFit/>
+          </a:bodyPr>
+          <a:lstStyle/>
+          <a:p>
+            <a:pPr marL="342900" indent="-342900">
+              <a:buAutoNum type="arabicPeriod"/>
+            </a:pPr>
+            <a:r>
+              <a:rPr lang="en-US" altLang="zh-CN" dirty="0" err="1" smtClean="0">
+                <a:solidFill>
+                  <a:schemeClr val="bg1"/>
+                </a:solidFill>
+                <a:latin typeface="微软雅黑" pitchFamily="34" charset="-122"/>
+                <a:ea typeface="微软雅黑" pitchFamily="34" charset="-122"/>
+              </a:rPr>
+              <a:t>Lua</a:t>
+            </a:r>
+            <a:r>
+              <a:rPr lang="zh-CN" altLang="en-US" dirty="0" smtClean="0">
+                <a:solidFill>
+                  <a:schemeClr val="bg1"/>
+                </a:solidFill>
+                <a:latin typeface="微软雅黑" pitchFamily="34" charset="-122"/>
+                <a:ea typeface="微软雅黑" pitchFamily="34" charset="-122"/>
+              </a:rPr>
+              <a:t>的</a:t>
+            </a:r>
+            <a:r>
+              <a:rPr lang="en-US" altLang="zh-CN" dirty="0" smtClean="0">
+                <a:solidFill>
+                  <a:schemeClr val="bg1"/>
+                </a:solidFill>
+                <a:latin typeface="微软雅黑" pitchFamily="34" charset="-122"/>
+                <a:ea typeface="微软雅黑" pitchFamily="34" charset="-122"/>
+              </a:rPr>
+              <a:t>table</a:t>
+            </a:r>
+            <a:r>
+              <a:rPr lang="zh-CN" altLang="en-US" dirty="0" smtClean="0">
+                <a:solidFill>
+                  <a:schemeClr val="bg1"/>
+                </a:solidFill>
+                <a:latin typeface="微软雅黑" pitchFamily="34" charset="-122"/>
+                <a:ea typeface="微软雅黑" pitchFamily="34" charset="-122"/>
+              </a:rPr>
+              <a:t>可以是数组，也可以是</a:t>
+            </a:r>
+            <a:r>
+              <a:rPr lang="en-US" altLang="zh-CN" dirty="0" smtClean="0">
+                <a:solidFill>
+                  <a:schemeClr val="bg1"/>
+                </a:solidFill>
+                <a:latin typeface="微软雅黑" pitchFamily="34" charset="-122"/>
+                <a:ea typeface="微软雅黑" pitchFamily="34" charset="-122"/>
+              </a:rPr>
+              <a:t>map</a:t>
+            </a:r>
+            <a:r>
+              <a:rPr lang="zh-CN" altLang="en-US" dirty="0" smtClean="0">
+                <a:solidFill>
+                  <a:schemeClr val="bg1"/>
+                </a:solidFill>
+                <a:latin typeface="微软雅黑" pitchFamily="34" charset="-122"/>
+                <a:ea typeface="微软雅黑" pitchFamily="34" charset="-122"/>
+              </a:rPr>
+              <a:t>， 要注意，尽量使用</a:t>
+            </a:r>
+            <a:r>
+              <a:rPr lang="en-US" altLang="zh-CN" dirty="0" smtClean="0">
+                <a:solidFill>
+                  <a:schemeClr val="bg1"/>
+                </a:solidFill>
+                <a:latin typeface="微软雅黑" pitchFamily="34" charset="-122"/>
+                <a:ea typeface="微软雅黑" pitchFamily="34" charset="-122"/>
+              </a:rPr>
+              <a:t>key</a:t>
+            </a:r>
+            <a:r>
+              <a:rPr lang="zh-CN" altLang="en-US" dirty="0" smtClean="0">
+                <a:solidFill>
+                  <a:schemeClr val="bg1"/>
+                </a:solidFill>
+                <a:latin typeface="微软雅黑" pitchFamily="34" charset="-122"/>
+                <a:ea typeface="微软雅黑" pitchFamily="34" charset="-122"/>
+              </a:rPr>
+              <a:t>是</a:t>
+            </a:r>
+            <a:r>
+              <a:rPr lang="en-US" altLang="zh-CN" dirty="0" smtClean="0">
+                <a:solidFill>
+                  <a:schemeClr val="bg1"/>
+                </a:solidFill>
+                <a:latin typeface="微软雅黑" pitchFamily="34" charset="-122"/>
+                <a:ea typeface="微软雅黑" pitchFamily="34" charset="-122"/>
+              </a:rPr>
+              <a:t>string</a:t>
+            </a:r>
+            <a:r>
+              <a:rPr lang="zh-CN" altLang="en-US" dirty="0" smtClean="0">
+                <a:solidFill>
+                  <a:schemeClr val="bg1"/>
+                </a:solidFill>
+                <a:latin typeface="微软雅黑" pitchFamily="34" charset="-122"/>
+                <a:ea typeface="微软雅黑" pitchFamily="34" charset="-122"/>
+              </a:rPr>
+              <a:t>的</a:t>
+            </a:r>
+            <a:r>
+              <a:rPr lang="en-US" altLang="zh-CN" dirty="0" smtClean="0">
+                <a:solidFill>
+                  <a:schemeClr val="bg1"/>
+                </a:solidFill>
+                <a:latin typeface="微软雅黑" pitchFamily="34" charset="-122"/>
+                <a:ea typeface="微软雅黑" pitchFamily="34" charset="-122"/>
+              </a:rPr>
+              <a:t>map</a:t>
+            </a:r>
+            <a:r>
+              <a:rPr lang="zh-CN" altLang="en-US" dirty="0" smtClean="0">
+                <a:solidFill>
+                  <a:schemeClr val="bg1"/>
+                </a:solidFill>
+                <a:latin typeface="微软雅黑" pitchFamily="34" charset="-122"/>
+                <a:ea typeface="微软雅黑" pitchFamily="34" charset="-122"/>
+              </a:rPr>
+              <a:t>形式， 因为</a:t>
+            </a:r>
+            <a:r>
+              <a:rPr lang="zh-CN" altLang="en-US" dirty="0" smtClean="0">
+                <a:solidFill>
+                  <a:schemeClr val="bg1"/>
+                </a:solidFill>
+                <a:latin typeface="微软雅黑" pitchFamily="34" charset="-122"/>
+                <a:ea typeface="微软雅黑" pitchFamily="34" charset="-122"/>
+              </a:rPr>
+              <a:t>如果</a:t>
+            </a:r>
+            <a:r>
+              <a:rPr lang="en-US" altLang="zh-CN" dirty="0" smtClean="0">
+                <a:solidFill>
+                  <a:schemeClr val="bg1"/>
+                </a:solidFill>
+                <a:latin typeface="微软雅黑" pitchFamily="34" charset="-122"/>
+                <a:ea typeface="微软雅黑" pitchFamily="34" charset="-122"/>
+              </a:rPr>
+              <a:t>key</a:t>
+            </a:r>
+            <a:r>
+              <a:rPr lang="zh-CN" altLang="en-US" dirty="0" smtClean="0">
+                <a:solidFill>
+                  <a:schemeClr val="bg1"/>
+                </a:solidFill>
+                <a:latin typeface="微软雅黑" pitchFamily="34" charset="-122"/>
+                <a:ea typeface="微软雅黑" pitchFamily="34" charset="-122"/>
+              </a:rPr>
+              <a:t>是数字并且很大，那么会占用很大的内存。</a:t>
+            </a:r>
+            <a:endParaRPr lang="en-US" altLang="zh-CN" dirty="0" smtClean="0">
+              <a:solidFill>
+                <a:schemeClr val="bg1"/>
+              </a:solidFill>
+              <a:latin typeface="微软雅黑" pitchFamily="34" charset="-122"/>
+              <a:ea typeface="微软雅黑" pitchFamily="34" charset="-122"/>
+            </a:endParaRPr>
+          </a:p>
+          <a:p>
+            <a:pPr marL="342900" indent="-342900">
+              <a:buAutoNum type="arabicPeriod"/>
+            </a:pPr>
+            <a:r>
+              <a:rPr lang="zh-CN" altLang="en-US" dirty="0" smtClean="0">
+                <a:solidFill>
+                  <a:schemeClr val="bg1"/>
+                </a:solidFill>
+                <a:latin typeface="微软雅黑" pitchFamily="34" charset="-122"/>
+                <a:ea typeface="微软雅黑" pitchFamily="34" charset="-122"/>
+              </a:rPr>
+              <a:t>获取</a:t>
+            </a:r>
+            <a:r>
+              <a:rPr lang="en-US" altLang="zh-CN" dirty="0" smtClean="0">
+                <a:solidFill>
+                  <a:schemeClr val="bg1"/>
+                </a:solidFill>
+                <a:latin typeface="微软雅黑" pitchFamily="34" charset="-122"/>
+                <a:ea typeface="微软雅黑" pitchFamily="34" charset="-122"/>
+              </a:rPr>
+              <a:t>table</a:t>
+            </a:r>
+            <a:r>
+              <a:rPr lang="zh-CN" altLang="en-US" dirty="0" smtClean="0">
+                <a:solidFill>
+                  <a:schemeClr val="bg1"/>
+                </a:solidFill>
+                <a:latin typeface="微软雅黑" pitchFamily="34" charset="-122"/>
+                <a:ea typeface="微软雅黑" pitchFamily="34" charset="-122"/>
+              </a:rPr>
+              <a:t>的内容有多少，如果是数组且是</a:t>
+            </a:r>
+            <a:r>
+              <a:rPr lang="en-US" altLang="zh-CN" dirty="0" smtClean="0">
+                <a:solidFill>
+                  <a:schemeClr val="bg1"/>
+                </a:solidFill>
+                <a:latin typeface="微软雅黑" pitchFamily="34" charset="-122"/>
+                <a:ea typeface="微软雅黑" pitchFamily="34" charset="-122"/>
+              </a:rPr>
+              <a:t>1</a:t>
+            </a:r>
+            <a:r>
+              <a:rPr lang="zh-CN" altLang="en-US" dirty="0" smtClean="0">
+                <a:solidFill>
+                  <a:schemeClr val="bg1"/>
+                </a:solidFill>
+                <a:latin typeface="微软雅黑" pitchFamily="34" charset="-122"/>
+                <a:ea typeface="微软雅黑" pitchFamily="34" charset="-122"/>
+              </a:rPr>
+              <a:t>开头的且连续的，可以用</a:t>
+            </a:r>
+            <a:r>
+              <a:rPr lang="en-US" altLang="zh-CN" dirty="0" smtClean="0">
+                <a:solidFill>
+                  <a:schemeClr val="bg1"/>
+                </a:solidFill>
+                <a:latin typeface="微软雅黑" pitchFamily="34" charset="-122"/>
+                <a:ea typeface="微软雅黑" pitchFamily="34" charset="-122"/>
+              </a:rPr>
+              <a:t>#table</a:t>
+            </a:r>
+          </a:p>
+          <a:p>
+            <a:pPr marL="342900" indent="-342900">
+              <a:buAutoNum type="arabicPeriod"/>
+            </a:pPr>
+            <a:r>
+              <a:rPr lang="zh-CN" altLang="en-US" dirty="0" smtClean="0">
+                <a:solidFill>
+                  <a:schemeClr val="bg1"/>
+                </a:solidFill>
+                <a:latin typeface="微软雅黑" pitchFamily="34" charset="-122"/>
+                <a:ea typeface="微软雅黑" pitchFamily="34" charset="-122"/>
+              </a:rPr>
+              <a:t>否则，一定要用</a:t>
+            </a:r>
+            <a:r>
+              <a:rPr lang="en-US" altLang="zh-CN" dirty="0" err="1" smtClean="0">
+                <a:solidFill>
+                  <a:schemeClr val="bg1"/>
+                </a:solidFill>
+                <a:latin typeface="微软雅黑" pitchFamily="34" charset="-122"/>
+                <a:ea typeface="微软雅黑" pitchFamily="34" charset="-122"/>
+              </a:rPr>
+              <a:t>GetTableLen</a:t>
+            </a:r>
+            <a:r>
+              <a:rPr lang="zh-CN" altLang="en-US" dirty="0" smtClean="0">
+                <a:solidFill>
+                  <a:schemeClr val="bg1"/>
+                </a:solidFill>
+                <a:latin typeface="微软雅黑" pitchFamily="34" charset="-122"/>
+                <a:ea typeface="微软雅黑" pitchFamily="34" charset="-122"/>
+              </a:rPr>
+              <a:t>（</a:t>
+            </a:r>
+            <a:r>
+              <a:rPr lang="en-US" altLang="zh-CN" dirty="0" smtClean="0">
+                <a:solidFill>
+                  <a:schemeClr val="bg1"/>
+                </a:solidFill>
+                <a:latin typeface="微软雅黑" pitchFamily="34" charset="-122"/>
+                <a:ea typeface="微软雅黑" pitchFamily="34" charset="-122"/>
+              </a:rPr>
+              <a:t>table</a:t>
+            </a:r>
+            <a:r>
+              <a:rPr lang="zh-CN" altLang="en-US" dirty="0" smtClean="0">
+                <a:solidFill>
+                  <a:schemeClr val="bg1"/>
+                </a:solidFill>
+                <a:latin typeface="微软雅黑" pitchFamily="34" charset="-122"/>
+                <a:ea typeface="微软雅黑" pitchFamily="34" charset="-122"/>
+              </a:rPr>
+              <a:t>）</a:t>
+            </a:r>
             <a:endParaRPr lang="zh-CN" altLang="en-US" dirty="0">
               <a:solidFill>
                 <a:schemeClr val="bg1"/>
@@ -10254,16 +10705,6 @@
               </a:rPr>
               <a:t>的写法</a:t>
             </a:r>
-            <a:r>
-              <a:rPr lang="zh-CN" altLang="en-US" dirty="0" smtClean="0">
-                <a:solidFill>
-                  <a:schemeClr val="bg1"/>
-                </a:solidFill>
-                <a:latin typeface="微软雅黑" pitchFamily="34" charset="-122"/>
-                <a:ea typeface="微软雅黑" pitchFamily="34" charset="-122"/>
-              </a:rPr>
-              <a:t/>
-            </a:r>
             <a:br>
               <a:rPr lang="zh-CN" altLang="en-US" dirty="0" smtClean="0">
                 <a:solidFill>
@@ -10634,17 +11075,7 @@
                 <a:latin typeface="微软雅黑" pitchFamily="34" charset="-122"/>
                 <a:ea typeface="微软雅黑" pitchFamily="34" charset="-122"/>
               </a:rPr>
-              <a:t>, nil) </a:t>
-            </a:r>
-            <a:r>
-              <a:rPr lang="en-US" altLang="zh-CN" dirty="0" smtClean="0">
-                <a:solidFill>
-                  <a:schemeClr val="bg1"/>
-                </a:solidFill>
-                <a:latin typeface="微软雅黑" pitchFamily="34" charset="-122"/>
-                <a:ea typeface="微软雅黑" pitchFamily="34" charset="-122"/>
-              </a:rPr>
-              <a:t>–</a:t>
+              <a:t>, nil) –</a:t>
             </a:r>
             <a:r>
               <a:rPr lang="zh-CN" altLang="en-US" dirty="0" smtClean="0">
@@ -10654,17 +11085,7 @@
                 <a:latin typeface="微软雅黑" pitchFamily="34" charset="-122"/>
                 <a:ea typeface="微软雅黑" pitchFamily="34" charset="-122"/>
               </a:rPr>
-              <a:t>发送进入</a:t>
-            </a:r>
-            <a:r>
-              <a:rPr lang="zh-CN" altLang="en-US" dirty="0" smtClean="0">
-                <a:solidFill>
-                  <a:schemeClr val="bg1"/>
-                </a:solidFill>
-                <a:latin typeface="微软雅黑" pitchFamily="34" charset="-122"/>
-                <a:ea typeface="微软雅黑" pitchFamily="34" charset="-122"/>
-              </a:rPr>
-              <a:t>房间</a:t>
+              <a:t>发送进入房间</a:t>
             </a:r>
             <a:endParaRPr lang="en-US" altLang="zh-CN" dirty="0" smtClean="0">
               <a:solidFill>
